--- a/doc/日志系统3.0发布介绍.pptx
+++ b/doc/日志系统3.0发布介绍.pptx
@@ -10010,6 +10010,15 @@
           <a:lstStyle/>
           <a:p>
             <a:pPr eaLnBrk="0" hangingPunct="0"/>
+            <a:r>
+              <a:rPr lang="zh-CN" altLang="en-US" sz="1400">
+                <a:solidFill>
+                  <a:srgbClr val="0070C0"/>
+                </a:solidFill>
+                <a:latin typeface="微软雅黑" panose="020B0503020204020204" pitchFamily="34" charset="-122"/>
+              </a:rPr>
+              <a:t>锐特信息技术有限公司</a:t>
+            </a:r>
             <a:endParaRPr lang="en-US" altLang="zh-CN" sz="1400">
               <a:solidFill>
                 <a:srgbClr val="0070C0"/>
@@ -10141,6 +10150,38 @@
           </a:p>
         </p:txBody>
       </p:sp>
+      <p:pic>
+        <p:nvPicPr>
+          <p:cNvPr id="4102" name="Picture 20" descr="C:\Users\Administrator\Desktop\logo.png"/>
+          <p:cNvPicPr>
+            <a:picLocks noChangeAspect="1" noChangeArrowheads="1"/>
+          </p:cNvPicPr>
+          <p:nvPr/>
+        </p:nvPicPr>
+        <p:blipFill>
+          <a:blip r:embed="rId1"/>
+          <a:srcRect/>
+          <a:stretch>
+            <a:fillRect/>
+          </a:stretch>
+        </p:blipFill>
+        <p:spPr bwMode="auto">
+          <a:xfrm>
+            <a:off x="1619250" y="3663950"/>
+            <a:ext cx="3733800" cy="257175"/>
+          </a:xfrm>
+          <a:prstGeom prst="rect">
+            <a:avLst/>
+          </a:prstGeom>
+          <a:noFill/>
+          <a:ln w="9525">
+            <a:noFill/>
+            <a:miter lim="800000"/>
+            <a:headEnd/>
+            <a:tailEnd/>
+          </a:ln>
+        </p:spPr>
+      </p:pic>
     </p:spTree>
   </p:cSld>
   <p:clrMapOvr>
@@ -16981,22 +17022,5825 @@
       </p:sp>
       <p:sp>
         <p:nvSpPr>
-          <p:cNvPr id="8" name="页脚占位符 7"/>
-          <p:cNvSpPr>
-            <a:spLocks noGrp="1"/>
-          </p:cNvSpPr>
-          <p:nvPr>
-            <p:ph type="ftr" sz="quarter" idx="11"/>
-          </p:nvPr>
+          <p:cNvPr id="3" name="流程图: 过程 2"/>
+          <p:cNvSpPr/>
+          <p:nvPr/>
         </p:nvSpPr>
-        <p:spPr/>
+        <p:spPr>
+          <a:xfrm>
+            <a:off x="2654300" y="5430520"/>
+            <a:ext cx="1460500" cy="330200"/>
+          </a:xfrm>
+          <a:prstGeom prst="flowChartProcess">
+            <a:avLst/>
+          </a:prstGeom>
+          <a:solidFill>
+            <a:schemeClr val="accent1">
+              <a:lumMod val="20000"/>
+              <a:lumOff val="80000"/>
+            </a:schemeClr>
+          </a:solidFill>
+          <a:ln w="9525" cap="flat" cmpd="sng" algn="ctr">
+            <a:noFill/>
+            <a:prstDash val="solid"/>
+            <a:round/>
+            <a:headEnd type="none" w="med" len="med"/>
+            <a:tailEnd type="none" w="med" len="med"/>
+          </a:ln>
+        </p:spPr>
         <p:txBody>
-          <a:bodyPr/>
-          <a:p>
-            <a:pPr>
+          <a:bodyPr vert="horz" wrap="square" lIns="91440" tIns="45720" rIns="91440" bIns="45720" numCol="1" rtlCol="0" anchor="t" anchorCtr="0" compatLnSpc="1"/>
+          <a:p>
+            <a:pPr marL="0" marR="0" indent="0" algn="l" defTabSz="914400" rtl="0" eaLnBrk="1" fontAlgn="base" latinLnBrk="0" hangingPunct="1">
+              <a:lnSpc>
+                <a:spcPct val="100000"/>
+              </a:lnSpc>
+              <a:spcBef>
+                <a:spcPct val="0"/>
+              </a:spcBef>
+              <a:spcAft>
+                <a:spcPct val="0"/>
+              </a:spcAft>
+              <a:buClrTx/>
+              <a:buSzTx/>
+              <a:buFont typeface="Arial" panose="020B0604020202020204" pitchFamily="34" charset="0"/>
+              <a:buNone/>
+            </a:pPr>
+            <a:r>
+              <a:rPr kumimoji="0" lang="zh-CN" altLang="en-US" sz="1800" b="0" i="0" u="none" strike="noStrike" cap="none" normalizeH="0" baseline="0" smtClean="0">
+                <a:ln>
+                  <a:noFill/>
+                </a:ln>
+                <a:solidFill>
+                  <a:schemeClr val="tx1"/>
+                </a:solidFill>
+                <a:effectLst/>
+                <a:latin typeface="微软雅黑" panose="020B0503020204020204" pitchFamily="34" charset="-122"/>
+                <a:ea typeface="微软雅黑" panose="020B0503020204020204" pitchFamily="34" charset="-122"/>
+              </a:rPr>
+              <a:t>客户：</a:t>
+            </a:r>
+            <a:r>
+              <a:rPr kumimoji="0" lang="en-US" altLang="zh-CN" sz="1800" b="0" i="0" u="none" strike="noStrike" cap="none" normalizeH="0" baseline="0" smtClean="0">
+                <a:ln>
+                  <a:noFill/>
+                </a:ln>
+                <a:solidFill>
+                  <a:schemeClr val="tx1"/>
+                </a:solidFill>
+                <a:effectLst/>
+                <a:latin typeface="微软雅黑" panose="020B0503020204020204" pitchFamily="34" charset="-122"/>
+                <a:ea typeface="微软雅黑" panose="020B0503020204020204" pitchFamily="34" charset="-122"/>
+              </a:rPr>
+              <a:t>TCL</a:t>
+            </a:r>
+            <a:endParaRPr kumimoji="0" lang="en-US" altLang="zh-CN" sz="1800" b="0" i="0" u="none" strike="noStrike" cap="none" normalizeH="0" baseline="0" smtClean="0">
+              <a:ln>
+                <a:noFill/>
+              </a:ln>
+              <a:solidFill>
+                <a:schemeClr val="tx1"/>
+              </a:solidFill>
+              <a:effectLst/>
+              <a:latin typeface="微软雅黑" panose="020B0503020204020204" pitchFamily="34" charset="-122"/>
+              <a:ea typeface="微软雅黑" panose="020B0503020204020204" pitchFamily="34" charset="-122"/>
+            </a:endParaRPr>
+          </a:p>
+        </p:txBody>
+      </p:sp>
+      <p:sp>
+        <p:nvSpPr>
+          <p:cNvPr id="4" name="团队"/>
+          <p:cNvSpPr/>
+          <p:nvPr/>
+        </p:nvSpPr>
+        <p:spPr bwMode="auto">
+          <a:xfrm>
+            <a:off x="1223010" y="5118735"/>
+            <a:ext cx="1292860" cy="765175"/>
+          </a:xfrm>
+          <a:custGeom>
+            <a:avLst/>
+            <a:gdLst/>
+            <a:ahLst/>
+            <a:cxnLst/>
+            <a:rect l="0" t="0" r="r" b="b"/>
+            <a:pathLst>
+              <a:path w="2608263" h="1778000">
+                <a:moveTo>
+                  <a:pt x="1956693" y="381000"/>
+                </a:moveTo>
+                <a:lnTo>
+                  <a:pt x="1966217" y="381397"/>
+                </a:lnTo>
+                <a:lnTo>
+                  <a:pt x="1975740" y="382192"/>
+                </a:lnTo>
+                <a:lnTo>
+                  <a:pt x="1986057" y="382986"/>
+                </a:lnTo>
+                <a:lnTo>
+                  <a:pt x="1995581" y="384575"/>
+                </a:lnTo>
+                <a:lnTo>
+                  <a:pt x="2005501" y="386562"/>
+                </a:lnTo>
+                <a:lnTo>
+                  <a:pt x="2015819" y="388548"/>
+                </a:lnTo>
+                <a:lnTo>
+                  <a:pt x="2025739" y="391726"/>
+                </a:lnTo>
+                <a:lnTo>
+                  <a:pt x="2035263" y="394904"/>
+                </a:lnTo>
+                <a:lnTo>
+                  <a:pt x="2045580" y="398876"/>
+                </a:lnTo>
+                <a:lnTo>
+                  <a:pt x="2055500" y="403246"/>
+                </a:lnTo>
+                <a:lnTo>
+                  <a:pt x="2065421" y="408807"/>
+                </a:lnTo>
+                <a:lnTo>
+                  <a:pt x="2075738" y="414766"/>
+                </a:lnTo>
+                <a:lnTo>
+                  <a:pt x="2101927" y="438998"/>
+                </a:lnTo>
+                <a:lnTo>
+                  <a:pt x="2143990" y="446149"/>
+                </a:lnTo>
+                <a:lnTo>
+                  <a:pt x="2147958" y="448929"/>
+                </a:lnTo>
+                <a:lnTo>
+                  <a:pt x="2151926" y="452107"/>
+                </a:lnTo>
+                <a:lnTo>
+                  <a:pt x="2155497" y="455683"/>
+                </a:lnTo>
+                <a:lnTo>
+                  <a:pt x="2158672" y="459655"/>
+                </a:lnTo>
+                <a:lnTo>
+                  <a:pt x="2161847" y="464025"/>
+                </a:lnTo>
+                <a:lnTo>
+                  <a:pt x="2164624" y="468395"/>
+                </a:lnTo>
+                <a:lnTo>
+                  <a:pt x="2169783" y="477531"/>
+                </a:lnTo>
+                <a:lnTo>
+                  <a:pt x="2173751" y="485874"/>
+                </a:lnTo>
+                <a:lnTo>
+                  <a:pt x="2176529" y="493024"/>
+                </a:lnTo>
+                <a:lnTo>
+                  <a:pt x="2179306" y="499380"/>
+                </a:lnTo>
+                <a:lnTo>
+                  <a:pt x="2182878" y="516064"/>
+                </a:lnTo>
+                <a:lnTo>
+                  <a:pt x="2186052" y="532749"/>
+                </a:lnTo>
+                <a:lnTo>
+                  <a:pt x="2188036" y="549433"/>
+                </a:lnTo>
+                <a:lnTo>
+                  <a:pt x="2189623" y="565720"/>
+                </a:lnTo>
+                <a:lnTo>
+                  <a:pt x="2190417" y="582008"/>
+                </a:lnTo>
+                <a:lnTo>
+                  <a:pt x="2190814" y="598692"/>
+                </a:lnTo>
+                <a:lnTo>
+                  <a:pt x="2190814" y="615376"/>
+                </a:lnTo>
+                <a:lnTo>
+                  <a:pt x="2190417" y="632855"/>
+                </a:lnTo>
+                <a:lnTo>
+                  <a:pt x="2190020" y="642389"/>
+                </a:lnTo>
+                <a:lnTo>
+                  <a:pt x="2188830" y="656293"/>
+                </a:lnTo>
+                <a:lnTo>
+                  <a:pt x="2185259" y="692840"/>
+                </a:lnTo>
+                <a:lnTo>
+                  <a:pt x="2183671" y="711908"/>
+                </a:lnTo>
+                <a:lnTo>
+                  <a:pt x="2182878" y="730578"/>
+                </a:lnTo>
+                <a:lnTo>
+                  <a:pt x="2182084" y="746468"/>
+                </a:lnTo>
+                <a:lnTo>
+                  <a:pt x="2182481" y="753221"/>
+                </a:lnTo>
+                <a:lnTo>
+                  <a:pt x="2182878" y="758386"/>
+                </a:lnTo>
+                <a:lnTo>
+                  <a:pt x="2183671" y="765139"/>
+                </a:lnTo>
+                <a:lnTo>
+                  <a:pt x="2184862" y="771098"/>
+                </a:lnTo>
+                <a:lnTo>
+                  <a:pt x="2186449" y="775865"/>
+                </a:lnTo>
+                <a:lnTo>
+                  <a:pt x="2188433" y="779837"/>
+                </a:lnTo>
+                <a:lnTo>
+                  <a:pt x="2192798" y="787782"/>
+                </a:lnTo>
+                <a:lnTo>
+                  <a:pt x="2195179" y="792152"/>
+                </a:lnTo>
+                <a:lnTo>
+                  <a:pt x="2198353" y="798508"/>
+                </a:lnTo>
+                <a:lnTo>
+                  <a:pt x="2200734" y="804069"/>
+                </a:lnTo>
+                <a:lnTo>
+                  <a:pt x="2202719" y="810028"/>
+                </a:lnTo>
+                <a:lnTo>
+                  <a:pt x="2204306" y="815987"/>
+                </a:lnTo>
+                <a:lnTo>
+                  <a:pt x="2205496" y="822343"/>
+                </a:lnTo>
+                <a:lnTo>
+                  <a:pt x="2206687" y="829096"/>
+                </a:lnTo>
+                <a:lnTo>
+                  <a:pt x="2207480" y="835452"/>
+                </a:lnTo>
+                <a:lnTo>
+                  <a:pt x="2207877" y="842205"/>
+                </a:lnTo>
+                <a:lnTo>
+                  <a:pt x="2207877" y="848561"/>
+                </a:lnTo>
+                <a:lnTo>
+                  <a:pt x="2207480" y="862465"/>
+                </a:lnTo>
+                <a:lnTo>
+                  <a:pt x="2206290" y="875177"/>
+                </a:lnTo>
+                <a:lnTo>
+                  <a:pt x="2204306" y="887889"/>
+                </a:lnTo>
+                <a:lnTo>
+                  <a:pt x="2202321" y="899806"/>
+                </a:lnTo>
+                <a:lnTo>
+                  <a:pt x="2199544" y="913312"/>
+                </a:lnTo>
+                <a:lnTo>
+                  <a:pt x="2197560" y="920463"/>
+                </a:lnTo>
+                <a:lnTo>
+                  <a:pt x="2195179" y="927613"/>
+                </a:lnTo>
+                <a:lnTo>
+                  <a:pt x="2192798" y="934367"/>
+                </a:lnTo>
+                <a:lnTo>
+                  <a:pt x="2190020" y="941517"/>
+                </a:lnTo>
+                <a:lnTo>
+                  <a:pt x="2186846" y="947873"/>
+                </a:lnTo>
+                <a:lnTo>
+                  <a:pt x="2183275" y="953037"/>
+                </a:lnTo>
+                <a:lnTo>
+                  <a:pt x="2181291" y="955818"/>
+                </a:lnTo>
+                <a:lnTo>
+                  <a:pt x="2178909" y="958201"/>
+                </a:lnTo>
+                <a:lnTo>
+                  <a:pt x="2176132" y="960188"/>
+                </a:lnTo>
+                <a:lnTo>
+                  <a:pt x="2173354" y="961777"/>
+                </a:lnTo>
+                <a:lnTo>
+                  <a:pt x="2167799" y="965749"/>
+                </a:lnTo>
+                <a:lnTo>
+                  <a:pt x="2162243" y="968530"/>
+                </a:lnTo>
+                <a:lnTo>
+                  <a:pt x="2156291" y="971708"/>
+                </a:lnTo>
+                <a:lnTo>
+                  <a:pt x="2151133" y="975283"/>
+                </a:lnTo>
+                <a:lnTo>
+                  <a:pt x="2147958" y="977269"/>
+                </a:lnTo>
+                <a:lnTo>
+                  <a:pt x="2145974" y="979653"/>
+                </a:lnTo>
+                <a:lnTo>
+                  <a:pt x="2143593" y="982434"/>
+                </a:lnTo>
+                <a:lnTo>
+                  <a:pt x="2142006" y="985612"/>
+                </a:lnTo>
+                <a:lnTo>
+                  <a:pt x="2139625" y="990379"/>
+                </a:lnTo>
+                <a:lnTo>
+                  <a:pt x="2137641" y="995543"/>
+                </a:lnTo>
+                <a:lnTo>
+                  <a:pt x="2136450" y="1000707"/>
+                </a:lnTo>
+                <a:lnTo>
+                  <a:pt x="2135260" y="1005871"/>
+                </a:lnTo>
+                <a:lnTo>
+                  <a:pt x="2134466" y="1011433"/>
+                </a:lnTo>
+                <a:lnTo>
+                  <a:pt x="2133673" y="1016597"/>
+                </a:lnTo>
+                <a:lnTo>
+                  <a:pt x="2132879" y="1028514"/>
+                </a:lnTo>
+                <a:lnTo>
+                  <a:pt x="2132085" y="1039637"/>
+                </a:lnTo>
+                <a:lnTo>
+                  <a:pt x="2131292" y="1051158"/>
+                </a:lnTo>
+                <a:lnTo>
+                  <a:pt x="2130895" y="1056719"/>
+                </a:lnTo>
+                <a:lnTo>
+                  <a:pt x="2130101" y="1061883"/>
+                </a:lnTo>
+                <a:lnTo>
+                  <a:pt x="2128911" y="1067445"/>
+                </a:lnTo>
+                <a:lnTo>
+                  <a:pt x="2127721" y="1072212"/>
+                </a:lnTo>
+                <a:lnTo>
+                  <a:pt x="2125736" y="1078170"/>
+                </a:lnTo>
+                <a:lnTo>
+                  <a:pt x="2123355" y="1082937"/>
+                </a:lnTo>
+                <a:lnTo>
+                  <a:pt x="2120578" y="1087307"/>
+                </a:lnTo>
+                <a:lnTo>
+                  <a:pt x="2117800" y="1091280"/>
+                </a:lnTo>
+                <a:lnTo>
+                  <a:pt x="2112245" y="1098430"/>
+                </a:lnTo>
+                <a:lnTo>
+                  <a:pt x="2106293" y="1105183"/>
+                </a:lnTo>
+                <a:lnTo>
+                  <a:pt x="2103515" y="1109156"/>
+                </a:lnTo>
+                <a:lnTo>
+                  <a:pt x="2101134" y="1112731"/>
+                </a:lnTo>
+                <a:lnTo>
+                  <a:pt x="2098356" y="1116703"/>
+                </a:lnTo>
+                <a:lnTo>
+                  <a:pt x="2096372" y="1121470"/>
+                </a:lnTo>
+                <a:lnTo>
+                  <a:pt x="2093991" y="1126237"/>
+                </a:lnTo>
+                <a:lnTo>
+                  <a:pt x="2092801" y="1131799"/>
+                </a:lnTo>
+                <a:lnTo>
+                  <a:pt x="2091610" y="1138155"/>
+                </a:lnTo>
+                <a:lnTo>
+                  <a:pt x="2090817" y="1145305"/>
+                </a:lnTo>
+                <a:lnTo>
+                  <a:pt x="2127721" y="1150470"/>
+                </a:lnTo>
+                <a:lnTo>
+                  <a:pt x="2138435" y="1173907"/>
+                </a:lnTo>
+                <a:lnTo>
+                  <a:pt x="2144783" y="1187016"/>
+                </a:lnTo>
+                <a:lnTo>
+                  <a:pt x="2152323" y="1201317"/>
+                </a:lnTo>
+                <a:lnTo>
+                  <a:pt x="2159863" y="1214426"/>
+                </a:lnTo>
+                <a:lnTo>
+                  <a:pt x="2163831" y="1220782"/>
+                </a:lnTo>
+                <a:lnTo>
+                  <a:pt x="2167799" y="1226741"/>
+                </a:lnTo>
+                <a:lnTo>
+                  <a:pt x="2171767" y="1231905"/>
+                </a:lnTo>
+                <a:lnTo>
+                  <a:pt x="2175735" y="1236672"/>
+                </a:lnTo>
+                <a:lnTo>
+                  <a:pt x="2180497" y="1240645"/>
+                </a:lnTo>
+                <a:lnTo>
+                  <a:pt x="2184862" y="1243823"/>
+                </a:lnTo>
+                <a:lnTo>
+                  <a:pt x="2241606" y="1259713"/>
+                </a:lnTo>
+                <a:lnTo>
+                  <a:pt x="2293192" y="1281164"/>
+                </a:lnTo>
+                <a:lnTo>
+                  <a:pt x="2345572" y="1303807"/>
+                </a:lnTo>
+                <a:lnTo>
+                  <a:pt x="2397951" y="1326053"/>
+                </a:lnTo>
+                <a:lnTo>
+                  <a:pt x="2449140" y="1347902"/>
+                </a:lnTo>
+                <a:lnTo>
+                  <a:pt x="2461045" y="1352669"/>
+                </a:lnTo>
+                <a:lnTo>
+                  <a:pt x="2472552" y="1356641"/>
+                </a:lnTo>
+                <a:lnTo>
+                  <a:pt x="2496361" y="1365381"/>
+                </a:lnTo>
+                <a:lnTo>
+                  <a:pt x="2519773" y="1373723"/>
+                </a:lnTo>
+                <a:lnTo>
+                  <a:pt x="2530884" y="1378093"/>
+                </a:lnTo>
+                <a:lnTo>
+                  <a:pt x="2541995" y="1382860"/>
+                </a:lnTo>
+                <a:lnTo>
+                  <a:pt x="2552312" y="1388421"/>
+                </a:lnTo>
+                <a:lnTo>
+                  <a:pt x="2562233" y="1394380"/>
+                </a:lnTo>
+                <a:lnTo>
+                  <a:pt x="2566597" y="1397558"/>
+                </a:lnTo>
+                <a:lnTo>
+                  <a:pt x="2571756" y="1400736"/>
+                </a:lnTo>
+                <a:lnTo>
+                  <a:pt x="2576121" y="1404311"/>
+                </a:lnTo>
+                <a:lnTo>
+                  <a:pt x="2580089" y="1407886"/>
+                </a:lnTo>
+                <a:lnTo>
+                  <a:pt x="2584057" y="1411859"/>
+                </a:lnTo>
+                <a:lnTo>
+                  <a:pt x="2587629" y="1416228"/>
+                </a:lnTo>
+                <a:lnTo>
+                  <a:pt x="2591200" y="1420598"/>
+                </a:lnTo>
+                <a:lnTo>
+                  <a:pt x="2594375" y="1425365"/>
+                </a:lnTo>
+                <a:lnTo>
+                  <a:pt x="2597946" y="1430132"/>
+                </a:lnTo>
+                <a:lnTo>
+                  <a:pt x="2600723" y="1435296"/>
+                </a:lnTo>
+                <a:lnTo>
+                  <a:pt x="2603105" y="1440858"/>
+                </a:lnTo>
+                <a:lnTo>
+                  <a:pt x="2605089" y="1446817"/>
+                </a:lnTo>
+                <a:lnTo>
+                  <a:pt x="2605485" y="1465487"/>
+                </a:lnTo>
+                <a:lnTo>
+                  <a:pt x="2605882" y="1488528"/>
+                </a:lnTo>
+                <a:lnTo>
+                  <a:pt x="2607073" y="1542951"/>
+                </a:lnTo>
+                <a:lnTo>
+                  <a:pt x="2608263" y="1599757"/>
+                </a:lnTo>
+                <a:lnTo>
+                  <a:pt x="2608263" y="1625975"/>
+                </a:lnTo>
+                <a:lnTo>
+                  <a:pt x="2608263" y="1649413"/>
+                </a:lnTo>
+                <a:lnTo>
+                  <a:pt x="2308271" y="1649413"/>
+                </a:lnTo>
+                <a:lnTo>
+                  <a:pt x="2307081" y="1594196"/>
+                </a:lnTo>
+                <a:lnTo>
+                  <a:pt x="2305493" y="1538581"/>
+                </a:lnTo>
+                <a:lnTo>
+                  <a:pt x="2305097" y="1494486"/>
+                </a:lnTo>
+                <a:lnTo>
+                  <a:pt x="2305097" y="1482172"/>
+                </a:lnTo>
+                <a:lnTo>
+                  <a:pt x="2301129" y="1470651"/>
+                </a:lnTo>
+                <a:lnTo>
+                  <a:pt x="2297557" y="1461117"/>
+                </a:lnTo>
+                <a:lnTo>
+                  <a:pt x="2293986" y="1451981"/>
+                </a:lnTo>
+                <a:lnTo>
+                  <a:pt x="2289224" y="1443241"/>
+                </a:lnTo>
+                <a:lnTo>
+                  <a:pt x="2284859" y="1434899"/>
+                </a:lnTo>
+                <a:lnTo>
+                  <a:pt x="2280097" y="1426954"/>
+                </a:lnTo>
+                <a:lnTo>
+                  <a:pt x="2275335" y="1419406"/>
+                </a:lnTo>
+                <a:lnTo>
+                  <a:pt x="2270177" y="1411859"/>
+                </a:lnTo>
+                <a:lnTo>
+                  <a:pt x="2264621" y="1405106"/>
+                </a:lnTo>
+                <a:lnTo>
+                  <a:pt x="2258669" y="1398352"/>
+                </a:lnTo>
+                <a:lnTo>
+                  <a:pt x="2252717" y="1391996"/>
+                </a:lnTo>
+                <a:lnTo>
+                  <a:pt x="2246765" y="1386435"/>
+                </a:lnTo>
+                <a:lnTo>
+                  <a:pt x="2240416" y="1380079"/>
+                </a:lnTo>
+                <a:lnTo>
+                  <a:pt x="2234067" y="1374915"/>
+                </a:lnTo>
+                <a:lnTo>
+                  <a:pt x="2226924" y="1369750"/>
+                </a:lnTo>
+                <a:lnTo>
+                  <a:pt x="2220178" y="1364983"/>
+                </a:lnTo>
+                <a:lnTo>
+                  <a:pt x="2213433" y="1360217"/>
+                </a:lnTo>
+                <a:lnTo>
+                  <a:pt x="2206290" y="1355450"/>
+                </a:lnTo>
+                <a:lnTo>
+                  <a:pt x="2198750" y="1351080"/>
+                </a:lnTo>
+                <a:lnTo>
+                  <a:pt x="2184465" y="1343532"/>
+                </a:lnTo>
+                <a:lnTo>
+                  <a:pt x="2169386" y="1336382"/>
+                </a:lnTo>
+                <a:lnTo>
+                  <a:pt x="2154307" y="1330026"/>
+                </a:lnTo>
+                <a:lnTo>
+                  <a:pt x="2139228" y="1323670"/>
+                </a:lnTo>
+                <a:lnTo>
+                  <a:pt x="2124546" y="1318108"/>
+                </a:lnTo>
+                <a:lnTo>
+                  <a:pt x="2095578" y="1307780"/>
+                </a:lnTo>
+                <a:lnTo>
+                  <a:pt x="2067405" y="1297849"/>
+                </a:lnTo>
+                <a:lnTo>
+                  <a:pt x="2053913" y="1293082"/>
+                </a:lnTo>
+                <a:lnTo>
+                  <a:pt x="2041215" y="1287917"/>
+                </a:lnTo>
+                <a:lnTo>
+                  <a:pt x="1985264" y="1263685"/>
+                </a:lnTo>
+                <a:lnTo>
+                  <a:pt x="1926932" y="1239056"/>
+                </a:lnTo>
+                <a:lnTo>
+                  <a:pt x="1840427" y="1202112"/>
+                </a:lnTo>
+                <a:lnTo>
+                  <a:pt x="1797571" y="1183441"/>
+                </a:lnTo>
+                <a:lnTo>
+                  <a:pt x="1755111" y="1166359"/>
+                </a:lnTo>
+                <a:lnTo>
+                  <a:pt x="1762651" y="1150470"/>
+                </a:lnTo>
+                <a:lnTo>
+                  <a:pt x="1790031" y="1143716"/>
+                </a:lnTo>
+                <a:lnTo>
+                  <a:pt x="1788047" y="1138155"/>
+                </a:lnTo>
+                <a:lnTo>
+                  <a:pt x="1786460" y="1132196"/>
+                </a:lnTo>
+                <a:lnTo>
+                  <a:pt x="1784873" y="1127429"/>
+                </a:lnTo>
+                <a:lnTo>
+                  <a:pt x="1782492" y="1123457"/>
+                </a:lnTo>
+                <a:lnTo>
+                  <a:pt x="1780111" y="1119484"/>
+                </a:lnTo>
+                <a:lnTo>
+                  <a:pt x="1777730" y="1115909"/>
+                </a:lnTo>
+                <a:lnTo>
+                  <a:pt x="1772571" y="1109950"/>
+                </a:lnTo>
+                <a:lnTo>
+                  <a:pt x="1767413" y="1103594"/>
+                </a:lnTo>
+                <a:lnTo>
+                  <a:pt x="1762254" y="1097636"/>
+                </a:lnTo>
+                <a:lnTo>
+                  <a:pt x="1759476" y="1094458"/>
+                </a:lnTo>
+                <a:lnTo>
+                  <a:pt x="1757095" y="1091280"/>
+                </a:lnTo>
+                <a:lnTo>
+                  <a:pt x="1755111" y="1087307"/>
+                </a:lnTo>
+                <a:lnTo>
+                  <a:pt x="1753524" y="1082937"/>
+                </a:lnTo>
+                <a:lnTo>
+                  <a:pt x="1743207" y="973694"/>
+                </a:lnTo>
+                <a:lnTo>
+                  <a:pt x="1743207" y="974091"/>
+                </a:lnTo>
+                <a:lnTo>
+                  <a:pt x="1742413" y="974091"/>
+                </a:lnTo>
+                <a:lnTo>
+                  <a:pt x="1739636" y="973694"/>
+                </a:lnTo>
+                <a:lnTo>
+                  <a:pt x="1730112" y="972105"/>
+                </a:lnTo>
+                <a:lnTo>
+                  <a:pt x="1720985" y="969324"/>
+                </a:lnTo>
+                <a:lnTo>
+                  <a:pt x="1717414" y="968133"/>
+                </a:lnTo>
+                <a:lnTo>
+                  <a:pt x="1715033" y="967338"/>
+                </a:lnTo>
+                <a:lnTo>
+                  <a:pt x="1711065" y="963763"/>
+                </a:lnTo>
+                <a:lnTo>
+                  <a:pt x="1707097" y="960188"/>
+                </a:lnTo>
+                <a:lnTo>
+                  <a:pt x="1703129" y="955818"/>
+                </a:lnTo>
+                <a:lnTo>
+                  <a:pt x="1699954" y="950654"/>
+                </a:lnTo>
+                <a:lnTo>
+                  <a:pt x="1697177" y="945490"/>
+                </a:lnTo>
+                <a:lnTo>
+                  <a:pt x="1694399" y="939531"/>
+                </a:lnTo>
+                <a:lnTo>
+                  <a:pt x="1692018" y="932778"/>
+                </a:lnTo>
+                <a:lnTo>
+                  <a:pt x="1689637" y="926422"/>
+                </a:lnTo>
+                <a:lnTo>
+                  <a:pt x="1688050" y="919668"/>
+                </a:lnTo>
+                <a:lnTo>
+                  <a:pt x="1686066" y="912518"/>
+                </a:lnTo>
+                <a:lnTo>
+                  <a:pt x="1683288" y="897423"/>
+                </a:lnTo>
+                <a:lnTo>
+                  <a:pt x="1681304" y="882327"/>
+                </a:lnTo>
+                <a:lnTo>
+                  <a:pt x="1679717" y="867232"/>
+                </a:lnTo>
+                <a:lnTo>
+                  <a:pt x="1684875" y="862465"/>
+                </a:lnTo>
+                <a:lnTo>
+                  <a:pt x="1689637" y="857698"/>
+                </a:lnTo>
+                <a:lnTo>
+                  <a:pt x="1694796" y="851739"/>
+                </a:lnTo>
+                <a:lnTo>
+                  <a:pt x="1699161" y="845780"/>
+                </a:lnTo>
+                <a:lnTo>
+                  <a:pt x="1703525" y="839424"/>
+                </a:lnTo>
+                <a:lnTo>
+                  <a:pt x="1707891" y="832671"/>
+                </a:lnTo>
+                <a:lnTo>
+                  <a:pt x="1711462" y="825918"/>
+                </a:lnTo>
+                <a:lnTo>
+                  <a:pt x="1715033" y="818767"/>
+                </a:lnTo>
+                <a:lnTo>
+                  <a:pt x="1718208" y="811617"/>
+                </a:lnTo>
+                <a:lnTo>
+                  <a:pt x="1720985" y="804466"/>
+                </a:lnTo>
+                <a:lnTo>
+                  <a:pt x="1726144" y="790166"/>
+                </a:lnTo>
+                <a:lnTo>
+                  <a:pt x="1730509" y="776262"/>
+                </a:lnTo>
+                <a:lnTo>
+                  <a:pt x="1734080" y="762755"/>
+                </a:lnTo>
+                <a:lnTo>
+                  <a:pt x="1736858" y="750838"/>
+                </a:lnTo>
+                <a:lnTo>
+                  <a:pt x="1738842" y="740510"/>
+                </a:lnTo>
+                <a:lnTo>
+                  <a:pt x="1742413" y="720647"/>
+                </a:lnTo>
+                <a:lnTo>
+                  <a:pt x="1743604" y="709524"/>
+                </a:lnTo>
+                <a:lnTo>
+                  <a:pt x="1745191" y="698798"/>
+                </a:lnTo>
+                <a:lnTo>
+                  <a:pt x="1746381" y="687278"/>
+                </a:lnTo>
+                <a:lnTo>
+                  <a:pt x="1747175" y="675361"/>
+                </a:lnTo>
+                <a:lnTo>
+                  <a:pt x="1747572" y="663443"/>
+                </a:lnTo>
+                <a:lnTo>
+                  <a:pt x="1747572" y="651129"/>
+                </a:lnTo>
+                <a:lnTo>
+                  <a:pt x="1747175" y="638814"/>
+                </a:lnTo>
+                <a:lnTo>
+                  <a:pt x="1746381" y="626102"/>
+                </a:lnTo>
+                <a:lnTo>
+                  <a:pt x="1744794" y="613787"/>
+                </a:lnTo>
+                <a:lnTo>
+                  <a:pt x="1742810" y="601473"/>
+                </a:lnTo>
+                <a:lnTo>
+                  <a:pt x="1740033" y="589158"/>
+                </a:lnTo>
+                <a:lnTo>
+                  <a:pt x="1736461" y="576843"/>
+                </a:lnTo>
+                <a:lnTo>
+                  <a:pt x="1732096" y="564529"/>
+                </a:lnTo>
+                <a:lnTo>
+                  <a:pt x="1726937" y="553008"/>
+                </a:lnTo>
+                <a:lnTo>
+                  <a:pt x="1723366" y="546255"/>
+                </a:lnTo>
+                <a:lnTo>
+                  <a:pt x="1720192" y="539899"/>
+                </a:lnTo>
+                <a:lnTo>
+                  <a:pt x="1715033" y="530365"/>
+                </a:lnTo>
+                <a:lnTo>
+                  <a:pt x="1712652" y="526393"/>
+                </a:lnTo>
+                <a:lnTo>
+                  <a:pt x="1711859" y="521229"/>
+                </a:lnTo>
+                <a:lnTo>
+                  <a:pt x="1711859" y="516064"/>
+                </a:lnTo>
+                <a:lnTo>
+                  <a:pt x="1711462" y="509708"/>
+                </a:lnTo>
+                <a:lnTo>
+                  <a:pt x="1712255" y="493421"/>
+                </a:lnTo>
+                <a:lnTo>
+                  <a:pt x="1716223" y="486271"/>
+                </a:lnTo>
+                <a:lnTo>
+                  <a:pt x="1720192" y="479915"/>
+                </a:lnTo>
+                <a:lnTo>
+                  <a:pt x="1724557" y="473559"/>
+                </a:lnTo>
+                <a:lnTo>
+                  <a:pt x="1728922" y="467600"/>
+                </a:lnTo>
+                <a:lnTo>
+                  <a:pt x="1734080" y="462039"/>
+                </a:lnTo>
+                <a:lnTo>
+                  <a:pt x="1738842" y="456477"/>
+                </a:lnTo>
+                <a:lnTo>
+                  <a:pt x="1743604" y="451313"/>
+                </a:lnTo>
+                <a:lnTo>
+                  <a:pt x="1748762" y="446546"/>
+                </a:lnTo>
+                <a:lnTo>
+                  <a:pt x="1754318" y="442176"/>
+                </a:lnTo>
+                <a:lnTo>
+                  <a:pt x="1759476" y="438204"/>
+                </a:lnTo>
+                <a:lnTo>
+                  <a:pt x="1765429" y="434231"/>
+                </a:lnTo>
+                <a:lnTo>
+                  <a:pt x="1771381" y="430259"/>
+                </a:lnTo>
+                <a:lnTo>
+                  <a:pt x="1776936" y="427081"/>
+                </a:lnTo>
+                <a:lnTo>
+                  <a:pt x="1782888" y="424300"/>
+                </a:lnTo>
+                <a:lnTo>
+                  <a:pt x="1789634" y="421917"/>
+                </a:lnTo>
+                <a:lnTo>
+                  <a:pt x="1795587" y="419533"/>
+                </a:lnTo>
+                <a:lnTo>
+                  <a:pt x="1820983" y="409999"/>
+                </a:lnTo>
+                <a:lnTo>
+                  <a:pt x="1834871" y="404438"/>
+                </a:lnTo>
+                <a:lnTo>
+                  <a:pt x="1849950" y="399273"/>
+                </a:lnTo>
+                <a:lnTo>
+                  <a:pt x="1865823" y="394506"/>
+                </a:lnTo>
+                <a:lnTo>
+                  <a:pt x="1882886" y="390137"/>
+                </a:lnTo>
+                <a:lnTo>
+                  <a:pt x="1900742" y="386562"/>
+                </a:lnTo>
+                <a:lnTo>
+                  <a:pt x="1909472" y="384973"/>
+                </a:lnTo>
+                <a:lnTo>
+                  <a:pt x="1918599" y="383384"/>
+                </a:lnTo>
+                <a:lnTo>
+                  <a:pt x="1927726" y="382589"/>
+                </a:lnTo>
+                <a:lnTo>
+                  <a:pt x="1937249" y="381795"/>
+                </a:lnTo>
+                <a:lnTo>
+                  <a:pt x="1946773" y="381397"/>
+                </a:lnTo>
+                <a:lnTo>
+                  <a:pt x="1956693" y="381000"/>
+                </a:lnTo>
+                <a:close/>
+                <a:moveTo>
+                  <a:pt x="674585" y="381000"/>
+                </a:moveTo>
+                <a:lnTo>
+                  <a:pt x="684505" y="381397"/>
+                </a:lnTo>
+                <a:lnTo>
+                  <a:pt x="694029" y="382192"/>
+                </a:lnTo>
+                <a:lnTo>
+                  <a:pt x="703552" y="382986"/>
+                </a:lnTo>
+                <a:lnTo>
+                  <a:pt x="713870" y="384575"/>
+                </a:lnTo>
+                <a:lnTo>
+                  <a:pt x="723790" y="386562"/>
+                </a:lnTo>
+                <a:lnTo>
+                  <a:pt x="733710" y="388548"/>
+                </a:lnTo>
+                <a:lnTo>
+                  <a:pt x="743631" y="391726"/>
+                </a:lnTo>
+                <a:lnTo>
+                  <a:pt x="753551" y="394904"/>
+                </a:lnTo>
+                <a:lnTo>
+                  <a:pt x="763868" y="398876"/>
+                </a:lnTo>
+                <a:lnTo>
+                  <a:pt x="773789" y="403246"/>
+                </a:lnTo>
+                <a:lnTo>
+                  <a:pt x="783709" y="408807"/>
+                </a:lnTo>
+                <a:lnTo>
+                  <a:pt x="793629" y="414766"/>
+                </a:lnTo>
+                <a:lnTo>
+                  <a:pt x="820216" y="438998"/>
+                </a:lnTo>
+                <a:lnTo>
+                  <a:pt x="861088" y="446149"/>
+                </a:lnTo>
+                <a:lnTo>
+                  <a:pt x="863866" y="468792"/>
+                </a:lnTo>
+                <a:lnTo>
+                  <a:pt x="867040" y="491832"/>
+                </a:lnTo>
+                <a:lnTo>
+                  <a:pt x="871008" y="514873"/>
+                </a:lnTo>
+                <a:lnTo>
+                  <a:pt x="876167" y="539105"/>
+                </a:lnTo>
+                <a:lnTo>
+                  <a:pt x="871405" y="548241"/>
+                </a:lnTo>
+                <a:lnTo>
+                  <a:pt x="868231" y="554200"/>
+                </a:lnTo>
+                <a:lnTo>
+                  <a:pt x="864659" y="560556"/>
+                </a:lnTo>
+                <a:lnTo>
+                  <a:pt x="861088" y="568501"/>
+                </a:lnTo>
+                <a:lnTo>
+                  <a:pt x="858310" y="577241"/>
+                </a:lnTo>
+                <a:lnTo>
+                  <a:pt x="855533" y="586377"/>
+                </a:lnTo>
+                <a:lnTo>
+                  <a:pt x="854342" y="591144"/>
+                </a:lnTo>
+                <a:lnTo>
+                  <a:pt x="853548" y="596309"/>
+                </a:lnTo>
+                <a:lnTo>
+                  <a:pt x="853152" y="602267"/>
+                </a:lnTo>
+                <a:lnTo>
+                  <a:pt x="852755" y="607431"/>
+                </a:lnTo>
+                <a:lnTo>
+                  <a:pt x="852755" y="613390"/>
+                </a:lnTo>
+                <a:lnTo>
+                  <a:pt x="853152" y="619349"/>
+                </a:lnTo>
+                <a:lnTo>
+                  <a:pt x="854739" y="642786"/>
+                </a:lnTo>
+                <a:lnTo>
+                  <a:pt x="856723" y="670991"/>
+                </a:lnTo>
+                <a:lnTo>
+                  <a:pt x="857913" y="686087"/>
+                </a:lnTo>
+                <a:lnTo>
+                  <a:pt x="859501" y="700785"/>
+                </a:lnTo>
+                <a:lnTo>
+                  <a:pt x="861485" y="716675"/>
+                </a:lnTo>
+                <a:lnTo>
+                  <a:pt x="863469" y="732167"/>
+                </a:lnTo>
+                <a:lnTo>
+                  <a:pt x="866247" y="748057"/>
+                </a:lnTo>
+                <a:lnTo>
+                  <a:pt x="869818" y="763153"/>
+                </a:lnTo>
+                <a:lnTo>
+                  <a:pt x="873786" y="779043"/>
+                </a:lnTo>
+                <a:lnTo>
+                  <a:pt x="878548" y="793741"/>
+                </a:lnTo>
+                <a:lnTo>
+                  <a:pt x="883706" y="808439"/>
+                </a:lnTo>
+                <a:lnTo>
+                  <a:pt x="886881" y="815589"/>
+                </a:lnTo>
+                <a:lnTo>
+                  <a:pt x="890055" y="822343"/>
+                </a:lnTo>
+                <a:lnTo>
+                  <a:pt x="893230" y="829493"/>
+                </a:lnTo>
+                <a:lnTo>
+                  <a:pt x="896801" y="835849"/>
+                </a:lnTo>
+                <a:lnTo>
+                  <a:pt x="901166" y="842205"/>
+                </a:lnTo>
+                <a:lnTo>
+                  <a:pt x="905134" y="848561"/>
+                </a:lnTo>
+                <a:lnTo>
+                  <a:pt x="909896" y="854520"/>
+                </a:lnTo>
+                <a:lnTo>
+                  <a:pt x="914261" y="860081"/>
+                </a:lnTo>
+                <a:lnTo>
+                  <a:pt x="919420" y="865643"/>
+                </a:lnTo>
+                <a:lnTo>
+                  <a:pt x="924578" y="870807"/>
+                </a:lnTo>
+                <a:lnTo>
+                  <a:pt x="922594" y="885902"/>
+                </a:lnTo>
+                <a:lnTo>
+                  <a:pt x="920213" y="899806"/>
+                </a:lnTo>
+                <a:lnTo>
+                  <a:pt x="917436" y="913312"/>
+                </a:lnTo>
+                <a:lnTo>
+                  <a:pt x="915451" y="920463"/>
+                </a:lnTo>
+                <a:lnTo>
+                  <a:pt x="913467" y="927613"/>
+                </a:lnTo>
+                <a:lnTo>
+                  <a:pt x="911087" y="934367"/>
+                </a:lnTo>
+                <a:lnTo>
+                  <a:pt x="908309" y="941517"/>
+                </a:lnTo>
+                <a:lnTo>
+                  <a:pt x="905134" y="947873"/>
+                </a:lnTo>
+                <a:lnTo>
+                  <a:pt x="901563" y="953037"/>
+                </a:lnTo>
+                <a:lnTo>
+                  <a:pt x="899182" y="955818"/>
+                </a:lnTo>
+                <a:lnTo>
+                  <a:pt x="896801" y="958201"/>
+                </a:lnTo>
+                <a:lnTo>
+                  <a:pt x="894420" y="960188"/>
+                </a:lnTo>
+                <a:lnTo>
+                  <a:pt x="891643" y="961777"/>
+                </a:lnTo>
+                <a:lnTo>
+                  <a:pt x="886087" y="965749"/>
+                </a:lnTo>
+                <a:lnTo>
+                  <a:pt x="880532" y="968530"/>
+                </a:lnTo>
+                <a:lnTo>
+                  <a:pt x="874580" y="971708"/>
+                </a:lnTo>
+                <a:lnTo>
+                  <a:pt x="869024" y="975283"/>
+                </a:lnTo>
+                <a:lnTo>
+                  <a:pt x="866247" y="977269"/>
+                </a:lnTo>
+                <a:lnTo>
+                  <a:pt x="863866" y="979653"/>
+                </a:lnTo>
+                <a:lnTo>
+                  <a:pt x="861881" y="982434"/>
+                </a:lnTo>
+                <a:lnTo>
+                  <a:pt x="859897" y="985612"/>
+                </a:lnTo>
+                <a:lnTo>
+                  <a:pt x="857913" y="990379"/>
+                </a:lnTo>
+                <a:lnTo>
+                  <a:pt x="855929" y="995543"/>
+                </a:lnTo>
+                <a:lnTo>
+                  <a:pt x="854342" y="1000707"/>
+                </a:lnTo>
+                <a:lnTo>
+                  <a:pt x="853152" y="1005871"/>
+                </a:lnTo>
+                <a:lnTo>
+                  <a:pt x="852358" y="1011433"/>
+                </a:lnTo>
+                <a:lnTo>
+                  <a:pt x="851961" y="1016597"/>
+                </a:lnTo>
+                <a:lnTo>
+                  <a:pt x="851167" y="1028514"/>
+                </a:lnTo>
+                <a:lnTo>
+                  <a:pt x="850374" y="1039637"/>
+                </a:lnTo>
+                <a:lnTo>
+                  <a:pt x="849580" y="1051158"/>
+                </a:lnTo>
+                <a:lnTo>
+                  <a:pt x="849183" y="1056719"/>
+                </a:lnTo>
+                <a:lnTo>
+                  <a:pt x="848390" y="1061883"/>
+                </a:lnTo>
+                <a:lnTo>
+                  <a:pt x="847199" y="1067445"/>
+                </a:lnTo>
+                <a:lnTo>
+                  <a:pt x="845612" y="1072212"/>
+                </a:lnTo>
+                <a:lnTo>
+                  <a:pt x="843231" y="1078170"/>
+                </a:lnTo>
+                <a:lnTo>
+                  <a:pt x="841247" y="1082937"/>
+                </a:lnTo>
+                <a:lnTo>
+                  <a:pt x="838469" y="1087307"/>
+                </a:lnTo>
+                <a:lnTo>
+                  <a:pt x="836089" y="1091280"/>
+                </a:lnTo>
+                <a:lnTo>
+                  <a:pt x="830136" y="1098430"/>
+                </a:lnTo>
+                <a:lnTo>
+                  <a:pt x="824581" y="1105183"/>
+                </a:lnTo>
+                <a:lnTo>
+                  <a:pt x="821803" y="1109156"/>
+                </a:lnTo>
+                <a:lnTo>
+                  <a:pt x="819026" y="1112731"/>
+                </a:lnTo>
+                <a:lnTo>
+                  <a:pt x="816248" y="1116703"/>
+                </a:lnTo>
+                <a:lnTo>
+                  <a:pt x="814264" y="1121470"/>
+                </a:lnTo>
+                <a:lnTo>
+                  <a:pt x="812280" y="1126237"/>
+                </a:lnTo>
+                <a:lnTo>
+                  <a:pt x="810692" y="1131799"/>
+                </a:lnTo>
+                <a:lnTo>
+                  <a:pt x="809899" y="1138155"/>
+                </a:lnTo>
+                <a:lnTo>
+                  <a:pt x="809105" y="1145305"/>
+                </a:lnTo>
+                <a:lnTo>
+                  <a:pt x="845612" y="1150470"/>
+                </a:lnTo>
+                <a:lnTo>
+                  <a:pt x="853152" y="1166757"/>
+                </a:lnTo>
+                <a:lnTo>
+                  <a:pt x="811089" y="1183838"/>
+                </a:lnTo>
+                <a:lnTo>
+                  <a:pt x="768233" y="1202112"/>
+                </a:lnTo>
+                <a:lnTo>
+                  <a:pt x="682521" y="1239056"/>
+                </a:lnTo>
+                <a:lnTo>
+                  <a:pt x="624586" y="1263685"/>
+                </a:lnTo>
+                <a:lnTo>
+                  <a:pt x="568635" y="1287917"/>
+                </a:lnTo>
+                <a:lnTo>
+                  <a:pt x="555541" y="1293082"/>
+                </a:lnTo>
+                <a:lnTo>
+                  <a:pt x="542446" y="1297849"/>
+                </a:lnTo>
+                <a:lnTo>
+                  <a:pt x="514669" y="1307780"/>
+                </a:lnTo>
+                <a:lnTo>
+                  <a:pt x="485304" y="1318108"/>
+                </a:lnTo>
+                <a:lnTo>
+                  <a:pt x="470225" y="1323670"/>
+                </a:lnTo>
+                <a:lnTo>
+                  <a:pt x="455146" y="1330026"/>
+                </a:lnTo>
+                <a:lnTo>
+                  <a:pt x="440464" y="1336382"/>
+                </a:lnTo>
+                <a:lnTo>
+                  <a:pt x="425385" y="1343532"/>
+                </a:lnTo>
+                <a:lnTo>
+                  <a:pt x="410703" y="1351080"/>
+                </a:lnTo>
+                <a:lnTo>
+                  <a:pt x="403561" y="1355450"/>
+                </a:lnTo>
+                <a:lnTo>
+                  <a:pt x="396418" y="1360217"/>
+                </a:lnTo>
+                <a:lnTo>
+                  <a:pt x="389275" y="1364983"/>
+                </a:lnTo>
+                <a:lnTo>
+                  <a:pt x="382529" y="1369750"/>
+                </a:lnTo>
+                <a:lnTo>
+                  <a:pt x="376180" y="1374915"/>
+                </a:lnTo>
+                <a:lnTo>
+                  <a:pt x="369038" y="1380079"/>
+                </a:lnTo>
+                <a:lnTo>
+                  <a:pt x="363085" y="1386435"/>
+                </a:lnTo>
+                <a:lnTo>
+                  <a:pt x="356736" y="1391996"/>
+                </a:lnTo>
+                <a:lnTo>
+                  <a:pt x="350784" y="1398352"/>
+                </a:lnTo>
+                <a:lnTo>
+                  <a:pt x="345229" y="1405106"/>
+                </a:lnTo>
+                <a:lnTo>
+                  <a:pt x="339277" y="1411859"/>
+                </a:lnTo>
+                <a:lnTo>
+                  <a:pt x="334118" y="1419406"/>
+                </a:lnTo>
+                <a:lnTo>
+                  <a:pt x="329356" y="1426954"/>
+                </a:lnTo>
+                <a:lnTo>
+                  <a:pt x="324594" y="1434899"/>
+                </a:lnTo>
+                <a:lnTo>
+                  <a:pt x="320229" y="1443241"/>
+                </a:lnTo>
+                <a:lnTo>
+                  <a:pt x="315865" y="1451981"/>
+                </a:lnTo>
+                <a:lnTo>
+                  <a:pt x="311896" y="1461117"/>
+                </a:lnTo>
+                <a:lnTo>
+                  <a:pt x="308325" y="1470651"/>
+                </a:lnTo>
+                <a:lnTo>
+                  <a:pt x="304357" y="1482172"/>
+                </a:lnTo>
+                <a:lnTo>
+                  <a:pt x="304357" y="1494486"/>
+                </a:lnTo>
+                <a:lnTo>
+                  <a:pt x="303960" y="1538581"/>
+                </a:lnTo>
+                <a:lnTo>
+                  <a:pt x="302770" y="1594196"/>
+                </a:lnTo>
+                <a:lnTo>
+                  <a:pt x="301182" y="1649413"/>
+                </a:lnTo>
+                <a:lnTo>
+                  <a:pt x="0" y="1649413"/>
+                </a:lnTo>
+                <a:lnTo>
+                  <a:pt x="0" y="1625975"/>
+                </a:lnTo>
+                <a:lnTo>
+                  <a:pt x="0" y="1599757"/>
+                </a:lnTo>
+                <a:lnTo>
+                  <a:pt x="1190" y="1542951"/>
+                </a:lnTo>
+                <a:lnTo>
+                  <a:pt x="2381" y="1488528"/>
+                </a:lnTo>
+                <a:lnTo>
+                  <a:pt x="2778" y="1465487"/>
+                </a:lnTo>
+                <a:lnTo>
+                  <a:pt x="2778" y="1446817"/>
+                </a:lnTo>
+                <a:lnTo>
+                  <a:pt x="5159" y="1440858"/>
+                </a:lnTo>
+                <a:lnTo>
+                  <a:pt x="7539" y="1435296"/>
+                </a:lnTo>
+                <a:lnTo>
+                  <a:pt x="10317" y="1430132"/>
+                </a:lnTo>
+                <a:lnTo>
+                  <a:pt x="13889" y="1425365"/>
+                </a:lnTo>
+                <a:lnTo>
+                  <a:pt x="17063" y="1420598"/>
+                </a:lnTo>
+                <a:lnTo>
+                  <a:pt x="20634" y="1416228"/>
+                </a:lnTo>
+                <a:lnTo>
+                  <a:pt x="24206" y="1411859"/>
+                </a:lnTo>
+                <a:lnTo>
+                  <a:pt x="28174" y="1407886"/>
+                </a:lnTo>
+                <a:lnTo>
+                  <a:pt x="32142" y="1404311"/>
+                </a:lnTo>
+                <a:lnTo>
+                  <a:pt x="36507" y="1400736"/>
+                </a:lnTo>
+                <a:lnTo>
+                  <a:pt x="41269" y="1397558"/>
+                </a:lnTo>
+                <a:lnTo>
+                  <a:pt x="46031" y="1394380"/>
+                </a:lnTo>
+                <a:lnTo>
+                  <a:pt x="55951" y="1388421"/>
+                </a:lnTo>
+                <a:lnTo>
+                  <a:pt x="66665" y="1382860"/>
+                </a:lnTo>
+                <a:lnTo>
+                  <a:pt x="77379" y="1378093"/>
+                </a:lnTo>
+                <a:lnTo>
+                  <a:pt x="88490" y="1373723"/>
+                </a:lnTo>
+                <a:lnTo>
+                  <a:pt x="111902" y="1365381"/>
+                </a:lnTo>
+                <a:lnTo>
+                  <a:pt x="135711" y="1356641"/>
+                </a:lnTo>
+                <a:lnTo>
+                  <a:pt x="147218" y="1352669"/>
+                </a:lnTo>
+                <a:lnTo>
+                  <a:pt x="158726" y="1347902"/>
+                </a:lnTo>
+                <a:lnTo>
+                  <a:pt x="210312" y="1326053"/>
+                </a:lnTo>
+                <a:lnTo>
+                  <a:pt x="263088" y="1303807"/>
+                </a:lnTo>
+                <a:lnTo>
+                  <a:pt x="315071" y="1281164"/>
+                </a:lnTo>
+                <a:lnTo>
+                  <a:pt x="366260" y="1259713"/>
+                </a:lnTo>
+                <a:lnTo>
+                  <a:pt x="423401" y="1243823"/>
+                </a:lnTo>
+                <a:lnTo>
+                  <a:pt x="428163" y="1240645"/>
+                </a:lnTo>
+                <a:lnTo>
+                  <a:pt x="432131" y="1236672"/>
+                </a:lnTo>
+                <a:lnTo>
+                  <a:pt x="436496" y="1231905"/>
+                </a:lnTo>
+                <a:lnTo>
+                  <a:pt x="440464" y="1226741"/>
+                </a:lnTo>
+                <a:lnTo>
+                  <a:pt x="444432" y="1220782"/>
+                </a:lnTo>
+                <a:lnTo>
+                  <a:pt x="448401" y="1214426"/>
+                </a:lnTo>
+                <a:lnTo>
+                  <a:pt x="456337" y="1201317"/>
+                </a:lnTo>
+                <a:lnTo>
+                  <a:pt x="463480" y="1187016"/>
+                </a:lnTo>
+                <a:lnTo>
+                  <a:pt x="469829" y="1173907"/>
+                </a:lnTo>
+                <a:lnTo>
+                  <a:pt x="480543" y="1150470"/>
+                </a:lnTo>
+                <a:lnTo>
+                  <a:pt x="507526" y="1143716"/>
+                </a:lnTo>
+                <a:lnTo>
+                  <a:pt x="506336" y="1138155"/>
+                </a:lnTo>
+                <a:lnTo>
+                  <a:pt x="504748" y="1132196"/>
+                </a:lnTo>
+                <a:lnTo>
+                  <a:pt x="502764" y="1127429"/>
+                </a:lnTo>
+                <a:lnTo>
+                  <a:pt x="500780" y="1123457"/>
+                </a:lnTo>
+                <a:lnTo>
+                  <a:pt x="498399" y="1119484"/>
+                </a:lnTo>
+                <a:lnTo>
+                  <a:pt x="496018" y="1115909"/>
+                </a:lnTo>
+                <a:lnTo>
+                  <a:pt x="490860" y="1109950"/>
+                </a:lnTo>
+                <a:lnTo>
+                  <a:pt x="485701" y="1103594"/>
+                </a:lnTo>
+                <a:lnTo>
+                  <a:pt x="480146" y="1097636"/>
+                </a:lnTo>
+                <a:lnTo>
+                  <a:pt x="477765" y="1094458"/>
+                </a:lnTo>
+                <a:lnTo>
+                  <a:pt x="475384" y="1091280"/>
+                </a:lnTo>
+                <a:lnTo>
+                  <a:pt x="473400" y="1087307"/>
+                </a:lnTo>
+                <a:lnTo>
+                  <a:pt x="471813" y="1082937"/>
+                </a:lnTo>
+                <a:lnTo>
+                  <a:pt x="461495" y="973694"/>
+                </a:lnTo>
+                <a:lnTo>
+                  <a:pt x="461099" y="974091"/>
+                </a:lnTo>
+                <a:lnTo>
+                  <a:pt x="460305" y="974091"/>
+                </a:lnTo>
+                <a:lnTo>
+                  <a:pt x="457527" y="973694"/>
+                </a:lnTo>
+                <a:lnTo>
+                  <a:pt x="448401" y="972105"/>
+                </a:lnTo>
+                <a:lnTo>
+                  <a:pt x="438877" y="969324"/>
+                </a:lnTo>
+                <a:lnTo>
+                  <a:pt x="435306" y="968133"/>
+                </a:lnTo>
+                <a:lnTo>
+                  <a:pt x="433322" y="967338"/>
+                </a:lnTo>
+                <a:lnTo>
+                  <a:pt x="430147" y="964557"/>
+                </a:lnTo>
+                <a:lnTo>
+                  <a:pt x="426973" y="962174"/>
+                </a:lnTo>
+                <a:lnTo>
+                  <a:pt x="424195" y="958996"/>
+                </a:lnTo>
+                <a:lnTo>
+                  <a:pt x="421417" y="955818"/>
+                </a:lnTo>
+                <a:lnTo>
+                  <a:pt x="419036" y="952243"/>
+                </a:lnTo>
+                <a:lnTo>
+                  <a:pt x="416655" y="948270"/>
+                </a:lnTo>
+                <a:lnTo>
+                  <a:pt x="414671" y="944298"/>
+                </a:lnTo>
+                <a:lnTo>
+                  <a:pt x="412687" y="939928"/>
+                </a:lnTo>
+                <a:lnTo>
+                  <a:pt x="409116" y="929997"/>
+                </a:lnTo>
+                <a:lnTo>
+                  <a:pt x="406338" y="920066"/>
+                </a:lnTo>
+                <a:lnTo>
+                  <a:pt x="403957" y="908943"/>
+                </a:lnTo>
+                <a:lnTo>
+                  <a:pt x="401576" y="898217"/>
+                </a:lnTo>
+                <a:lnTo>
+                  <a:pt x="399989" y="887094"/>
+                </a:lnTo>
+                <a:lnTo>
+                  <a:pt x="398402" y="875574"/>
+                </a:lnTo>
+                <a:lnTo>
+                  <a:pt x="396418" y="854122"/>
+                </a:lnTo>
+                <a:lnTo>
+                  <a:pt x="394831" y="834260"/>
+                </a:lnTo>
+                <a:lnTo>
+                  <a:pt x="393640" y="817576"/>
+                </a:lnTo>
+                <a:lnTo>
+                  <a:pt x="393640" y="814795"/>
+                </a:lnTo>
+                <a:lnTo>
+                  <a:pt x="394037" y="811617"/>
+                </a:lnTo>
+                <a:lnTo>
+                  <a:pt x="395227" y="808439"/>
+                </a:lnTo>
+                <a:lnTo>
+                  <a:pt x="396418" y="805261"/>
+                </a:lnTo>
+                <a:lnTo>
+                  <a:pt x="399989" y="798905"/>
+                </a:lnTo>
+                <a:lnTo>
+                  <a:pt x="403561" y="791755"/>
+                </a:lnTo>
+                <a:lnTo>
+                  <a:pt x="407132" y="784604"/>
+                </a:lnTo>
+                <a:lnTo>
+                  <a:pt x="408322" y="780234"/>
+                </a:lnTo>
+                <a:lnTo>
+                  <a:pt x="409513" y="776262"/>
+                </a:lnTo>
+                <a:lnTo>
+                  <a:pt x="410306" y="771495"/>
+                </a:lnTo>
+                <a:lnTo>
+                  <a:pt x="410703" y="766331"/>
+                </a:lnTo>
+                <a:lnTo>
+                  <a:pt x="410306" y="761166"/>
+                </a:lnTo>
+                <a:lnTo>
+                  <a:pt x="409513" y="755605"/>
+                </a:lnTo>
+                <a:lnTo>
+                  <a:pt x="406338" y="738126"/>
+                </a:lnTo>
+                <a:lnTo>
+                  <a:pt x="403561" y="721839"/>
+                </a:lnTo>
+                <a:lnTo>
+                  <a:pt x="401180" y="705552"/>
+                </a:lnTo>
+                <a:lnTo>
+                  <a:pt x="399196" y="689662"/>
+                </a:lnTo>
+                <a:lnTo>
+                  <a:pt x="397608" y="673772"/>
+                </a:lnTo>
+                <a:lnTo>
+                  <a:pt x="397211" y="659074"/>
+                </a:lnTo>
+                <a:lnTo>
+                  <a:pt x="396815" y="643978"/>
+                </a:lnTo>
+                <a:lnTo>
+                  <a:pt x="396815" y="629677"/>
+                </a:lnTo>
+                <a:lnTo>
+                  <a:pt x="397608" y="615774"/>
+                </a:lnTo>
+                <a:lnTo>
+                  <a:pt x="398799" y="602267"/>
+                </a:lnTo>
+                <a:lnTo>
+                  <a:pt x="400386" y="588761"/>
+                </a:lnTo>
+                <a:lnTo>
+                  <a:pt x="402370" y="576446"/>
+                </a:lnTo>
+                <a:lnTo>
+                  <a:pt x="404751" y="563734"/>
+                </a:lnTo>
+                <a:lnTo>
+                  <a:pt x="407529" y="552214"/>
+                </a:lnTo>
+                <a:lnTo>
+                  <a:pt x="410703" y="540297"/>
+                </a:lnTo>
+                <a:lnTo>
+                  <a:pt x="414275" y="529571"/>
+                </a:lnTo>
+                <a:lnTo>
+                  <a:pt x="418243" y="519242"/>
+                </a:lnTo>
+                <a:lnTo>
+                  <a:pt x="422211" y="508914"/>
+                </a:lnTo>
+                <a:lnTo>
+                  <a:pt x="426973" y="499380"/>
+                </a:lnTo>
+                <a:lnTo>
+                  <a:pt x="432131" y="490243"/>
+                </a:lnTo>
+                <a:lnTo>
+                  <a:pt x="437290" y="481504"/>
+                </a:lnTo>
+                <a:lnTo>
+                  <a:pt x="442845" y="473162"/>
+                </a:lnTo>
+                <a:lnTo>
+                  <a:pt x="448797" y="465614"/>
+                </a:lnTo>
+                <a:lnTo>
+                  <a:pt x="454750" y="458066"/>
+                </a:lnTo>
+                <a:lnTo>
+                  <a:pt x="461495" y="451710"/>
+                </a:lnTo>
+                <a:lnTo>
+                  <a:pt x="468241" y="445752"/>
+                </a:lnTo>
+                <a:lnTo>
+                  <a:pt x="474987" y="440190"/>
+                </a:lnTo>
+                <a:lnTo>
+                  <a:pt x="482130" y="435026"/>
+                </a:lnTo>
+                <a:lnTo>
+                  <a:pt x="490066" y="429862"/>
+                </a:lnTo>
+                <a:lnTo>
+                  <a:pt x="497606" y="425889"/>
+                </a:lnTo>
+                <a:lnTo>
+                  <a:pt x="505542" y="422711"/>
+                </a:lnTo>
+                <a:lnTo>
+                  <a:pt x="513875" y="419533"/>
+                </a:lnTo>
+                <a:lnTo>
+                  <a:pt x="538478" y="409999"/>
+                </a:lnTo>
+                <a:lnTo>
+                  <a:pt x="553160" y="404438"/>
+                </a:lnTo>
+                <a:lnTo>
+                  <a:pt x="568239" y="399273"/>
+                </a:lnTo>
+                <a:lnTo>
+                  <a:pt x="584111" y="394506"/>
+                </a:lnTo>
+                <a:lnTo>
+                  <a:pt x="601174" y="390137"/>
+                </a:lnTo>
+                <a:lnTo>
+                  <a:pt x="618634" y="386562"/>
+                </a:lnTo>
+                <a:lnTo>
+                  <a:pt x="627761" y="384973"/>
+                </a:lnTo>
+                <a:lnTo>
+                  <a:pt x="636888" y="383384"/>
+                </a:lnTo>
+                <a:lnTo>
+                  <a:pt x="646014" y="382589"/>
+                </a:lnTo>
+                <a:lnTo>
+                  <a:pt x="655538" y="381795"/>
+                </a:lnTo>
+                <a:lnTo>
+                  <a:pt x="665061" y="381397"/>
+                </a:lnTo>
+                <a:lnTo>
+                  <a:pt x="674585" y="381000"/>
+                </a:lnTo>
+                <a:close/>
+                <a:moveTo>
+                  <a:pt x="1307704" y="0"/>
+                </a:moveTo>
+                <a:lnTo>
+                  <a:pt x="1321601" y="0"/>
+                </a:lnTo>
+                <a:lnTo>
+                  <a:pt x="1335100" y="0"/>
+                </a:lnTo>
+                <a:lnTo>
+                  <a:pt x="1348997" y="1191"/>
+                </a:lnTo>
+                <a:lnTo>
+                  <a:pt x="1362496" y="2381"/>
+                </a:lnTo>
+                <a:lnTo>
+                  <a:pt x="1376790" y="4366"/>
+                </a:lnTo>
+                <a:lnTo>
+                  <a:pt x="1390289" y="7144"/>
+                </a:lnTo>
+                <a:lnTo>
+                  <a:pt x="1404583" y="10319"/>
+                </a:lnTo>
+                <a:lnTo>
+                  <a:pt x="1418480" y="14684"/>
+                </a:lnTo>
+                <a:lnTo>
+                  <a:pt x="1432773" y="19447"/>
+                </a:lnTo>
+                <a:lnTo>
+                  <a:pt x="1446670" y="25003"/>
+                </a:lnTo>
+                <a:lnTo>
+                  <a:pt x="1460566" y="31353"/>
+                </a:lnTo>
+                <a:lnTo>
+                  <a:pt x="1474463" y="38497"/>
+                </a:lnTo>
+                <a:lnTo>
+                  <a:pt x="1488757" y="46831"/>
+                </a:lnTo>
+                <a:lnTo>
+                  <a:pt x="1525285" y="80963"/>
+                </a:lnTo>
+                <a:lnTo>
+                  <a:pt x="1584841" y="90884"/>
+                </a:lnTo>
+                <a:lnTo>
+                  <a:pt x="1590400" y="94853"/>
+                </a:lnTo>
+                <a:lnTo>
+                  <a:pt x="1595958" y="99616"/>
+                </a:lnTo>
+                <a:lnTo>
+                  <a:pt x="1600723" y="104775"/>
+                </a:lnTo>
+                <a:lnTo>
+                  <a:pt x="1605487" y="110331"/>
+                </a:lnTo>
+                <a:lnTo>
+                  <a:pt x="1609855" y="115888"/>
+                </a:lnTo>
+                <a:lnTo>
+                  <a:pt x="1613825" y="122238"/>
+                </a:lnTo>
+                <a:lnTo>
+                  <a:pt x="1617399" y="128984"/>
+                </a:lnTo>
+                <a:lnTo>
+                  <a:pt x="1620575" y="134938"/>
+                </a:lnTo>
+                <a:lnTo>
+                  <a:pt x="1626531" y="146447"/>
+                </a:lnTo>
+                <a:lnTo>
+                  <a:pt x="1630898" y="156766"/>
+                </a:lnTo>
+                <a:lnTo>
+                  <a:pt x="1634075" y="165894"/>
+                </a:lnTo>
+                <a:lnTo>
+                  <a:pt x="1636854" y="177403"/>
+                </a:lnTo>
+                <a:lnTo>
+                  <a:pt x="1639236" y="189309"/>
+                </a:lnTo>
+                <a:lnTo>
+                  <a:pt x="1641619" y="200819"/>
+                </a:lnTo>
+                <a:lnTo>
+                  <a:pt x="1643207" y="212725"/>
+                </a:lnTo>
+                <a:lnTo>
+                  <a:pt x="1644795" y="223838"/>
+                </a:lnTo>
+                <a:lnTo>
+                  <a:pt x="1646383" y="235347"/>
+                </a:lnTo>
+                <a:lnTo>
+                  <a:pt x="1648368" y="258366"/>
+                </a:lnTo>
+                <a:lnTo>
+                  <a:pt x="1649559" y="281781"/>
+                </a:lnTo>
+                <a:lnTo>
+                  <a:pt x="1649957" y="304800"/>
+                </a:lnTo>
+                <a:lnTo>
+                  <a:pt x="1649957" y="328613"/>
+                </a:lnTo>
+                <a:lnTo>
+                  <a:pt x="1649559" y="352822"/>
+                </a:lnTo>
+                <a:lnTo>
+                  <a:pt x="1648765" y="365919"/>
+                </a:lnTo>
+                <a:lnTo>
+                  <a:pt x="1647177" y="385763"/>
+                </a:lnTo>
+                <a:lnTo>
+                  <a:pt x="1642413" y="436959"/>
+                </a:lnTo>
+                <a:lnTo>
+                  <a:pt x="1640427" y="464344"/>
+                </a:lnTo>
+                <a:lnTo>
+                  <a:pt x="1638839" y="490141"/>
+                </a:lnTo>
+                <a:lnTo>
+                  <a:pt x="1638442" y="501650"/>
+                </a:lnTo>
+                <a:lnTo>
+                  <a:pt x="1638045" y="511969"/>
+                </a:lnTo>
+                <a:lnTo>
+                  <a:pt x="1638442" y="521494"/>
+                </a:lnTo>
+                <a:lnTo>
+                  <a:pt x="1638839" y="529034"/>
+                </a:lnTo>
+                <a:lnTo>
+                  <a:pt x="1640030" y="538559"/>
+                </a:lnTo>
+                <a:lnTo>
+                  <a:pt x="1642016" y="546497"/>
+                </a:lnTo>
+                <a:lnTo>
+                  <a:pt x="1644001" y="553244"/>
+                </a:lnTo>
+                <a:lnTo>
+                  <a:pt x="1646780" y="558800"/>
+                </a:lnTo>
+                <a:lnTo>
+                  <a:pt x="1649559" y="563959"/>
+                </a:lnTo>
+                <a:lnTo>
+                  <a:pt x="1653133" y="569516"/>
+                </a:lnTo>
+                <a:lnTo>
+                  <a:pt x="1656706" y="576659"/>
+                </a:lnTo>
+                <a:lnTo>
+                  <a:pt x="1661074" y="584597"/>
+                </a:lnTo>
+                <a:lnTo>
+                  <a:pt x="1664250" y="592534"/>
+                </a:lnTo>
+                <a:lnTo>
+                  <a:pt x="1667029" y="600869"/>
+                </a:lnTo>
+                <a:lnTo>
+                  <a:pt x="1669412" y="609600"/>
+                </a:lnTo>
+                <a:lnTo>
+                  <a:pt x="1671397" y="618331"/>
+                </a:lnTo>
+                <a:lnTo>
+                  <a:pt x="1672588" y="627459"/>
+                </a:lnTo>
+                <a:lnTo>
+                  <a:pt x="1673382" y="636984"/>
+                </a:lnTo>
+                <a:lnTo>
+                  <a:pt x="1673779" y="646113"/>
+                </a:lnTo>
+                <a:lnTo>
+                  <a:pt x="1674176" y="655241"/>
+                </a:lnTo>
+                <a:lnTo>
+                  <a:pt x="1673779" y="665163"/>
+                </a:lnTo>
+                <a:lnTo>
+                  <a:pt x="1673382" y="674291"/>
+                </a:lnTo>
+                <a:lnTo>
+                  <a:pt x="1671794" y="692547"/>
+                </a:lnTo>
+                <a:lnTo>
+                  <a:pt x="1669412" y="710009"/>
+                </a:lnTo>
+                <a:lnTo>
+                  <a:pt x="1666632" y="726678"/>
+                </a:lnTo>
+                <a:lnTo>
+                  <a:pt x="1664647" y="735806"/>
+                </a:lnTo>
+                <a:lnTo>
+                  <a:pt x="1662662" y="745728"/>
+                </a:lnTo>
+                <a:lnTo>
+                  <a:pt x="1659883" y="755650"/>
+                </a:lnTo>
+                <a:lnTo>
+                  <a:pt x="1656706" y="765572"/>
+                </a:lnTo>
+                <a:lnTo>
+                  <a:pt x="1653133" y="775891"/>
+                </a:lnTo>
+                <a:lnTo>
+                  <a:pt x="1649162" y="785416"/>
+                </a:lnTo>
+                <a:lnTo>
+                  <a:pt x="1644795" y="793750"/>
+                </a:lnTo>
+                <a:lnTo>
+                  <a:pt x="1642413" y="798116"/>
+                </a:lnTo>
+                <a:lnTo>
+                  <a:pt x="1639633" y="802084"/>
+                </a:lnTo>
+                <a:lnTo>
+                  <a:pt x="1636854" y="805656"/>
+                </a:lnTo>
+                <a:lnTo>
+                  <a:pt x="1633678" y="808831"/>
+                </a:lnTo>
+                <a:lnTo>
+                  <a:pt x="1630104" y="811609"/>
+                </a:lnTo>
+                <a:lnTo>
+                  <a:pt x="1626531" y="814388"/>
+                </a:lnTo>
+                <a:lnTo>
+                  <a:pt x="1618193" y="818753"/>
+                </a:lnTo>
+                <a:lnTo>
+                  <a:pt x="1610252" y="823119"/>
+                </a:lnTo>
+                <a:lnTo>
+                  <a:pt x="1602311" y="827881"/>
+                </a:lnTo>
+                <a:lnTo>
+                  <a:pt x="1598341" y="830263"/>
+                </a:lnTo>
+                <a:lnTo>
+                  <a:pt x="1593973" y="832644"/>
+                </a:lnTo>
+                <a:lnTo>
+                  <a:pt x="1590797" y="835819"/>
+                </a:lnTo>
+                <a:lnTo>
+                  <a:pt x="1587223" y="838994"/>
+                </a:lnTo>
+                <a:lnTo>
+                  <a:pt x="1584444" y="842963"/>
+                </a:lnTo>
+                <a:lnTo>
+                  <a:pt x="1581665" y="846931"/>
+                </a:lnTo>
+                <a:lnTo>
+                  <a:pt x="1578489" y="854075"/>
+                </a:lnTo>
+                <a:lnTo>
+                  <a:pt x="1576106" y="860822"/>
+                </a:lnTo>
+                <a:lnTo>
+                  <a:pt x="1574121" y="867966"/>
+                </a:lnTo>
+                <a:lnTo>
+                  <a:pt x="1572533" y="875506"/>
+                </a:lnTo>
+                <a:lnTo>
+                  <a:pt x="1571342" y="883444"/>
+                </a:lnTo>
+                <a:lnTo>
+                  <a:pt x="1570151" y="890984"/>
+                </a:lnTo>
+                <a:lnTo>
+                  <a:pt x="1568959" y="906859"/>
+                </a:lnTo>
+                <a:lnTo>
+                  <a:pt x="1568165" y="923131"/>
+                </a:lnTo>
+                <a:lnTo>
+                  <a:pt x="1566974" y="939006"/>
+                </a:lnTo>
+                <a:lnTo>
+                  <a:pt x="1565783" y="946944"/>
+                </a:lnTo>
+                <a:lnTo>
+                  <a:pt x="1564989" y="954484"/>
+                </a:lnTo>
+                <a:lnTo>
+                  <a:pt x="1563401" y="961628"/>
+                </a:lnTo>
+                <a:lnTo>
+                  <a:pt x="1561415" y="969169"/>
+                </a:lnTo>
+                <a:lnTo>
+                  <a:pt x="1558636" y="976709"/>
+                </a:lnTo>
+                <a:lnTo>
+                  <a:pt x="1555460" y="983456"/>
+                </a:lnTo>
+                <a:lnTo>
+                  <a:pt x="1551887" y="989409"/>
+                </a:lnTo>
+                <a:lnTo>
+                  <a:pt x="1548313" y="995363"/>
+                </a:lnTo>
+                <a:lnTo>
+                  <a:pt x="1544343" y="1000522"/>
+                </a:lnTo>
+                <a:lnTo>
+                  <a:pt x="1539578" y="1005284"/>
+                </a:lnTo>
+                <a:lnTo>
+                  <a:pt x="1531637" y="1014809"/>
+                </a:lnTo>
+                <a:lnTo>
+                  <a:pt x="1527667" y="1019969"/>
+                </a:lnTo>
+                <a:lnTo>
+                  <a:pt x="1524093" y="1025525"/>
+                </a:lnTo>
+                <a:lnTo>
+                  <a:pt x="1520520" y="1031081"/>
+                </a:lnTo>
+                <a:lnTo>
+                  <a:pt x="1517741" y="1037431"/>
+                </a:lnTo>
+                <a:lnTo>
+                  <a:pt x="1514961" y="1044178"/>
+                </a:lnTo>
+                <a:lnTo>
+                  <a:pt x="1512976" y="1052513"/>
+                </a:lnTo>
+                <a:lnTo>
+                  <a:pt x="1510991" y="1061244"/>
+                </a:lnTo>
+                <a:lnTo>
+                  <a:pt x="1510197" y="1070769"/>
+                </a:lnTo>
+                <a:lnTo>
+                  <a:pt x="1561415" y="1078309"/>
+                </a:lnTo>
+                <a:lnTo>
+                  <a:pt x="1576900" y="1111250"/>
+                </a:lnTo>
+                <a:lnTo>
+                  <a:pt x="1585635" y="1129903"/>
+                </a:lnTo>
+                <a:lnTo>
+                  <a:pt x="1596355" y="1149350"/>
+                </a:lnTo>
+                <a:lnTo>
+                  <a:pt x="1601517" y="1158478"/>
+                </a:lnTo>
+                <a:lnTo>
+                  <a:pt x="1606679" y="1168003"/>
+                </a:lnTo>
+                <a:lnTo>
+                  <a:pt x="1612237" y="1176734"/>
+                </a:lnTo>
+                <a:lnTo>
+                  <a:pt x="1617796" y="1184672"/>
+                </a:lnTo>
+                <a:lnTo>
+                  <a:pt x="1624149" y="1192609"/>
+                </a:lnTo>
+                <a:lnTo>
+                  <a:pt x="1629707" y="1198959"/>
+                </a:lnTo>
+                <a:lnTo>
+                  <a:pt x="1635663" y="1204516"/>
+                </a:lnTo>
+                <a:lnTo>
+                  <a:pt x="1641619" y="1209278"/>
+                </a:lnTo>
+                <a:lnTo>
+                  <a:pt x="1721821" y="1231106"/>
+                </a:lnTo>
+                <a:lnTo>
+                  <a:pt x="1793687" y="1261269"/>
+                </a:lnTo>
+                <a:lnTo>
+                  <a:pt x="1867537" y="1292622"/>
+                </a:lnTo>
+                <a:lnTo>
+                  <a:pt x="1941387" y="1324372"/>
+                </a:lnTo>
+                <a:lnTo>
+                  <a:pt x="2013649" y="1354931"/>
+                </a:lnTo>
+                <a:lnTo>
+                  <a:pt x="2029531" y="1361678"/>
+                </a:lnTo>
+                <a:lnTo>
+                  <a:pt x="2046207" y="1367631"/>
+                </a:lnTo>
+                <a:lnTo>
+                  <a:pt x="2079161" y="1379141"/>
+                </a:lnTo>
+                <a:lnTo>
+                  <a:pt x="2095440" y="1385094"/>
+                </a:lnTo>
+                <a:lnTo>
+                  <a:pt x="2112116" y="1391444"/>
+                </a:lnTo>
+                <a:lnTo>
+                  <a:pt x="2127998" y="1397397"/>
+                </a:lnTo>
+                <a:lnTo>
+                  <a:pt x="2143085" y="1404144"/>
+                </a:lnTo>
+                <a:lnTo>
+                  <a:pt x="2150232" y="1407716"/>
+                </a:lnTo>
+                <a:lnTo>
+                  <a:pt x="2157776" y="1411684"/>
+                </a:lnTo>
+                <a:lnTo>
+                  <a:pt x="2164923" y="1416050"/>
+                </a:lnTo>
+                <a:lnTo>
+                  <a:pt x="2171673" y="1420019"/>
+                </a:lnTo>
+                <a:lnTo>
+                  <a:pt x="2178423" y="1424384"/>
+                </a:lnTo>
+                <a:lnTo>
+                  <a:pt x="2184775" y="1429147"/>
+                </a:lnTo>
+                <a:lnTo>
+                  <a:pt x="2191128" y="1433909"/>
+                </a:lnTo>
+                <a:lnTo>
+                  <a:pt x="2196687" y="1439069"/>
+                </a:lnTo>
+                <a:lnTo>
+                  <a:pt x="2202245" y="1445022"/>
+                </a:lnTo>
+                <a:lnTo>
+                  <a:pt x="2207804" y="1450578"/>
+                </a:lnTo>
+                <a:lnTo>
+                  <a:pt x="2212965" y="1456928"/>
+                </a:lnTo>
+                <a:lnTo>
+                  <a:pt x="2217333" y="1463278"/>
+                </a:lnTo>
+                <a:lnTo>
+                  <a:pt x="2221700" y="1470422"/>
+                </a:lnTo>
+                <a:lnTo>
+                  <a:pt x="2225274" y="1477566"/>
+                </a:lnTo>
+                <a:lnTo>
+                  <a:pt x="2228847" y="1485503"/>
+                </a:lnTo>
+                <a:lnTo>
+                  <a:pt x="2232023" y="1493441"/>
+                </a:lnTo>
+                <a:lnTo>
+                  <a:pt x="2232023" y="1519634"/>
+                </a:lnTo>
+                <a:lnTo>
+                  <a:pt x="2232817" y="1552178"/>
+                </a:lnTo>
+                <a:lnTo>
+                  <a:pt x="2234406" y="1628378"/>
+                </a:lnTo>
+                <a:lnTo>
+                  <a:pt x="2235597" y="1668859"/>
+                </a:lnTo>
+                <a:lnTo>
+                  <a:pt x="2236391" y="1708150"/>
+                </a:lnTo>
+                <a:lnTo>
+                  <a:pt x="2236788" y="1745059"/>
+                </a:lnTo>
+                <a:lnTo>
+                  <a:pt x="2236391" y="1778000"/>
+                </a:lnTo>
+                <a:lnTo>
+                  <a:pt x="374650" y="1778000"/>
+                </a:lnTo>
+                <a:lnTo>
+                  <a:pt x="374650" y="1745059"/>
+                </a:lnTo>
+                <a:lnTo>
+                  <a:pt x="374650" y="1708150"/>
+                </a:lnTo>
+                <a:lnTo>
+                  <a:pt x="375444" y="1668859"/>
+                </a:lnTo>
+                <a:lnTo>
+                  <a:pt x="376238" y="1628378"/>
+                </a:lnTo>
+                <a:lnTo>
+                  <a:pt x="377826" y="1552178"/>
+                </a:lnTo>
+                <a:lnTo>
+                  <a:pt x="378620" y="1519634"/>
+                </a:lnTo>
+                <a:lnTo>
+                  <a:pt x="379017" y="1493441"/>
+                </a:lnTo>
+                <a:lnTo>
+                  <a:pt x="381797" y="1485503"/>
+                </a:lnTo>
+                <a:lnTo>
+                  <a:pt x="385370" y="1477566"/>
+                </a:lnTo>
+                <a:lnTo>
+                  <a:pt x="389341" y="1470422"/>
+                </a:lnTo>
+                <a:lnTo>
+                  <a:pt x="393311" y="1463278"/>
+                </a:lnTo>
+                <a:lnTo>
+                  <a:pt x="398076" y="1456928"/>
+                </a:lnTo>
+                <a:lnTo>
+                  <a:pt x="403237" y="1450578"/>
+                </a:lnTo>
+                <a:lnTo>
+                  <a:pt x="408399" y="1445022"/>
+                </a:lnTo>
+                <a:lnTo>
+                  <a:pt x="413957" y="1439069"/>
+                </a:lnTo>
+                <a:lnTo>
+                  <a:pt x="419516" y="1433909"/>
+                </a:lnTo>
+                <a:lnTo>
+                  <a:pt x="425869" y="1429147"/>
+                </a:lnTo>
+                <a:lnTo>
+                  <a:pt x="432618" y="1424384"/>
+                </a:lnTo>
+                <a:lnTo>
+                  <a:pt x="438971" y="1420019"/>
+                </a:lnTo>
+                <a:lnTo>
+                  <a:pt x="445721" y="1416050"/>
+                </a:lnTo>
+                <a:lnTo>
+                  <a:pt x="452868" y="1411684"/>
+                </a:lnTo>
+                <a:lnTo>
+                  <a:pt x="460412" y="1407716"/>
+                </a:lnTo>
+                <a:lnTo>
+                  <a:pt x="467558" y="1404144"/>
+                </a:lnTo>
+                <a:lnTo>
+                  <a:pt x="482646" y="1397397"/>
+                </a:lnTo>
+                <a:lnTo>
+                  <a:pt x="498925" y="1391444"/>
+                </a:lnTo>
+                <a:lnTo>
+                  <a:pt x="515204" y="1385094"/>
+                </a:lnTo>
+                <a:lnTo>
+                  <a:pt x="531483" y="1379141"/>
+                </a:lnTo>
+                <a:lnTo>
+                  <a:pt x="564437" y="1367631"/>
+                </a:lnTo>
+                <a:lnTo>
+                  <a:pt x="581113" y="1361678"/>
+                </a:lnTo>
+                <a:lnTo>
+                  <a:pt x="597392" y="1354931"/>
+                </a:lnTo>
+                <a:lnTo>
+                  <a:pt x="669257" y="1324372"/>
+                </a:lnTo>
+                <a:lnTo>
+                  <a:pt x="743504" y="1292622"/>
+                </a:lnTo>
+                <a:lnTo>
+                  <a:pt x="817354" y="1261269"/>
+                </a:lnTo>
+                <a:lnTo>
+                  <a:pt x="888822" y="1231106"/>
+                </a:lnTo>
+                <a:lnTo>
+                  <a:pt x="969025" y="1209278"/>
+                </a:lnTo>
+                <a:lnTo>
+                  <a:pt x="974981" y="1204516"/>
+                </a:lnTo>
+                <a:lnTo>
+                  <a:pt x="980937" y="1198959"/>
+                </a:lnTo>
+                <a:lnTo>
+                  <a:pt x="986892" y="1192609"/>
+                </a:lnTo>
+                <a:lnTo>
+                  <a:pt x="992848" y="1184672"/>
+                </a:lnTo>
+                <a:lnTo>
+                  <a:pt x="998407" y="1176734"/>
+                </a:lnTo>
+                <a:lnTo>
+                  <a:pt x="1003965" y="1168003"/>
+                </a:lnTo>
+                <a:lnTo>
+                  <a:pt x="1009524" y="1158478"/>
+                </a:lnTo>
+                <a:lnTo>
+                  <a:pt x="1015083" y="1149350"/>
+                </a:lnTo>
+                <a:lnTo>
+                  <a:pt x="1025009" y="1129903"/>
+                </a:lnTo>
+                <a:lnTo>
+                  <a:pt x="1034141" y="1111250"/>
+                </a:lnTo>
+                <a:lnTo>
+                  <a:pt x="1049228" y="1078309"/>
+                </a:lnTo>
+                <a:lnTo>
+                  <a:pt x="1087345" y="1068784"/>
+                </a:lnTo>
+                <a:lnTo>
+                  <a:pt x="1085359" y="1060450"/>
+                </a:lnTo>
+                <a:lnTo>
+                  <a:pt x="1082977" y="1053306"/>
+                </a:lnTo>
+                <a:lnTo>
+                  <a:pt x="1080595" y="1046163"/>
+                </a:lnTo>
+                <a:lnTo>
+                  <a:pt x="1077419" y="1040209"/>
+                </a:lnTo>
+                <a:lnTo>
+                  <a:pt x="1074242" y="1034653"/>
+                </a:lnTo>
+                <a:lnTo>
+                  <a:pt x="1071066" y="1029891"/>
+                </a:lnTo>
+                <a:lnTo>
+                  <a:pt x="1067492" y="1025525"/>
+                </a:lnTo>
+                <a:lnTo>
+                  <a:pt x="1063125" y="1020763"/>
+                </a:lnTo>
+                <a:lnTo>
+                  <a:pt x="1055978" y="1012825"/>
+                </a:lnTo>
+                <a:lnTo>
+                  <a:pt x="1048434" y="1004491"/>
+                </a:lnTo>
+                <a:lnTo>
+                  <a:pt x="1045258" y="1000125"/>
+                </a:lnTo>
+                <a:lnTo>
+                  <a:pt x="1042082" y="995363"/>
+                </a:lnTo>
+                <a:lnTo>
+                  <a:pt x="1038905" y="989409"/>
+                </a:lnTo>
+                <a:lnTo>
+                  <a:pt x="1036523" y="983456"/>
+                </a:lnTo>
+                <a:lnTo>
+                  <a:pt x="1022229" y="830659"/>
+                </a:lnTo>
+                <a:lnTo>
+                  <a:pt x="1021832" y="831056"/>
+                </a:lnTo>
+                <a:lnTo>
+                  <a:pt x="1020641" y="831056"/>
+                </a:lnTo>
+                <a:lnTo>
+                  <a:pt x="1016671" y="830659"/>
+                </a:lnTo>
+                <a:lnTo>
+                  <a:pt x="1010715" y="829469"/>
+                </a:lnTo>
+                <a:lnTo>
+                  <a:pt x="1003965" y="828278"/>
+                </a:lnTo>
+                <a:lnTo>
+                  <a:pt x="990863" y="824309"/>
+                </a:lnTo>
+                <a:lnTo>
+                  <a:pt x="985701" y="822325"/>
+                </a:lnTo>
+                <a:lnTo>
+                  <a:pt x="982525" y="821134"/>
+                </a:lnTo>
+                <a:lnTo>
+                  <a:pt x="978157" y="817959"/>
+                </a:lnTo>
+                <a:lnTo>
+                  <a:pt x="973790" y="814388"/>
+                </a:lnTo>
+                <a:lnTo>
+                  <a:pt x="969819" y="810419"/>
+                </a:lnTo>
+                <a:lnTo>
+                  <a:pt x="966246" y="805656"/>
+                </a:lnTo>
+                <a:lnTo>
+                  <a:pt x="962673" y="800497"/>
+                </a:lnTo>
+                <a:lnTo>
+                  <a:pt x="959496" y="794941"/>
+                </a:lnTo>
+                <a:lnTo>
+                  <a:pt x="956717" y="788988"/>
+                </a:lnTo>
+                <a:lnTo>
+                  <a:pt x="953541" y="783034"/>
+                </a:lnTo>
+                <a:lnTo>
+                  <a:pt x="951158" y="776684"/>
+                </a:lnTo>
+                <a:lnTo>
+                  <a:pt x="948776" y="769541"/>
+                </a:lnTo>
+                <a:lnTo>
+                  <a:pt x="944409" y="755253"/>
+                </a:lnTo>
+                <a:lnTo>
+                  <a:pt x="941232" y="740172"/>
+                </a:lnTo>
+                <a:lnTo>
+                  <a:pt x="938056" y="724694"/>
+                </a:lnTo>
+                <a:lnTo>
+                  <a:pt x="935674" y="708819"/>
+                </a:lnTo>
+                <a:lnTo>
+                  <a:pt x="934085" y="693341"/>
+                </a:lnTo>
+                <a:lnTo>
+                  <a:pt x="932497" y="677466"/>
+                </a:lnTo>
+                <a:lnTo>
+                  <a:pt x="931306" y="662781"/>
+                </a:lnTo>
+                <a:lnTo>
+                  <a:pt x="929321" y="635000"/>
+                </a:lnTo>
+                <a:lnTo>
+                  <a:pt x="926939" y="611981"/>
+                </a:lnTo>
+                <a:lnTo>
+                  <a:pt x="926939" y="607616"/>
+                </a:lnTo>
+                <a:lnTo>
+                  <a:pt x="927733" y="603250"/>
+                </a:lnTo>
+                <a:lnTo>
+                  <a:pt x="929321" y="598884"/>
+                </a:lnTo>
+                <a:lnTo>
+                  <a:pt x="931306" y="594519"/>
+                </a:lnTo>
+                <a:lnTo>
+                  <a:pt x="935674" y="585391"/>
+                </a:lnTo>
+                <a:lnTo>
+                  <a:pt x="940835" y="575866"/>
+                </a:lnTo>
+                <a:lnTo>
+                  <a:pt x="943217" y="570706"/>
+                </a:lnTo>
+                <a:lnTo>
+                  <a:pt x="945600" y="565150"/>
+                </a:lnTo>
+                <a:lnTo>
+                  <a:pt x="947585" y="559594"/>
+                </a:lnTo>
+                <a:lnTo>
+                  <a:pt x="949173" y="553641"/>
+                </a:lnTo>
+                <a:lnTo>
+                  <a:pt x="950364" y="547291"/>
+                </a:lnTo>
+                <a:lnTo>
+                  <a:pt x="950761" y="539750"/>
+                </a:lnTo>
+                <a:lnTo>
+                  <a:pt x="950364" y="532606"/>
+                </a:lnTo>
+                <a:lnTo>
+                  <a:pt x="949173" y="524669"/>
+                </a:lnTo>
+                <a:lnTo>
+                  <a:pt x="944409" y="500856"/>
+                </a:lnTo>
+                <a:lnTo>
+                  <a:pt x="940438" y="477441"/>
+                </a:lnTo>
+                <a:lnTo>
+                  <a:pt x="937262" y="454422"/>
+                </a:lnTo>
+                <a:lnTo>
+                  <a:pt x="934880" y="432197"/>
+                </a:lnTo>
+                <a:lnTo>
+                  <a:pt x="933291" y="410766"/>
+                </a:lnTo>
+                <a:lnTo>
+                  <a:pt x="932100" y="389334"/>
+                </a:lnTo>
+                <a:lnTo>
+                  <a:pt x="931703" y="368300"/>
+                </a:lnTo>
+                <a:lnTo>
+                  <a:pt x="932100" y="348059"/>
+                </a:lnTo>
+                <a:lnTo>
+                  <a:pt x="932894" y="328613"/>
+                </a:lnTo>
+                <a:lnTo>
+                  <a:pt x="934483" y="309563"/>
+                </a:lnTo>
+                <a:lnTo>
+                  <a:pt x="936468" y="290909"/>
+                </a:lnTo>
+                <a:lnTo>
+                  <a:pt x="939247" y="273447"/>
+                </a:lnTo>
+                <a:lnTo>
+                  <a:pt x="942423" y="255984"/>
+                </a:lnTo>
+                <a:lnTo>
+                  <a:pt x="946394" y="239713"/>
+                </a:lnTo>
+                <a:lnTo>
+                  <a:pt x="950761" y="223441"/>
+                </a:lnTo>
+                <a:lnTo>
+                  <a:pt x="956320" y="207566"/>
+                </a:lnTo>
+                <a:lnTo>
+                  <a:pt x="961482" y="193278"/>
+                </a:lnTo>
+                <a:lnTo>
+                  <a:pt x="967437" y="178991"/>
+                </a:lnTo>
+                <a:lnTo>
+                  <a:pt x="973790" y="165497"/>
+                </a:lnTo>
+                <a:lnTo>
+                  <a:pt x="980937" y="152400"/>
+                </a:lnTo>
+                <a:lnTo>
+                  <a:pt x="988481" y="140494"/>
+                </a:lnTo>
+                <a:lnTo>
+                  <a:pt x="996421" y="129381"/>
+                </a:lnTo>
+                <a:lnTo>
+                  <a:pt x="1004362" y="118269"/>
+                </a:lnTo>
+                <a:lnTo>
+                  <a:pt x="1013494" y="108347"/>
+                </a:lnTo>
+                <a:lnTo>
+                  <a:pt x="1022229" y="99219"/>
+                </a:lnTo>
+                <a:lnTo>
+                  <a:pt x="1031758" y="90091"/>
+                </a:lnTo>
+                <a:lnTo>
+                  <a:pt x="1041685" y="82550"/>
+                </a:lnTo>
+                <a:lnTo>
+                  <a:pt x="1051611" y="75406"/>
+                </a:lnTo>
+                <a:lnTo>
+                  <a:pt x="1061934" y="68659"/>
+                </a:lnTo>
+                <a:lnTo>
+                  <a:pt x="1073051" y="63103"/>
+                </a:lnTo>
+                <a:lnTo>
+                  <a:pt x="1084168" y="58341"/>
+                </a:lnTo>
+                <a:lnTo>
+                  <a:pt x="1095683" y="53975"/>
+                </a:lnTo>
+                <a:lnTo>
+                  <a:pt x="1112358" y="47228"/>
+                </a:lnTo>
+                <a:lnTo>
+                  <a:pt x="1131019" y="40084"/>
+                </a:lnTo>
+                <a:lnTo>
+                  <a:pt x="1150872" y="32544"/>
+                </a:lnTo>
+                <a:lnTo>
+                  <a:pt x="1171915" y="25400"/>
+                </a:lnTo>
+                <a:lnTo>
+                  <a:pt x="1194547" y="18653"/>
+                </a:lnTo>
+                <a:lnTo>
+                  <a:pt x="1206458" y="15875"/>
+                </a:lnTo>
+                <a:lnTo>
+                  <a:pt x="1218369" y="12303"/>
+                </a:lnTo>
+                <a:lnTo>
+                  <a:pt x="1230281" y="9525"/>
+                </a:lnTo>
+                <a:lnTo>
+                  <a:pt x="1242986" y="7144"/>
+                </a:lnTo>
+                <a:lnTo>
+                  <a:pt x="1255294" y="5159"/>
+                </a:lnTo>
+                <a:lnTo>
+                  <a:pt x="1268397" y="3175"/>
+                </a:lnTo>
+                <a:lnTo>
+                  <a:pt x="1281102" y="1588"/>
+                </a:lnTo>
+                <a:lnTo>
+                  <a:pt x="1294602" y="794"/>
+                </a:lnTo>
+                <a:lnTo>
+                  <a:pt x="1307704" y="0"/>
+                </a:lnTo>
+                <a:close/>
+              </a:path>
+            </a:pathLst>
+          </a:custGeom>
+          <a:solidFill>
+            <a:schemeClr val="accent1"/>
+          </a:solidFill>
+          <a:ln>
+            <a:noFill/>
+          </a:ln>
+          <a:extLst>
+            <a:ext uri="{91240B29-F687-4F45-9708-019B960494DF}">
+              <a14:hiddenLine xmlns:a14="http://schemas.microsoft.com/office/drawing/2010/main" w="9525">
+                <a:solidFill>
+                  <a:srgbClr val="000000"/>
+                </a:solidFill>
+                <a:round/>
+              </a14:hiddenLine>
+            </a:ext>
+          </a:extLst>
+        </p:spPr>
+        <p:txBody>
+          <a:bodyPr anchor="ctr">
+            <a:scene3d>
+              <a:camera prst="orthographicFront"/>
+              <a:lightRig rig="threePt" dir="t"/>
+            </a:scene3d>
+            <a:sp3d>
+              <a:contourClr>
+                <a:srgbClr val="FFFFFF"/>
+              </a:contourClr>
+            </a:sp3d>
+          </a:bodyPr>
+          <a:lstStyle>
+            <a:defPPr>
+              <a:defRPr lang="zh-CN"/>
+            </a:defPPr>
+            <a:lvl1pPr algn="l" rtl="0" eaLnBrk="0" fontAlgn="base" hangingPunct="0">
+              <a:spcBef>
+                <a:spcPct val="0"/>
+              </a:spcBef>
+              <a:spcAft>
+                <a:spcPct val="0"/>
+              </a:spcAft>
+              <a:defRPr kern="1200">
+                <a:solidFill>
+                  <a:schemeClr val="tx1"/>
+                </a:solidFill>
+                <a:latin typeface="Calibri" panose="020F0502020204030204" charset="0"/>
+                <a:ea typeface="宋体" panose="02010600030101010101" pitchFamily="2" charset="-122"/>
+                <a:cs typeface="+mn-cs"/>
+              </a:defRPr>
+            </a:lvl1pPr>
+            <a:lvl2pPr marL="457200" algn="l" rtl="0" eaLnBrk="0" fontAlgn="base" hangingPunct="0">
+              <a:spcBef>
+                <a:spcPct val="0"/>
+              </a:spcBef>
+              <a:spcAft>
+                <a:spcPct val="0"/>
+              </a:spcAft>
+              <a:defRPr kern="1200">
+                <a:solidFill>
+                  <a:schemeClr val="tx1"/>
+                </a:solidFill>
+                <a:latin typeface="Calibri" panose="020F0502020204030204" charset="0"/>
+                <a:ea typeface="宋体" panose="02010600030101010101" pitchFamily="2" charset="-122"/>
+                <a:cs typeface="+mn-cs"/>
+              </a:defRPr>
+            </a:lvl2pPr>
+            <a:lvl3pPr marL="914400" algn="l" rtl="0" eaLnBrk="0" fontAlgn="base" hangingPunct="0">
+              <a:spcBef>
+                <a:spcPct val="0"/>
+              </a:spcBef>
+              <a:spcAft>
+                <a:spcPct val="0"/>
+              </a:spcAft>
+              <a:defRPr kern="1200">
+                <a:solidFill>
+                  <a:schemeClr val="tx1"/>
+                </a:solidFill>
+                <a:latin typeface="Calibri" panose="020F0502020204030204" charset="0"/>
+                <a:ea typeface="宋体" panose="02010600030101010101" pitchFamily="2" charset="-122"/>
+                <a:cs typeface="+mn-cs"/>
+              </a:defRPr>
+            </a:lvl3pPr>
+            <a:lvl4pPr marL="1371600" algn="l" rtl="0" eaLnBrk="0" fontAlgn="base" hangingPunct="0">
+              <a:spcBef>
+                <a:spcPct val="0"/>
+              </a:spcBef>
+              <a:spcAft>
+                <a:spcPct val="0"/>
+              </a:spcAft>
+              <a:defRPr kern="1200">
+                <a:solidFill>
+                  <a:schemeClr val="tx1"/>
+                </a:solidFill>
+                <a:latin typeface="Calibri" panose="020F0502020204030204" charset="0"/>
+                <a:ea typeface="宋体" panose="02010600030101010101" pitchFamily="2" charset="-122"/>
+                <a:cs typeface="+mn-cs"/>
+              </a:defRPr>
+            </a:lvl4pPr>
+            <a:lvl5pPr marL="1828800" algn="l" rtl="0" eaLnBrk="0" fontAlgn="base" hangingPunct="0">
+              <a:spcBef>
+                <a:spcPct val="0"/>
+              </a:spcBef>
+              <a:spcAft>
+                <a:spcPct val="0"/>
+              </a:spcAft>
+              <a:defRPr kern="1200">
+                <a:solidFill>
+                  <a:schemeClr val="tx1"/>
+                </a:solidFill>
+                <a:latin typeface="Calibri" panose="020F0502020204030204" charset="0"/>
+                <a:ea typeface="宋体" panose="02010600030101010101" pitchFamily="2" charset="-122"/>
+                <a:cs typeface="+mn-cs"/>
+              </a:defRPr>
+            </a:lvl5pPr>
+            <a:lvl6pPr marL="2286000" algn="l" defTabSz="914400" rtl="0" eaLnBrk="1" latinLnBrk="0" hangingPunct="1">
+              <a:defRPr kern="1200">
+                <a:solidFill>
+                  <a:schemeClr val="tx1"/>
+                </a:solidFill>
+                <a:latin typeface="Calibri" panose="020F0502020204030204" charset="0"/>
+                <a:ea typeface="宋体" panose="02010600030101010101" pitchFamily="2" charset="-122"/>
+                <a:cs typeface="+mn-cs"/>
+              </a:defRPr>
+            </a:lvl6pPr>
+            <a:lvl7pPr marL="2743200" algn="l" defTabSz="914400" rtl="0" eaLnBrk="1" latinLnBrk="0" hangingPunct="1">
+              <a:defRPr kern="1200">
+                <a:solidFill>
+                  <a:schemeClr val="tx1"/>
+                </a:solidFill>
+                <a:latin typeface="Calibri" panose="020F0502020204030204" charset="0"/>
+                <a:ea typeface="宋体" panose="02010600030101010101" pitchFamily="2" charset="-122"/>
+                <a:cs typeface="+mn-cs"/>
+              </a:defRPr>
+            </a:lvl7pPr>
+            <a:lvl8pPr marL="3200400" algn="l" defTabSz="914400" rtl="0" eaLnBrk="1" latinLnBrk="0" hangingPunct="1">
+              <a:defRPr kern="1200">
+                <a:solidFill>
+                  <a:schemeClr val="tx1"/>
+                </a:solidFill>
+                <a:latin typeface="Calibri" panose="020F0502020204030204" charset="0"/>
+                <a:ea typeface="宋体" panose="02010600030101010101" pitchFamily="2" charset="-122"/>
+                <a:cs typeface="+mn-cs"/>
+              </a:defRPr>
+            </a:lvl8pPr>
+            <a:lvl9pPr marL="3657600" algn="l" defTabSz="914400" rtl="0" eaLnBrk="1" latinLnBrk="0" hangingPunct="1">
+              <a:defRPr kern="1200">
+                <a:solidFill>
+                  <a:schemeClr val="tx1"/>
+                </a:solidFill>
+                <a:latin typeface="Calibri" panose="020F0502020204030204" charset="0"/>
+                <a:ea typeface="宋体" panose="02010600030101010101" pitchFamily="2" charset="-122"/>
+                <a:cs typeface="+mn-cs"/>
+              </a:defRPr>
+            </a:lvl9pPr>
+          </a:lstStyle>
+          <a:p>
+            <a:pPr algn="ctr">
               <a:defRPr/>
             </a:pPr>
-            <a:endParaRPr lang="zh-CN" altLang="zh-CN"/>
+            <a:endParaRPr lang="zh-CN" altLang="en-US">
+              <a:solidFill>
+                <a:srgbClr val="FFFFFF"/>
+              </a:solidFill>
+            </a:endParaRPr>
+          </a:p>
+        </p:txBody>
+      </p:sp>
+      <p:sp>
+        <p:nvSpPr>
+          <p:cNvPr id="5" name="团队"/>
+          <p:cNvSpPr/>
+          <p:nvPr/>
+        </p:nvSpPr>
+        <p:spPr bwMode="auto">
+          <a:xfrm>
+            <a:off x="5002530" y="5118735"/>
+            <a:ext cx="1292860" cy="765175"/>
+          </a:xfrm>
+          <a:custGeom>
+            <a:avLst/>
+            <a:gdLst/>
+            <a:ahLst/>
+            <a:cxnLst/>
+            <a:rect l="0" t="0" r="r" b="b"/>
+            <a:pathLst>
+              <a:path w="2608263" h="1778000">
+                <a:moveTo>
+                  <a:pt x="1956693" y="381000"/>
+                </a:moveTo>
+                <a:lnTo>
+                  <a:pt x="1966217" y="381397"/>
+                </a:lnTo>
+                <a:lnTo>
+                  <a:pt x="1975740" y="382192"/>
+                </a:lnTo>
+                <a:lnTo>
+                  <a:pt x="1986057" y="382986"/>
+                </a:lnTo>
+                <a:lnTo>
+                  <a:pt x="1995581" y="384575"/>
+                </a:lnTo>
+                <a:lnTo>
+                  <a:pt x="2005501" y="386562"/>
+                </a:lnTo>
+                <a:lnTo>
+                  <a:pt x="2015819" y="388548"/>
+                </a:lnTo>
+                <a:lnTo>
+                  <a:pt x="2025739" y="391726"/>
+                </a:lnTo>
+                <a:lnTo>
+                  <a:pt x="2035263" y="394904"/>
+                </a:lnTo>
+                <a:lnTo>
+                  <a:pt x="2045580" y="398876"/>
+                </a:lnTo>
+                <a:lnTo>
+                  <a:pt x="2055500" y="403246"/>
+                </a:lnTo>
+                <a:lnTo>
+                  <a:pt x="2065421" y="408807"/>
+                </a:lnTo>
+                <a:lnTo>
+                  <a:pt x="2075738" y="414766"/>
+                </a:lnTo>
+                <a:lnTo>
+                  <a:pt x="2101927" y="438998"/>
+                </a:lnTo>
+                <a:lnTo>
+                  <a:pt x="2143990" y="446149"/>
+                </a:lnTo>
+                <a:lnTo>
+                  <a:pt x="2147958" y="448929"/>
+                </a:lnTo>
+                <a:lnTo>
+                  <a:pt x="2151926" y="452107"/>
+                </a:lnTo>
+                <a:lnTo>
+                  <a:pt x="2155497" y="455683"/>
+                </a:lnTo>
+                <a:lnTo>
+                  <a:pt x="2158672" y="459655"/>
+                </a:lnTo>
+                <a:lnTo>
+                  <a:pt x="2161847" y="464025"/>
+                </a:lnTo>
+                <a:lnTo>
+                  <a:pt x="2164624" y="468395"/>
+                </a:lnTo>
+                <a:lnTo>
+                  <a:pt x="2169783" y="477531"/>
+                </a:lnTo>
+                <a:lnTo>
+                  <a:pt x="2173751" y="485874"/>
+                </a:lnTo>
+                <a:lnTo>
+                  <a:pt x="2176529" y="493024"/>
+                </a:lnTo>
+                <a:lnTo>
+                  <a:pt x="2179306" y="499380"/>
+                </a:lnTo>
+                <a:lnTo>
+                  <a:pt x="2182878" y="516064"/>
+                </a:lnTo>
+                <a:lnTo>
+                  <a:pt x="2186052" y="532749"/>
+                </a:lnTo>
+                <a:lnTo>
+                  <a:pt x="2188036" y="549433"/>
+                </a:lnTo>
+                <a:lnTo>
+                  <a:pt x="2189623" y="565720"/>
+                </a:lnTo>
+                <a:lnTo>
+                  <a:pt x="2190417" y="582008"/>
+                </a:lnTo>
+                <a:lnTo>
+                  <a:pt x="2190814" y="598692"/>
+                </a:lnTo>
+                <a:lnTo>
+                  <a:pt x="2190814" y="615376"/>
+                </a:lnTo>
+                <a:lnTo>
+                  <a:pt x="2190417" y="632855"/>
+                </a:lnTo>
+                <a:lnTo>
+                  <a:pt x="2190020" y="642389"/>
+                </a:lnTo>
+                <a:lnTo>
+                  <a:pt x="2188830" y="656293"/>
+                </a:lnTo>
+                <a:lnTo>
+                  <a:pt x="2185259" y="692840"/>
+                </a:lnTo>
+                <a:lnTo>
+                  <a:pt x="2183671" y="711908"/>
+                </a:lnTo>
+                <a:lnTo>
+                  <a:pt x="2182878" y="730578"/>
+                </a:lnTo>
+                <a:lnTo>
+                  <a:pt x="2182084" y="746468"/>
+                </a:lnTo>
+                <a:lnTo>
+                  <a:pt x="2182481" y="753221"/>
+                </a:lnTo>
+                <a:lnTo>
+                  <a:pt x="2182878" y="758386"/>
+                </a:lnTo>
+                <a:lnTo>
+                  <a:pt x="2183671" y="765139"/>
+                </a:lnTo>
+                <a:lnTo>
+                  <a:pt x="2184862" y="771098"/>
+                </a:lnTo>
+                <a:lnTo>
+                  <a:pt x="2186449" y="775865"/>
+                </a:lnTo>
+                <a:lnTo>
+                  <a:pt x="2188433" y="779837"/>
+                </a:lnTo>
+                <a:lnTo>
+                  <a:pt x="2192798" y="787782"/>
+                </a:lnTo>
+                <a:lnTo>
+                  <a:pt x="2195179" y="792152"/>
+                </a:lnTo>
+                <a:lnTo>
+                  <a:pt x="2198353" y="798508"/>
+                </a:lnTo>
+                <a:lnTo>
+                  <a:pt x="2200734" y="804069"/>
+                </a:lnTo>
+                <a:lnTo>
+                  <a:pt x="2202719" y="810028"/>
+                </a:lnTo>
+                <a:lnTo>
+                  <a:pt x="2204306" y="815987"/>
+                </a:lnTo>
+                <a:lnTo>
+                  <a:pt x="2205496" y="822343"/>
+                </a:lnTo>
+                <a:lnTo>
+                  <a:pt x="2206687" y="829096"/>
+                </a:lnTo>
+                <a:lnTo>
+                  <a:pt x="2207480" y="835452"/>
+                </a:lnTo>
+                <a:lnTo>
+                  <a:pt x="2207877" y="842205"/>
+                </a:lnTo>
+                <a:lnTo>
+                  <a:pt x="2207877" y="848561"/>
+                </a:lnTo>
+                <a:lnTo>
+                  <a:pt x="2207480" y="862465"/>
+                </a:lnTo>
+                <a:lnTo>
+                  <a:pt x="2206290" y="875177"/>
+                </a:lnTo>
+                <a:lnTo>
+                  <a:pt x="2204306" y="887889"/>
+                </a:lnTo>
+                <a:lnTo>
+                  <a:pt x="2202321" y="899806"/>
+                </a:lnTo>
+                <a:lnTo>
+                  <a:pt x="2199544" y="913312"/>
+                </a:lnTo>
+                <a:lnTo>
+                  <a:pt x="2197560" y="920463"/>
+                </a:lnTo>
+                <a:lnTo>
+                  <a:pt x="2195179" y="927613"/>
+                </a:lnTo>
+                <a:lnTo>
+                  <a:pt x="2192798" y="934367"/>
+                </a:lnTo>
+                <a:lnTo>
+                  <a:pt x="2190020" y="941517"/>
+                </a:lnTo>
+                <a:lnTo>
+                  <a:pt x="2186846" y="947873"/>
+                </a:lnTo>
+                <a:lnTo>
+                  <a:pt x="2183275" y="953037"/>
+                </a:lnTo>
+                <a:lnTo>
+                  <a:pt x="2181291" y="955818"/>
+                </a:lnTo>
+                <a:lnTo>
+                  <a:pt x="2178909" y="958201"/>
+                </a:lnTo>
+                <a:lnTo>
+                  <a:pt x="2176132" y="960188"/>
+                </a:lnTo>
+                <a:lnTo>
+                  <a:pt x="2173354" y="961777"/>
+                </a:lnTo>
+                <a:lnTo>
+                  <a:pt x="2167799" y="965749"/>
+                </a:lnTo>
+                <a:lnTo>
+                  <a:pt x="2162243" y="968530"/>
+                </a:lnTo>
+                <a:lnTo>
+                  <a:pt x="2156291" y="971708"/>
+                </a:lnTo>
+                <a:lnTo>
+                  <a:pt x="2151133" y="975283"/>
+                </a:lnTo>
+                <a:lnTo>
+                  <a:pt x="2147958" y="977269"/>
+                </a:lnTo>
+                <a:lnTo>
+                  <a:pt x="2145974" y="979653"/>
+                </a:lnTo>
+                <a:lnTo>
+                  <a:pt x="2143593" y="982434"/>
+                </a:lnTo>
+                <a:lnTo>
+                  <a:pt x="2142006" y="985612"/>
+                </a:lnTo>
+                <a:lnTo>
+                  <a:pt x="2139625" y="990379"/>
+                </a:lnTo>
+                <a:lnTo>
+                  <a:pt x="2137641" y="995543"/>
+                </a:lnTo>
+                <a:lnTo>
+                  <a:pt x="2136450" y="1000707"/>
+                </a:lnTo>
+                <a:lnTo>
+                  <a:pt x="2135260" y="1005871"/>
+                </a:lnTo>
+                <a:lnTo>
+                  <a:pt x="2134466" y="1011433"/>
+                </a:lnTo>
+                <a:lnTo>
+                  <a:pt x="2133673" y="1016597"/>
+                </a:lnTo>
+                <a:lnTo>
+                  <a:pt x="2132879" y="1028514"/>
+                </a:lnTo>
+                <a:lnTo>
+                  <a:pt x="2132085" y="1039637"/>
+                </a:lnTo>
+                <a:lnTo>
+                  <a:pt x="2131292" y="1051158"/>
+                </a:lnTo>
+                <a:lnTo>
+                  <a:pt x="2130895" y="1056719"/>
+                </a:lnTo>
+                <a:lnTo>
+                  <a:pt x="2130101" y="1061883"/>
+                </a:lnTo>
+                <a:lnTo>
+                  <a:pt x="2128911" y="1067445"/>
+                </a:lnTo>
+                <a:lnTo>
+                  <a:pt x="2127721" y="1072212"/>
+                </a:lnTo>
+                <a:lnTo>
+                  <a:pt x="2125736" y="1078170"/>
+                </a:lnTo>
+                <a:lnTo>
+                  <a:pt x="2123355" y="1082937"/>
+                </a:lnTo>
+                <a:lnTo>
+                  <a:pt x="2120578" y="1087307"/>
+                </a:lnTo>
+                <a:lnTo>
+                  <a:pt x="2117800" y="1091280"/>
+                </a:lnTo>
+                <a:lnTo>
+                  <a:pt x="2112245" y="1098430"/>
+                </a:lnTo>
+                <a:lnTo>
+                  <a:pt x="2106293" y="1105183"/>
+                </a:lnTo>
+                <a:lnTo>
+                  <a:pt x="2103515" y="1109156"/>
+                </a:lnTo>
+                <a:lnTo>
+                  <a:pt x="2101134" y="1112731"/>
+                </a:lnTo>
+                <a:lnTo>
+                  <a:pt x="2098356" y="1116703"/>
+                </a:lnTo>
+                <a:lnTo>
+                  <a:pt x="2096372" y="1121470"/>
+                </a:lnTo>
+                <a:lnTo>
+                  <a:pt x="2093991" y="1126237"/>
+                </a:lnTo>
+                <a:lnTo>
+                  <a:pt x="2092801" y="1131799"/>
+                </a:lnTo>
+                <a:lnTo>
+                  <a:pt x="2091610" y="1138155"/>
+                </a:lnTo>
+                <a:lnTo>
+                  <a:pt x="2090817" y="1145305"/>
+                </a:lnTo>
+                <a:lnTo>
+                  <a:pt x="2127721" y="1150470"/>
+                </a:lnTo>
+                <a:lnTo>
+                  <a:pt x="2138435" y="1173907"/>
+                </a:lnTo>
+                <a:lnTo>
+                  <a:pt x="2144783" y="1187016"/>
+                </a:lnTo>
+                <a:lnTo>
+                  <a:pt x="2152323" y="1201317"/>
+                </a:lnTo>
+                <a:lnTo>
+                  <a:pt x="2159863" y="1214426"/>
+                </a:lnTo>
+                <a:lnTo>
+                  <a:pt x="2163831" y="1220782"/>
+                </a:lnTo>
+                <a:lnTo>
+                  <a:pt x="2167799" y="1226741"/>
+                </a:lnTo>
+                <a:lnTo>
+                  <a:pt x="2171767" y="1231905"/>
+                </a:lnTo>
+                <a:lnTo>
+                  <a:pt x="2175735" y="1236672"/>
+                </a:lnTo>
+                <a:lnTo>
+                  <a:pt x="2180497" y="1240645"/>
+                </a:lnTo>
+                <a:lnTo>
+                  <a:pt x="2184862" y="1243823"/>
+                </a:lnTo>
+                <a:lnTo>
+                  <a:pt x="2241606" y="1259713"/>
+                </a:lnTo>
+                <a:lnTo>
+                  <a:pt x="2293192" y="1281164"/>
+                </a:lnTo>
+                <a:lnTo>
+                  <a:pt x="2345572" y="1303807"/>
+                </a:lnTo>
+                <a:lnTo>
+                  <a:pt x="2397951" y="1326053"/>
+                </a:lnTo>
+                <a:lnTo>
+                  <a:pt x="2449140" y="1347902"/>
+                </a:lnTo>
+                <a:lnTo>
+                  <a:pt x="2461045" y="1352669"/>
+                </a:lnTo>
+                <a:lnTo>
+                  <a:pt x="2472552" y="1356641"/>
+                </a:lnTo>
+                <a:lnTo>
+                  <a:pt x="2496361" y="1365381"/>
+                </a:lnTo>
+                <a:lnTo>
+                  <a:pt x="2519773" y="1373723"/>
+                </a:lnTo>
+                <a:lnTo>
+                  <a:pt x="2530884" y="1378093"/>
+                </a:lnTo>
+                <a:lnTo>
+                  <a:pt x="2541995" y="1382860"/>
+                </a:lnTo>
+                <a:lnTo>
+                  <a:pt x="2552312" y="1388421"/>
+                </a:lnTo>
+                <a:lnTo>
+                  <a:pt x="2562233" y="1394380"/>
+                </a:lnTo>
+                <a:lnTo>
+                  <a:pt x="2566597" y="1397558"/>
+                </a:lnTo>
+                <a:lnTo>
+                  <a:pt x="2571756" y="1400736"/>
+                </a:lnTo>
+                <a:lnTo>
+                  <a:pt x="2576121" y="1404311"/>
+                </a:lnTo>
+                <a:lnTo>
+                  <a:pt x="2580089" y="1407886"/>
+                </a:lnTo>
+                <a:lnTo>
+                  <a:pt x="2584057" y="1411859"/>
+                </a:lnTo>
+                <a:lnTo>
+                  <a:pt x="2587629" y="1416228"/>
+                </a:lnTo>
+                <a:lnTo>
+                  <a:pt x="2591200" y="1420598"/>
+                </a:lnTo>
+                <a:lnTo>
+                  <a:pt x="2594375" y="1425365"/>
+                </a:lnTo>
+                <a:lnTo>
+                  <a:pt x="2597946" y="1430132"/>
+                </a:lnTo>
+                <a:lnTo>
+                  <a:pt x="2600723" y="1435296"/>
+                </a:lnTo>
+                <a:lnTo>
+                  <a:pt x="2603105" y="1440858"/>
+                </a:lnTo>
+                <a:lnTo>
+                  <a:pt x="2605089" y="1446817"/>
+                </a:lnTo>
+                <a:lnTo>
+                  <a:pt x="2605485" y="1465487"/>
+                </a:lnTo>
+                <a:lnTo>
+                  <a:pt x="2605882" y="1488528"/>
+                </a:lnTo>
+                <a:lnTo>
+                  <a:pt x="2607073" y="1542951"/>
+                </a:lnTo>
+                <a:lnTo>
+                  <a:pt x="2608263" y="1599757"/>
+                </a:lnTo>
+                <a:lnTo>
+                  <a:pt x="2608263" y="1625975"/>
+                </a:lnTo>
+                <a:lnTo>
+                  <a:pt x="2608263" y="1649413"/>
+                </a:lnTo>
+                <a:lnTo>
+                  <a:pt x="2308271" y="1649413"/>
+                </a:lnTo>
+                <a:lnTo>
+                  <a:pt x="2307081" y="1594196"/>
+                </a:lnTo>
+                <a:lnTo>
+                  <a:pt x="2305493" y="1538581"/>
+                </a:lnTo>
+                <a:lnTo>
+                  <a:pt x="2305097" y="1494486"/>
+                </a:lnTo>
+                <a:lnTo>
+                  <a:pt x="2305097" y="1482172"/>
+                </a:lnTo>
+                <a:lnTo>
+                  <a:pt x="2301129" y="1470651"/>
+                </a:lnTo>
+                <a:lnTo>
+                  <a:pt x="2297557" y="1461117"/>
+                </a:lnTo>
+                <a:lnTo>
+                  <a:pt x="2293986" y="1451981"/>
+                </a:lnTo>
+                <a:lnTo>
+                  <a:pt x="2289224" y="1443241"/>
+                </a:lnTo>
+                <a:lnTo>
+                  <a:pt x="2284859" y="1434899"/>
+                </a:lnTo>
+                <a:lnTo>
+                  <a:pt x="2280097" y="1426954"/>
+                </a:lnTo>
+                <a:lnTo>
+                  <a:pt x="2275335" y="1419406"/>
+                </a:lnTo>
+                <a:lnTo>
+                  <a:pt x="2270177" y="1411859"/>
+                </a:lnTo>
+                <a:lnTo>
+                  <a:pt x="2264621" y="1405106"/>
+                </a:lnTo>
+                <a:lnTo>
+                  <a:pt x="2258669" y="1398352"/>
+                </a:lnTo>
+                <a:lnTo>
+                  <a:pt x="2252717" y="1391996"/>
+                </a:lnTo>
+                <a:lnTo>
+                  <a:pt x="2246765" y="1386435"/>
+                </a:lnTo>
+                <a:lnTo>
+                  <a:pt x="2240416" y="1380079"/>
+                </a:lnTo>
+                <a:lnTo>
+                  <a:pt x="2234067" y="1374915"/>
+                </a:lnTo>
+                <a:lnTo>
+                  <a:pt x="2226924" y="1369750"/>
+                </a:lnTo>
+                <a:lnTo>
+                  <a:pt x="2220178" y="1364983"/>
+                </a:lnTo>
+                <a:lnTo>
+                  <a:pt x="2213433" y="1360217"/>
+                </a:lnTo>
+                <a:lnTo>
+                  <a:pt x="2206290" y="1355450"/>
+                </a:lnTo>
+                <a:lnTo>
+                  <a:pt x="2198750" y="1351080"/>
+                </a:lnTo>
+                <a:lnTo>
+                  <a:pt x="2184465" y="1343532"/>
+                </a:lnTo>
+                <a:lnTo>
+                  <a:pt x="2169386" y="1336382"/>
+                </a:lnTo>
+                <a:lnTo>
+                  <a:pt x="2154307" y="1330026"/>
+                </a:lnTo>
+                <a:lnTo>
+                  <a:pt x="2139228" y="1323670"/>
+                </a:lnTo>
+                <a:lnTo>
+                  <a:pt x="2124546" y="1318108"/>
+                </a:lnTo>
+                <a:lnTo>
+                  <a:pt x="2095578" y="1307780"/>
+                </a:lnTo>
+                <a:lnTo>
+                  <a:pt x="2067405" y="1297849"/>
+                </a:lnTo>
+                <a:lnTo>
+                  <a:pt x="2053913" y="1293082"/>
+                </a:lnTo>
+                <a:lnTo>
+                  <a:pt x="2041215" y="1287917"/>
+                </a:lnTo>
+                <a:lnTo>
+                  <a:pt x="1985264" y="1263685"/>
+                </a:lnTo>
+                <a:lnTo>
+                  <a:pt x="1926932" y="1239056"/>
+                </a:lnTo>
+                <a:lnTo>
+                  <a:pt x="1840427" y="1202112"/>
+                </a:lnTo>
+                <a:lnTo>
+                  <a:pt x="1797571" y="1183441"/>
+                </a:lnTo>
+                <a:lnTo>
+                  <a:pt x="1755111" y="1166359"/>
+                </a:lnTo>
+                <a:lnTo>
+                  <a:pt x="1762651" y="1150470"/>
+                </a:lnTo>
+                <a:lnTo>
+                  <a:pt x="1790031" y="1143716"/>
+                </a:lnTo>
+                <a:lnTo>
+                  <a:pt x="1788047" y="1138155"/>
+                </a:lnTo>
+                <a:lnTo>
+                  <a:pt x="1786460" y="1132196"/>
+                </a:lnTo>
+                <a:lnTo>
+                  <a:pt x="1784873" y="1127429"/>
+                </a:lnTo>
+                <a:lnTo>
+                  <a:pt x="1782492" y="1123457"/>
+                </a:lnTo>
+                <a:lnTo>
+                  <a:pt x="1780111" y="1119484"/>
+                </a:lnTo>
+                <a:lnTo>
+                  <a:pt x="1777730" y="1115909"/>
+                </a:lnTo>
+                <a:lnTo>
+                  <a:pt x="1772571" y="1109950"/>
+                </a:lnTo>
+                <a:lnTo>
+                  <a:pt x="1767413" y="1103594"/>
+                </a:lnTo>
+                <a:lnTo>
+                  <a:pt x="1762254" y="1097636"/>
+                </a:lnTo>
+                <a:lnTo>
+                  <a:pt x="1759476" y="1094458"/>
+                </a:lnTo>
+                <a:lnTo>
+                  <a:pt x="1757095" y="1091280"/>
+                </a:lnTo>
+                <a:lnTo>
+                  <a:pt x="1755111" y="1087307"/>
+                </a:lnTo>
+                <a:lnTo>
+                  <a:pt x="1753524" y="1082937"/>
+                </a:lnTo>
+                <a:lnTo>
+                  <a:pt x="1743207" y="973694"/>
+                </a:lnTo>
+                <a:lnTo>
+                  <a:pt x="1743207" y="974091"/>
+                </a:lnTo>
+                <a:lnTo>
+                  <a:pt x="1742413" y="974091"/>
+                </a:lnTo>
+                <a:lnTo>
+                  <a:pt x="1739636" y="973694"/>
+                </a:lnTo>
+                <a:lnTo>
+                  <a:pt x="1730112" y="972105"/>
+                </a:lnTo>
+                <a:lnTo>
+                  <a:pt x="1720985" y="969324"/>
+                </a:lnTo>
+                <a:lnTo>
+                  <a:pt x="1717414" y="968133"/>
+                </a:lnTo>
+                <a:lnTo>
+                  <a:pt x="1715033" y="967338"/>
+                </a:lnTo>
+                <a:lnTo>
+                  <a:pt x="1711065" y="963763"/>
+                </a:lnTo>
+                <a:lnTo>
+                  <a:pt x="1707097" y="960188"/>
+                </a:lnTo>
+                <a:lnTo>
+                  <a:pt x="1703129" y="955818"/>
+                </a:lnTo>
+                <a:lnTo>
+                  <a:pt x="1699954" y="950654"/>
+                </a:lnTo>
+                <a:lnTo>
+                  <a:pt x="1697177" y="945490"/>
+                </a:lnTo>
+                <a:lnTo>
+                  <a:pt x="1694399" y="939531"/>
+                </a:lnTo>
+                <a:lnTo>
+                  <a:pt x="1692018" y="932778"/>
+                </a:lnTo>
+                <a:lnTo>
+                  <a:pt x="1689637" y="926422"/>
+                </a:lnTo>
+                <a:lnTo>
+                  <a:pt x="1688050" y="919668"/>
+                </a:lnTo>
+                <a:lnTo>
+                  <a:pt x="1686066" y="912518"/>
+                </a:lnTo>
+                <a:lnTo>
+                  <a:pt x="1683288" y="897423"/>
+                </a:lnTo>
+                <a:lnTo>
+                  <a:pt x="1681304" y="882327"/>
+                </a:lnTo>
+                <a:lnTo>
+                  <a:pt x="1679717" y="867232"/>
+                </a:lnTo>
+                <a:lnTo>
+                  <a:pt x="1684875" y="862465"/>
+                </a:lnTo>
+                <a:lnTo>
+                  <a:pt x="1689637" y="857698"/>
+                </a:lnTo>
+                <a:lnTo>
+                  <a:pt x="1694796" y="851739"/>
+                </a:lnTo>
+                <a:lnTo>
+                  <a:pt x="1699161" y="845780"/>
+                </a:lnTo>
+                <a:lnTo>
+                  <a:pt x="1703525" y="839424"/>
+                </a:lnTo>
+                <a:lnTo>
+                  <a:pt x="1707891" y="832671"/>
+                </a:lnTo>
+                <a:lnTo>
+                  <a:pt x="1711462" y="825918"/>
+                </a:lnTo>
+                <a:lnTo>
+                  <a:pt x="1715033" y="818767"/>
+                </a:lnTo>
+                <a:lnTo>
+                  <a:pt x="1718208" y="811617"/>
+                </a:lnTo>
+                <a:lnTo>
+                  <a:pt x="1720985" y="804466"/>
+                </a:lnTo>
+                <a:lnTo>
+                  <a:pt x="1726144" y="790166"/>
+                </a:lnTo>
+                <a:lnTo>
+                  <a:pt x="1730509" y="776262"/>
+                </a:lnTo>
+                <a:lnTo>
+                  <a:pt x="1734080" y="762755"/>
+                </a:lnTo>
+                <a:lnTo>
+                  <a:pt x="1736858" y="750838"/>
+                </a:lnTo>
+                <a:lnTo>
+                  <a:pt x="1738842" y="740510"/>
+                </a:lnTo>
+                <a:lnTo>
+                  <a:pt x="1742413" y="720647"/>
+                </a:lnTo>
+                <a:lnTo>
+                  <a:pt x="1743604" y="709524"/>
+                </a:lnTo>
+                <a:lnTo>
+                  <a:pt x="1745191" y="698798"/>
+                </a:lnTo>
+                <a:lnTo>
+                  <a:pt x="1746381" y="687278"/>
+                </a:lnTo>
+                <a:lnTo>
+                  <a:pt x="1747175" y="675361"/>
+                </a:lnTo>
+                <a:lnTo>
+                  <a:pt x="1747572" y="663443"/>
+                </a:lnTo>
+                <a:lnTo>
+                  <a:pt x="1747572" y="651129"/>
+                </a:lnTo>
+                <a:lnTo>
+                  <a:pt x="1747175" y="638814"/>
+                </a:lnTo>
+                <a:lnTo>
+                  <a:pt x="1746381" y="626102"/>
+                </a:lnTo>
+                <a:lnTo>
+                  <a:pt x="1744794" y="613787"/>
+                </a:lnTo>
+                <a:lnTo>
+                  <a:pt x="1742810" y="601473"/>
+                </a:lnTo>
+                <a:lnTo>
+                  <a:pt x="1740033" y="589158"/>
+                </a:lnTo>
+                <a:lnTo>
+                  <a:pt x="1736461" y="576843"/>
+                </a:lnTo>
+                <a:lnTo>
+                  <a:pt x="1732096" y="564529"/>
+                </a:lnTo>
+                <a:lnTo>
+                  <a:pt x="1726937" y="553008"/>
+                </a:lnTo>
+                <a:lnTo>
+                  <a:pt x="1723366" y="546255"/>
+                </a:lnTo>
+                <a:lnTo>
+                  <a:pt x="1720192" y="539899"/>
+                </a:lnTo>
+                <a:lnTo>
+                  <a:pt x="1715033" y="530365"/>
+                </a:lnTo>
+                <a:lnTo>
+                  <a:pt x="1712652" y="526393"/>
+                </a:lnTo>
+                <a:lnTo>
+                  <a:pt x="1711859" y="521229"/>
+                </a:lnTo>
+                <a:lnTo>
+                  <a:pt x="1711859" y="516064"/>
+                </a:lnTo>
+                <a:lnTo>
+                  <a:pt x="1711462" y="509708"/>
+                </a:lnTo>
+                <a:lnTo>
+                  <a:pt x="1712255" y="493421"/>
+                </a:lnTo>
+                <a:lnTo>
+                  <a:pt x="1716223" y="486271"/>
+                </a:lnTo>
+                <a:lnTo>
+                  <a:pt x="1720192" y="479915"/>
+                </a:lnTo>
+                <a:lnTo>
+                  <a:pt x="1724557" y="473559"/>
+                </a:lnTo>
+                <a:lnTo>
+                  <a:pt x="1728922" y="467600"/>
+                </a:lnTo>
+                <a:lnTo>
+                  <a:pt x="1734080" y="462039"/>
+                </a:lnTo>
+                <a:lnTo>
+                  <a:pt x="1738842" y="456477"/>
+                </a:lnTo>
+                <a:lnTo>
+                  <a:pt x="1743604" y="451313"/>
+                </a:lnTo>
+                <a:lnTo>
+                  <a:pt x="1748762" y="446546"/>
+                </a:lnTo>
+                <a:lnTo>
+                  <a:pt x="1754318" y="442176"/>
+                </a:lnTo>
+                <a:lnTo>
+                  <a:pt x="1759476" y="438204"/>
+                </a:lnTo>
+                <a:lnTo>
+                  <a:pt x="1765429" y="434231"/>
+                </a:lnTo>
+                <a:lnTo>
+                  <a:pt x="1771381" y="430259"/>
+                </a:lnTo>
+                <a:lnTo>
+                  <a:pt x="1776936" y="427081"/>
+                </a:lnTo>
+                <a:lnTo>
+                  <a:pt x="1782888" y="424300"/>
+                </a:lnTo>
+                <a:lnTo>
+                  <a:pt x="1789634" y="421917"/>
+                </a:lnTo>
+                <a:lnTo>
+                  <a:pt x="1795587" y="419533"/>
+                </a:lnTo>
+                <a:lnTo>
+                  <a:pt x="1820983" y="409999"/>
+                </a:lnTo>
+                <a:lnTo>
+                  <a:pt x="1834871" y="404438"/>
+                </a:lnTo>
+                <a:lnTo>
+                  <a:pt x="1849950" y="399273"/>
+                </a:lnTo>
+                <a:lnTo>
+                  <a:pt x="1865823" y="394506"/>
+                </a:lnTo>
+                <a:lnTo>
+                  <a:pt x="1882886" y="390137"/>
+                </a:lnTo>
+                <a:lnTo>
+                  <a:pt x="1900742" y="386562"/>
+                </a:lnTo>
+                <a:lnTo>
+                  <a:pt x="1909472" y="384973"/>
+                </a:lnTo>
+                <a:lnTo>
+                  <a:pt x="1918599" y="383384"/>
+                </a:lnTo>
+                <a:lnTo>
+                  <a:pt x="1927726" y="382589"/>
+                </a:lnTo>
+                <a:lnTo>
+                  <a:pt x="1937249" y="381795"/>
+                </a:lnTo>
+                <a:lnTo>
+                  <a:pt x="1946773" y="381397"/>
+                </a:lnTo>
+                <a:lnTo>
+                  <a:pt x="1956693" y="381000"/>
+                </a:lnTo>
+                <a:close/>
+                <a:moveTo>
+                  <a:pt x="674585" y="381000"/>
+                </a:moveTo>
+                <a:lnTo>
+                  <a:pt x="684505" y="381397"/>
+                </a:lnTo>
+                <a:lnTo>
+                  <a:pt x="694029" y="382192"/>
+                </a:lnTo>
+                <a:lnTo>
+                  <a:pt x="703552" y="382986"/>
+                </a:lnTo>
+                <a:lnTo>
+                  <a:pt x="713870" y="384575"/>
+                </a:lnTo>
+                <a:lnTo>
+                  <a:pt x="723790" y="386562"/>
+                </a:lnTo>
+                <a:lnTo>
+                  <a:pt x="733710" y="388548"/>
+                </a:lnTo>
+                <a:lnTo>
+                  <a:pt x="743631" y="391726"/>
+                </a:lnTo>
+                <a:lnTo>
+                  <a:pt x="753551" y="394904"/>
+                </a:lnTo>
+                <a:lnTo>
+                  <a:pt x="763868" y="398876"/>
+                </a:lnTo>
+                <a:lnTo>
+                  <a:pt x="773789" y="403246"/>
+                </a:lnTo>
+                <a:lnTo>
+                  <a:pt x="783709" y="408807"/>
+                </a:lnTo>
+                <a:lnTo>
+                  <a:pt x="793629" y="414766"/>
+                </a:lnTo>
+                <a:lnTo>
+                  <a:pt x="820216" y="438998"/>
+                </a:lnTo>
+                <a:lnTo>
+                  <a:pt x="861088" y="446149"/>
+                </a:lnTo>
+                <a:lnTo>
+                  <a:pt x="863866" y="468792"/>
+                </a:lnTo>
+                <a:lnTo>
+                  <a:pt x="867040" y="491832"/>
+                </a:lnTo>
+                <a:lnTo>
+                  <a:pt x="871008" y="514873"/>
+                </a:lnTo>
+                <a:lnTo>
+                  <a:pt x="876167" y="539105"/>
+                </a:lnTo>
+                <a:lnTo>
+                  <a:pt x="871405" y="548241"/>
+                </a:lnTo>
+                <a:lnTo>
+                  <a:pt x="868231" y="554200"/>
+                </a:lnTo>
+                <a:lnTo>
+                  <a:pt x="864659" y="560556"/>
+                </a:lnTo>
+                <a:lnTo>
+                  <a:pt x="861088" y="568501"/>
+                </a:lnTo>
+                <a:lnTo>
+                  <a:pt x="858310" y="577241"/>
+                </a:lnTo>
+                <a:lnTo>
+                  <a:pt x="855533" y="586377"/>
+                </a:lnTo>
+                <a:lnTo>
+                  <a:pt x="854342" y="591144"/>
+                </a:lnTo>
+                <a:lnTo>
+                  <a:pt x="853548" y="596309"/>
+                </a:lnTo>
+                <a:lnTo>
+                  <a:pt x="853152" y="602267"/>
+                </a:lnTo>
+                <a:lnTo>
+                  <a:pt x="852755" y="607431"/>
+                </a:lnTo>
+                <a:lnTo>
+                  <a:pt x="852755" y="613390"/>
+                </a:lnTo>
+                <a:lnTo>
+                  <a:pt x="853152" y="619349"/>
+                </a:lnTo>
+                <a:lnTo>
+                  <a:pt x="854739" y="642786"/>
+                </a:lnTo>
+                <a:lnTo>
+                  <a:pt x="856723" y="670991"/>
+                </a:lnTo>
+                <a:lnTo>
+                  <a:pt x="857913" y="686087"/>
+                </a:lnTo>
+                <a:lnTo>
+                  <a:pt x="859501" y="700785"/>
+                </a:lnTo>
+                <a:lnTo>
+                  <a:pt x="861485" y="716675"/>
+                </a:lnTo>
+                <a:lnTo>
+                  <a:pt x="863469" y="732167"/>
+                </a:lnTo>
+                <a:lnTo>
+                  <a:pt x="866247" y="748057"/>
+                </a:lnTo>
+                <a:lnTo>
+                  <a:pt x="869818" y="763153"/>
+                </a:lnTo>
+                <a:lnTo>
+                  <a:pt x="873786" y="779043"/>
+                </a:lnTo>
+                <a:lnTo>
+                  <a:pt x="878548" y="793741"/>
+                </a:lnTo>
+                <a:lnTo>
+                  <a:pt x="883706" y="808439"/>
+                </a:lnTo>
+                <a:lnTo>
+                  <a:pt x="886881" y="815589"/>
+                </a:lnTo>
+                <a:lnTo>
+                  <a:pt x="890055" y="822343"/>
+                </a:lnTo>
+                <a:lnTo>
+                  <a:pt x="893230" y="829493"/>
+                </a:lnTo>
+                <a:lnTo>
+                  <a:pt x="896801" y="835849"/>
+                </a:lnTo>
+                <a:lnTo>
+                  <a:pt x="901166" y="842205"/>
+                </a:lnTo>
+                <a:lnTo>
+                  <a:pt x="905134" y="848561"/>
+                </a:lnTo>
+                <a:lnTo>
+                  <a:pt x="909896" y="854520"/>
+                </a:lnTo>
+                <a:lnTo>
+                  <a:pt x="914261" y="860081"/>
+                </a:lnTo>
+                <a:lnTo>
+                  <a:pt x="919420" y="865643"/>
+                </a:lnTo>
+                <a:lnTo>
+                  <a:pt x="924578" y="870807"/>
+                </a:lnTo>
+                <a:lnTo>
+                  <a:pt x="922594" y="885902"/>
+                </a:lnTo>
+                <a:lnTo>
+                  <a:pt x="920213" y="899806"/>
+                </a:lnTo>
+                <a:lnTo>
+                  <a:pt x="917436" y="913312"/>
+                </a:lnTo>
+                <a:lnTo>
+                  <a:pt x="915451" y="920463"/>
+                </a:lnTo>
+                <a:lnTo>
+                  <a:pt x="913467" y="927613"/>
+                </a:lnTo>
+                <a:lnTo>
+                  <a:pt x="911087" y="934367"/>
+                </a:lnTo>
+                <a:lnTo>
+                  <a:pt x="908309" y="941517"/>
+                </a:lnTo>
+                <a:lnTo>
+                  <a:pt x="905134" y="947873"/>
+                </a:lnTo>
+                <a:lnTo>
+                  <a:pt x="901563" y="953037"/>
+                </a:lnTo>
+                <a:lnTo>
+                  <a:pt x="899182" y="955818"/>
+                </a:lnTo>
+                <a:lnTo>
+                  <a:pt x="896801" y="958201"/>
+                </a:lnTo>
+                <a:lnTo>
+                  <a:pt x="894420" y="960188"/>
+                </a:lnTo>
+                <a:lnTo>
+                  <a:pt x="891643" y="961777"/>
+                </a:lnTo>
+                <a:lnTo>
+                  <a:pt x="886087" y="965749"/>
+                </a:lnTo>
+                <a:lnTo>
+                  <a:pt x="880532" y="968530"/>
+                </a:lnTo>
+                <a:lnTo>
+                  <a:pt x="874580" y="971708"/>
+                </a:lnTo>
+                <a:lnTo>
+                  <a:pt x="869024" y="975283"/>
+                </a:lnTo>
+                <a:lnTo>
+                  <a:pt x="866247" y="977269"/>
+                </a:lnTo>
+                <a:lnTo>
+                  <a:pt x="863866" y="979653"/>
+                </a:lnTo>
+                <a:lnTo>
+                  <a:pt x="861881" y="982434"/>
+                </a:lnTo>
+                <a:lnTo>
+                  <a:pt x="859897" y="985612"/>
+                </a:lnTo>
+                <a:lnTo>
+                  <a:pt x="857913" y="990379"/>
+                </a:lnTo>
+                <a:lnTo>
+                  <a:pt x="855929" y="995543"/>
+                </a:lnTo>
+                <a:lnTo>
+                  <a:pt x="854342" y="1000707"/>
+                </a:lnTo>
+                <a:lnTo>
+                  <a:pt x="853152" y="1005871"/>
+                </a:lnTo>
+                <a:lnTo>
+                  <a:pt x="852358" y="1011433"/>
+                </a:lnTo>
+                <a:lnTo>
+                  <a:pt x="851961" y="1016597"/>
+                </a:lnTo>
+                <a:lnTo>
+                  <a:pt x="851167" y="1028514"/>
+                </a:lnTo>
+                <a:lnTo>
+                  <a:pt x="850374" y="1039637"/>
+                </a:lnTo>
+                <a:lnTo>
+                  <a:pt x="849580" y="1051158"/>
+                </a:lnTo>
+                <a:lnTo>
+                  <a:pt x="849183" y="1056719"/>
+                </a:lnTo>
+                <a:lnTo>
+                  <a:pt x="848390" y="1061883"/>
+                </a:lnTo>
+                <a:lnTo>
+                  <a:pt x="847199" y="1067445"/>
+                </a:lnTo>
+                <a:lnTo>
+                  <a:pt x="845612" y="1072212"/>
+                </a:lnTo>
+                <a:lnTo>
+                  <a:pt x="843231" y="1078170"/>
+                </a:lnTo>
+                <a:lnTo>
+                  <a:pt x="841247" y="1082937"/>
+                </a:lnTo>
+                <a:lnTo>
+                  <a:pt x="838469" y="1087307"/>
+                </a:lnTo>
+                <a:lnTo>
+                  <a:pt x="836089" y="1091280"/>
+                </a:lnTo>
+                <a:lnTo>
+                  <a:pt x="830136" y="1098430"/>
+                </a:lnTo>
+                <a:lnTo>
+                  <a:pt x="824581" y="1105183"/>
+                </a:lnTo>
+                <a:lnTo>
+                  <a:pt x="821803" y="1109156"/>
+                </a:lnTo>
+                <a:lnTo>
+                  <a:pt x="819026" y="1112731"/>
+                </a:lnTo>
+                <a:lnTo>
+                  <a:pt x="816248" y="1116703"/>
+                </a:lnTo>
+                <a:lnTo>
+                  <a:pt x="814264" y="1121470"/>
+                </a:lnTo>
+                <a:lnTo>
+                  <a:pt x="812280" y="1126237"/>
+                </a:lnTo>
+                <a:lnTo>
+                  <a:pt x="810692" y="1131799"/>
+                </a:lnTo>
+                <a:lnTo>
+                  <a:pt x="809899" y="1138155"/>
+                </a:lnTo>
+                <a:lnTo>
+                  <a:pt x="809105" y="1145305"/>
+                </a:lnTo>
+                <a:lnTo>
+                  <a:pt x="845612" y="1150470"/>
+                </a:lnTo>
+                <a:lnTo>
+                  <a:pt x="853152" y="1166757"/>
+                </a:lnTo>
+                <a:lnTo>
+                  <a:pt x="811089" y="1183838"/>
+                </a:lnTo>
+                <a:lnTo>
+                  <a:pt x="768233" y="1202112"/>
+                </a:lnTo>
+                <a:lnTo>
+                  <a:pt x="682521" y="1239056"/>
+                </a:lnTo>
+                <a:lnTo>
+                  <a:pt x="624586" y="1263685"/>
+                </a:lnTo>
+                <a:lnTo>
+                  <a:pt x="568635" y="1287917"/>
+                </a:lnTo>
+                <a:lnTo>
+                  <a:pt x="555541" y="1293082"/>
+                </a:lnTo>
+                <a:lnTo>
+                  <a:pt x="542446" y="1297849"/>
+                </a:lnTo>
+                <a:lnTo>
+                  <a:pt x="514669" y="1307780"/>
+                </a:lnTo>
+                <a:lnTo>
+                  <a:pt x="485304" y="1318108"/>
+                </a:lnTo>
+                <a:lnTo>
+                  <a:pt x="470225" y="1323670"/>
+                </a:lnTo>
+                <a:lnTo>
+                  <a:pt x="455146" y="1330026"/>
+                </a:lnTo>
+                <a:lnTo>
+                  <a:pt x="440464" y="1336382"/>
+                </a:lnTo>
+                <a:lnTo>
+                  <a:pt x="425385" y="1343532"/>
+                </a:lnTo>
+                <a:lnTo>
+                  <a:pt x="410703" y="1351080"/>
+                </a:lnTo>
+                <a:lnTo>
+                  <a:pt x="403561" y="1355450"/>
+                </a:lnTo>
+                <a:lnTo>
+                  <a:pt x="396418" y="1360217"/>
+                </a:lnTo>
+                <a:lnTo>
+                  <a:pt x="389275" y="1364983"/>
+                </a:lnTo>
+                <a:lnTo>
+                  <a:pt x="382529" y="1369750"/>
+                </a:lnTo>
+                <a:lnTo>
+                  <a:pt x="376180" y="1374915"/>
+                </a:lnTo>
+                <a:lnTo>
+                  <a:pt x="369038" y="1380079"/>
+                </a:lnTo>
+                <a:lnTo>
+                  <a:pt x="363085" y="1386435"/>
+                </a:lnTo>
+                <a:lnTo>
+                  <a:pt x="356736" y="1391996"/>
+                </a:lnTo>
+                <a:lnTo>
+                  <a:pt x="350784" y="1398352"/>
+                </a:lnTo>
+                <a:lnTo>
+                  <a:pt x="345229" y="1405106"/>
+                </a:lnTo>
+                <a:lnTo>
+                  <a:pt x="339277" y="1411859"/>
+                </a:lnTo>
+                <a:lnTo>
+                  <a:pt x="334118" y="1419406"/>
+                </a:lnTo>
+                <a:lnTo>
+                  <a:pt x="329356" y="1426954"/>
+                </a:lnTo>
+                <a:lnTo>
+                  <a:pt x="324594" y="1434899"/>
+                </a:lnTo>
+                <a:lnTo>
+                  <a:pt x="320229" y="1443241"/>
+                </a:lnTo>
+                <a:lnTo>
+                  <a:pt x="315865" y="1451981"/>
+                </a:lnTo>
+                <a:lnTo>
+                  <a:pt x="311896" y="1461117"/>
+                </a:lnTo>
+                <a:lnTo>
+                  <a:pt x="308325" y="1470651"/>
+                </a:lnTo>
+                <a:lnTo>
+                  <a:pt x="304357" y="1482172"/>
+                </a:lnTo>
+                <a:lnTo>
+                  <a:pt x="304357" y="1494486"/>
+                </a:lnTo>
+                <a:lnTo>
+                  <a:pt x="303960" y="1538581"/>
+                </a:lnTo>
+                <a:lnTo>
+                  <a:pt x="302770" y="1594196"/>
+                </a:lnTo>
+                <a:lnTo>
+                  <a:pt x="301182" y="1649413"/>
+                </a:lnTo>
+                <a:lnTo>
+                  <a:pt x="0" y="1649413"/>
+                </a:lnTo>
+                <a:lnTo>
+                  <a:pt x="0" y="1625975"/>
+                </a:lnTo>
+                <a:lnTo>
+                  <a:pt x="0" y="1599757"/>
+                </a:lnTo>
+                <a:lnTo>
+                  <a:pt x="1190" y="1542951"/>
+                </a:lnTo>
+                <a:lnTo>
+                  <a:pt x="2381" y="1488528"/>
+                </a:lnTo>
+                <a:lnTo>
+                  <a:pt x="2778" y="1465487"/>
+                </a:lnTo>
+                <a:lnTo>
+                  <a:pt x="2778" y="1446817"/>
+                </a:lnTo>
+                <a:lnTo>
+                  <a:pt x="5159" y="1440858"/>
+                </a:lnTo>
+                <a:lnTo>
+                  <a:pt x="7539" y="1435296"/>
+                </a:lnTo>
+                <a:lnTo>
+                  <a:pt x="10317" y="1430132"/>
+                </a:lnTo>
+                <a:lnTo>
+                  <a:pt x="13889" y="1425365"/>
+                </a:lnTo>
+                <a:lnTo>
+                  <a:pt x="17063" y="1420598"/>
+                </a:lnTo>
+                <a:lnTo>
+                  <a:pt x="20634" y="1416228"/>
+                </a:lnTo>
+                <a:lnTo>
+                  <a:pt x="24206" y="1411859"/>
+                </a:lnTo>
+                <a:lnTo>
+                  <a:pt x="28174" y="1407886"/>
+                </a:lnTo>
+                <a:lnTo>
+                  <a:pt x="32142" y="1404311"/>
+                </a:lnTo>
+                <a:lnTo>
+                  <a:pt x="36507" y="1400736"/>
+                </a:lnTo>
+                <a:lnTo>
+                  <a:pt x="41269" y="1397558"/>
+                </a:lnTo>
+                <a:lnTo>
+                  <a:pt x="46031" y="1394380"/>
+                </a:lnTo>
+                <a:lnTo>
+                  <a:pt x="55951" y="1388421"/>
+                </a:lnTo>
+                <a:lnTo>
+                  <a:pt x="66665" y="1382860"/>
+                </a:lnTo>
+                <a:lnTo>
+                  <a:pt x="77379" y="1378093"/>
+                </a:lnTo>
+                <a:lnTo>
+                  <a:pt x="88490" y="1373723"/>
+                </a:lnTo>
+                <a:lnTo>
+                  <a:pt x="111902" y="1365381"/>
+                </a:lnTo>
+                <a:lnTo>
+                  <a:pt x="135711" y="1356641"/>
+                </a:lnTo>
+                <a:lnTo>
+                  <a:pt x="147218" y="1352669"/>
+                </a:lnTo>
+                <a:lnTo>
+                  <a:pt x="158726" y="1347902"/>
+                </a:lnTo>
+                <a:lnTo>
+                  <a:pt x="210312" y="1326053"/>
+                </a:lnTo>
+                <a:lnTo>
+                  <a:pt x="263088" y="1303807"/>
+                </a:lnTo>
+                <a:lnTo>
+                  <a:pt x="315071" y="1281164"/>
+                </a:lnTo>
+                <a:lnTo>
+                  <a:pt x="366260" y="1259713"/>
+                </a:lnTo>
+                <a:lnTo>
+                  <a:pt x="423401" y="1243823"/>
+                </a:lnTo>
+                <a:lnTo>
+                  <a:pt x="428163" y="1240645"/>
+                </a:lnTo>
+                <a:lnTo>
+                  <a:pt x="432131" y="1236672"/>
+                </a:lnTo>
+                <a:lnTo>
+                  <a:pt x="436496" y="1231905"/>
+                </a:lnTo>
+                <a:lnTo>
+                  <a:pt x="440464" y="1226741"/>
+                </a:lnTo>
+                <a:lnTo>
+                  <a:pt x="444432" y="1220782"/>
+                </a:lnTo>
+                <a:lnTo>
+                  <a:pt x="448401" y="1214426"/>
+                </a:lnTo>
+                <a:lnTo>
+                  <a:pt x="456337" y="1201317"/>
+                </a:lnTo>
+                <a:lnTo>
+                  <a:pt x="463480" y="1187016"/>
+                </a:lnTo>
+                <a:lnTo>
+                  <a:pt x="469829" y="1173907"/>
+                </a:lnTo>
+                <a:lnTo>
+                  <a:pt x="480543" y="1150470"/>
+                </a:lnTo>
+                <a:lnTo>
+                  <a:pt x="507526" y="1143716"/>
+                </a:lnTo>
+                <a:lnTo>
+                  <a:pt x="506336" y="1138155"/>
+                </a:lnTo>
+                <a:lnTo>
+                  <a:pt x="504748" y="1132196"/>
+                </a:lnTo>
+                <a:lnTo>
+                  <a:pt x="502764" y="1127429"/>
+                </a:lnTo>
+                <a:lnTo>
+                  <a:pt x="500780" y="1123457"/>
+                </a:lnTo>
+                <a:lnTo>
+                  <a:pt x="498399" y="1119484"/>
+                </a:lnTo>
+                <a:lnTo>
+                  <a:pt x="496018" y="1115909"/>
+                </a:lnTo>
+                <a:lnTo>
+                  <a:pt x="490860" y="1109950"/>
+                </a:lnTo>
+                <a:lnTo>
+                  <a:pt x="485701" y="1103594"/>
+                </a:lnTo>
+                <a:lnTo>
+                  <a:pt x="480146" y="1097636"/>
+                </a:lnTo>
+                <a:lnTo>
+                  <a:pt x="477765" y="1094458"/>
+                </a:lnTo>
+                <a:lnTo>
+                  <a:pt x="475384" y="1091280"/>
+                </a:lnTo>
+                <a:lnTo>
+                  <a:pt x="473400" y="1087307"/>
+                </a:lnTo>
+                <a:lnTo>
+                  <a:pt x="471813" y="1082937"/>
+                </a:lnTo>
+                <a:lnTo>
+                  <a:pt x="461495" y="973694"/>
+                </a:lnTo>
+                <a:lnTo>
+                  <a:pt x="461099" y="974091"/>
+                </a:lnTo>
+                <a:lnTo>
+                  <a:pt x="460305" y="974091"/>
+                </a:lnTo>
+                <a:lnTo>
+                  <a:pt x="457527" y="973694"/>
+                </a:lnTo>
+                <a:lnTo>
+                  <a:pt x="448401" y="972105"/>
+                </a:lnTo>
+                <a:lnTo>
+                  <a:pt x="438877" y="969324"/>
+                </a:lnTo>
+                <a:lnTo>
+                  <a:pt x="435306" y="968133"/>
+                </a:lnTo>
+                <a:lnTo>
+                  <a:pt x="433322" y="967338"/>
+                </a:lnTo>
+                <a:lnTo>
+                  <a:pt x="430147" y="964557"/>
+                </a:lnTo>
+                <a:lnTo>
+                  <a:pt x="426973" y="962174"/>
+                </a:lnTo>
+                <a:lnTo>
+                  <a:pt x="424195" y="958996"/>
+                </a:lnTo>
+                <a:lnTo>
+                  <a:pt x="421417" y="955818"/>
+                </a:lnTo>
+                <a:lnTo>
+                  <a:pt x="419036" y="952243"/>
+                </a:lnTo>
+                <a:lnTo>
+                  <a:pt x="416655" y="948270"/>
+                </a:lnTo>
+                <a:lnTo>
+                  <a:pt x="414671" y="944298"/>
+                </a:lnTo>
+                <a:lnTo>
+                  <a:pt x="412687" y="939928"/>
+                </a:lnTo>
+                <a:lnTo>
+                  <a:pt x="409116" y="929997"/>
+                </a:lnTo>
+                <a:lnTo>
+                  <a:pt x="406338" y="920066"/>
+                </a:lnTo>
+                <a:lnTo>
+                  <a:pt x="403957" y="908943"/>
+                </a:lnTo>
+                <a:lnTo>
+                  <a:pt x="401576" y="898217"/>
+                </a:lnTo>
+                <a:lnTo>
+                  <a:pt x="399989" y="887094"/>
+                </a:lnTo>
+                <a:lnTo>
+                  <a:pt x="398402" y="875574"/>
+                </a:lnTo>
+                <a:lnTo>
+                  <a:pt x="396418" y="854122"/>
+                </a:lnTo>
+                <a:lnTo>
+                  <a:pt x="394831" y="834260"/>
+                </a:lnTo>
+                <a:lnTo>
+                  <a:pt x="393640" y="817576"/>
+                </a:lnTo>
+                <a:lnTo>
+                  <a:pt x="393640" y="814795"/>
+                </a:lnTo>
+                <a:lnTo>
+                  <a:pt x="394037" y="811617"/>
+                </a:lnTo>
+                <a:lnTo>
+                  <a:pt x="395227" y="808439"/>
+                </a:lnTo>
+                <a:lnTo>
+                  <a:pt x="396418" y="805261"/>
+                </a:lnTo>
+                <a:lnTo>
+                  <a:pt x="399989" y="798905"/>
+                </a:lnTo>
+                <a:lnTo>
+                  <a:pt x="403561" y="791755"/>
+                </a:lnTo>
+                <a:lnTo>
+                  <a:pt x="407132" y="784604"/>
+                </a:lnTo>
+                <a:lnTo>
+                  <a:pt x="408322" y="780234"/>
+                </a:lnTo>
+                <a:lnTo>
+                  <a:pt x="409513" y="776262"/>
+                </a:lnTo>
+                <a:lnTo>
+                  <a:pt x="410306" y="771495"/>
+                </a:lnTo>
+                <a:lnTo>
+                  <a:pt x="410703" y="766331"/>
+                </a:lnTo>
+                <a:lnTo>
+                  <a:pt x="410306" y="761166"/>
+                </a:lnTo>
+                <a:lnTo>
+                  <a:pt x="409513" y="755605"/>
+                </a:lnTo>
+                <a:lnTo>
+                  <a:pt x="406338" y="738126"/>
+                </a:lnTo>
+                <a:lnTo>
+                  <a:pt x="403561" y="721839"/>
+                </a:lnTo>
+                <a:lnTo>
+                  <a:pt x="401180" y="705552"/>
+                </a:lnTo>
+                <a:lnTo>
+                  <a:pt x="399196" y="689662"/>
+                </a:lnTo>
+                <a:lnTo>
+                  <a:pt x="397608" y="673772"/>
+                </a:lnTo>
+                <a:lnTo>
+                  <a:pt x="397211" y="659074"/>
+                </a:lnTo>
+                <a:lnTo>
+                  <a:pt x="396815" y="643978"/>
+                </a:lnTo>
+                <a:lnTo>
+                  <a:pt x="396815" y="629677"/>
+                </a:lnTo>
+                <a:lnTo>
+                  <a:pt x="397608" y="615774"/>
+                </a:lnTo>
+                <a:lnTo>
+                  <a:pt x="398799" y="602267"/>
+                </a:lnTo>
+                <a:lnTo>
+                  <a:pt x="400386" y="588761"/>
+                </a:lnTo>
+                <a:lnTo>
+                  <a:pt x="402370" y="576446"/>
+                </a:lnTo>
+                <a:lnTo>
+                  <a:pt x="404751" y="563734"/>
+                </a:lnTo>
+                <a:lnTo>
+                  <a:pt x="407529" y="552214"/>
+                </a:lnTo>
+                <a:lnTo>
+                  <a:pt x="410703" y="540297"/>
+                </a:lnTo>
+                <a:lnTo>
+                  <a:pt x="414275" y="529571"/>
+                </a:lnTo>
+                <a:lnTo>
+                  <a:pt x="418243" y="519242"/>
+                </a:lnTo>
+                <a:lnTo>
+                  <a:pt x="422211" y="508914"/>
+                </a:lnTo>
+                <a:lnTo>
+                  <a:pt x="426973" y="499380"/>
+                </a:lnTo>
+                <a:lnTo>
+                  <a:pt x="432131" y="490243"/>
+                </a:lnTo>
+                <a:lnTo>
+                  <a:pt x="437290" y="481504"/>
+                </a:lnTo>
+                <a:lnTo>
+                  <a:pt x="442845" y="473162"/>
+                </a:lnTo>
+                <a:lnTo>
+                  <a:pt x="448797" y="465614"/>
+                </a:lnTo>
+                <a:lnTo>
+                  <a:pt x="454750" y="458066"/>
+                </a:lnTo>
+                <a:lnTo>
+                  <a:pt x="461495" y="451710"/>
+                </a:lnTo>
+                <a:lnTo>
+                  <a:pt x="468241" y="445752"/>
+                </a:lnTo>
+                <a:lnTo>
+                  <a:pt x="474987" y="440190"/>
+                </a:lnTo>
+                <a:lnTo>
+                  <a:pt x="482130" y="435026"/>
+                </a:lnTo>
+                <a:lnTo>
+                  <a:pt x="490066" y="429862"/>
+                </a:lnTo>
+                <a:lnTo>
+                  <a:pt x="497606" y="425889"/>
+                </a:lnTo>
+                <a:lnTo>
+                  <a:pt x="505542" y="422711"/>
+                </a:lnTo>
+                <a:lnTo>
+                  <a:pt x="513875" y="419533"/>
+                </a:lnTo>
+                <a:lnTo>
+                  <a:pt x="538478" y="409999"/>
+                </a:lnTo>
+                <a:lnTo>
+                  <a:pt x="553160" y="404438"/>
+                </a:lnTo>
+                <a:lnTo>
+                  <a:pt x="568239" y="399273"/>
+                </a:lnTo>
+                <a:lnTo>
+                  <a:pt x="584111" y="394506"/>
+                </a:lnTo>
+                <a:lnTo>
+                  <a:pt x="601174" y="390137"/>
+                </a:lnTo>
+                <a:lnTo>
+                  <a:pt x="618634" y="386562"/>
+                </a:lnTo>
+                <a:lnTo>
+                  <a:pt x="627761" y="384973"/>
+                </a:lnTo>
+                <a:lnTo>
+                  <a:pt x="636888" y="383384"/>
+                </a:lnTo>
+                <a:lnTo>
+                  <a:pt x="646014" y="382589"/>
+                </a:lnTo>
+                <a:lnTo>
+                  <a:pt x="655538" y="381795"/>
+                </a:lnTo>
+                <a:lnTo>
+                  <a:pt x="665061" y="381397"/>
+                </a:lnTo>
+                <a:lnTo>
+                  <a:pt x="674585" y="381000"/>
+                </a:lnTo>
+                <a:close/>
+                <a:moveTo>
+                  <a:pt x="1307704" y="0"/>
+                </a:moveTo>
+                <a:lnTo>
+                  <a:pt x="1321601" y="0"/>
+                </a:lnTo>
+                <a:lnTo>
+                  <a:pt x="1335100" y="0"/>
+                </a:lnTo>
+                <a:lnTo>
+                  <a:pt x="1348997" y="1191"/>
+                </a:lnTo>
+                <a:lnTo>
+                  <a:pt x="1362496" y="2381"/>
+                </a:lnTo>
+                <a:lnTo>
+                  <a:pt x="1376790" y="4366"/>
+                </a:lnTo>
+                <a:lnTo>
+                  <a:pt x="1390289" y="7144"/>
+                </a:lnTo>
+                <a:lnTo>
+                  <a:pt x="1404583" y="10319"/>
+                </a:lnTo>
+                <a:lnTo>
+                  <a:pt x="1418480" y="14684"/>
+                </a:lnTo>
+                <a:lnTo>
+                  <a:pt x="1432773" y="19447"/>
+                </a:lnTo>
+                <a:lnTo>
+                  <a:pt x="1446670" y="25003"/>
+                </a:lnTo>
+                <a:lnTo>
+                  <a:pt x="1460566" y="31353"/>
+                </a:lnTo>
+                <a:lnTo>
+                  <a:pt x="1474463" y="38497"/>
+                </a:lnTo>
+                <a:lnTo>
+                  <a:pt x="1488757" y="46831"/>
+                </a:lnTo>
+                <a:lnTo>
+                  <a:pt x="1525285" y="80963"/>
+                </a:lnTo>
+                <a:lnTo>
+                  <a:pt x="1584841" y="90884"/>
+                </a:lnTo>
+                <a:lnTo>
+                  <a:pt x="1590400" y="94853"/>
+                </a:lnTo>
+                <a:lnTo>
+                  <a:pt x="1595958" y="99616"/>
+                </a:lnTo>
+                <a:lnTo>
+                  <a:pt x="1600723" y="104775"/>
+                </a:lnTo>
+                <a:lnTo>
+                  <a:pt x="1605487" y="110331"/>
+                </a:lnTo>
+                <a:lnTo>
+                  <a:pt x="1609855" y="115888"/>
+                </a:lnTo>
+                <a:lnTo>
+                  <a:pt x="1613825" y="122238"/>
+                </a:lnTo>
+                <a:lnTo>
+                  <a:pt x="1617399" y="128984"/>
+                </a:lnTo>
+                <a:lnTo>
+                  <a:pt x="1620575" y="134938"/>
+                </a:lnTo>
+                <a:lnTo>
+                  <a:pt x="1626531" y="146447"/>
+                </a:lnTo>
+                <a:lnTo>
+                  <a:pt x="1630898" y="156766"/>
+                </a:lnTo>
+                <a:lnTo>
+                  <a:pt x="1634075" y="165894"/>
+                </a:lnTo>
+                <a:lnTo>
+                  <a:pt x="1636854" y="177403"/>
+                </a:lnTo>
+                <a:lnTo>
+                  <a:pt x="1639236" y="189309"/>
+                </a:lnTo>
+                <a:lnTo>
+                  <a:pt x="1641619" y="200819"/>
+                </a:lnTo>
+                <a:lnTo>
+                  <a:pt x="1643207" y="212725"/>
+                </a:lnTo>
+                <a:lnTo>
+                  <a:pt x="1644795" y="223838"/>
+                </a:lnTo>
+                <a:lnTo>
+                  <a:pt x="1646383" y="235347"/>
+                </a:lnTo>
+                <a:lnTo>
+                  <a:pt x="1648368" y="258366"/>
+                </a:lnTo>
+                <a:lnTo>
+                  <a:pt x="1649559" y="281781"/>
+                </a:lnTo>
+                <a:lnTo>
+                  <a:pt x="1649957" y="304800"/>
+                </a:lnTo>
+                <a:lnTo>
+                  <a:pt x="1649957" y="328613"/>
+                </a:lnTo>
+                <a:lnTo>
+                  <a:pt x="1649559" y="352822"/>
+                </a:lnTo>
+                <a:lnTo>
+                  <a:pt x="1648765" y="365919"/>
+                </a:lnTo>
+                <a:lnTo>
+                  <a:pt x="1647177" y="385763"/>
+                </a:lnTo>
+                <a:lnTo>
+                  <a:pt x="1642413" y="436959"/>
+                </a:lnTo>
+                <a:lnTo>
+                  <a:pt x="1640427" y="464344"/>
+                </a:lnTo>
+                <a:lnTo>
+                  <a:pt x="1638839" y="490141"/>
+                </a:lnTo>
+                <a:lnTo>
+                  <a:pt x="1638442" y="501650"/>
+                </a:lnTo>
+                <a:lnTo>
+                  <a:pt x="1638045" y="511969"/>
+                </a:lnTo>
+                <a:lnTo>
+                  <a:pt x="1638442" y="521494"/>
+                </a:lnTo>
+                <a:lnTo>
+                  <a:pt x="1638839" y="529034"/>
+                </a:lnTo>
+                <a:lnTo>
+                  <a:pt x="1640030" y="538559"/>
+                </a:lnTo>
+                <a:lnTo>
+                  <a:pt x="1642016" y="546497"/>
+                </a:lnTo>
+                <a:lnTo>
+                  <a:pt x="1644001" y="553244"/>
+                </a:lnTo>
+                <a:lnTo>
+                  <a:pt x="1646780" y="558800"/>
+                </a:lnTo>
+                <a:lnTo>
+                  <a:pt x="1649559" y="563959"/>
+                </a:lnTo>
+                <a:lnTo>
+                  <a:pt x="1653133" y="569516"/>
+                </a:lnTo>
+                <a:lnTo>
+                  <a:pt x="1656706" y="576659"/>
+                </a:lnTo>
+                <a:lnTo>
+                  <a:pt x="1661074" y="584597"/>
+                </a:lnTo>
+                <a:lnTo>
+                  <a:pt x="1664250" y="592534"/>
+                </a:lnTo>
+                <a:lnTo>
+                  <a:pt x="1667029" y="600869"/>
+                </a:lnTo>
+                <a:lnTo>
+                  <a:pt x="1669412" y="609600"/>
+                </a:lnTo>
+                <a:lnTo>
+                  <a:pt x="1671397" y="618331"/>
+                </a:lnTo>
+                <a:lnTo>
+                  <a:pt x="1672588" y="627459"/>
+                </a:lnTo>
+                <a:lnTo>
+                  <a:pt x="1673382" y="636984"/>
+                </a:lnTo>
+                <a:lnTo>
+                  <a:pt x="1673779" y="646113"/>
+                </a:lnTo>
+                <a:lnTo>
+                  <a:pt x="1674176" y="655241"/>
+                </a:lnTo>
+                <a:lnTo>
+                  <a:pt x="1673779" y="665163"/>
+                </a:lnTo>
+                <a:lnTo>
+                  <a:pt x="1673382" y="674291"/>
+                </a:lnTo>
+                <a:lnTo>
+                  <a:pt x="1671794" y="692547"/>
+                </a:lnTo>
+                <a:lnTo>
+                  <a:pt x="1669412" y="710009"/>
+                </a:lnTo>
+                <a:lnTo>
+                  <a:pt x="1666632" y="726678"/>
+                </a:lnTo>
+                <a:lnTo>
+                  <a:pt x="1664647" y="735806"/>
+                </a:lnTo>
+                <a:lnTo>
+                  <a:pt x="1662662" y="745728"/>
+                </a:lnTo>
+                <a:lnTo>
+                  <a:pt x="1659883" y="755650"/>
+                </a:lnTo>
+                <a:lnTo>
+                  <a:pt x="1656706" y="765572"/>
+                </a:lnTo>
+                <a:lnTo>
+                  <a:pt x="1653133" y="775891"/>
+                </a:lnTo>
+                <a:lnTo>
+                  <a:pt x="1649162" y="785416"/>
+                </a:lnTo>
+                <a:lnTo>
+                  <a:pt x="1644795" y="793750"/>
+                </a:lnTo>
+                <a:lnTo>
+                  <a:pt x="1642413" y="798116"/>
+                </a:lnTo>
+                <a:lnTo>
+                  <a:pt x="1639633" y="802084"/>
+                </a:lnTo>
+                <a:lnTo>
+                  <a:pt x="1636854" y="805656"/>
+                </a:lnTo>
+                <a:lnTo>
+                  <a:pt x="1633678" y="808831"/>
+                </a:lnTo>
+                <a:lnTo>
+                  <a:pt x="1630104" y="811609"/>
+                </a:lnTo>
+                <a:lnTo>
+                  <a:pt x="1626531" y="814388"/>
+                </a:lnTo>
+                <a:lnTo>
+                  <a:pt x="1618193" y="818753"/>
+                </a:lnTo>
+                <a:lnTo>
+                  <a:pt x="1610252" y="823119"/>
+                </a:lnTo>
+                <a:lnTo>
+                  <a:pt x="1602311" y="827881"/>
+                </a:lnTo>
+                <a:lnTo>
+                  <a:pt x="1598341" y="830263"/>
+                </a:lnTo>
+                <a:lnTo>
+                  <a:pt x="1593973" y="832644"/>
+                </a:lnTo>
+                <a:lnTo>
+                  <a:pt x="1590797" y="835819"/>
+                </a:lnTo>
+                <a:lnTo>
+                  <a:pt x="1587223" y="838994"/>
+                </a:lnTo>
+                <a:lnTo>
+                  <a:pt x="1584444" y="842963"/>
+                </a:lnTo>
+                <a:lnTo>
+                  <a:pt x="1581665" y="846931"/>
+                </a:lnTo>
+                <a:lnTo>
+                  <a:pt x="1578489" y="854075"/>
+                </a:lnTo>
+                <a:lnTo>
+                  <a:pt x="1576106" y="860822"/>
+                </a:lnTo>
+                <a:lnTo>
+                  <a:pt x="1574121" y="867966"/>
+                </a:lnTo>
+                <a:lnTo>
+                  <a:pt x="1572533" y="875506"/>
+                </a:lnTo>
+                <a:lnTo>
+                  <a:pt x="1571342" y="883444"/>
+                </a:lnTo>
+                <a:lnTo>
+                  <a:pt x="1570151" y="890984"/>
+                </a:lnTo>
+                <a:lnTo>
+                  <a:pt x="1568959" y="906859"/>
+                </a:lnTo>
+                <a:lnTo>
+                  <a:pt x="1568165" y="923131"/>
+                </a:lnTo>
+                <a:lnTo>
+                  <a:pt x="1566974" y="939006"/>
+                </a:lnTo>
+                <a:lnTo>
+                  <a:pt x="1565783" y="946944"/>
+                </a:lnTo>
+                <a:lnTo>
+                  <a:pt x="1564989" y="954484"/>
+                </a:lnTo>
+                <a:lnTo>
+                  <a:pt x="1563401" y="961628"/>
+                </a:lnTo>
+                <a:lnTo>
+                  <a:pt x="1561415" y="969169"/>
+                </a:lnTo>
+                <a:lnTo>
+                  <a:pt x="1558636" y="976709"/>
+                </a:lnTo>
+                <a:lnTo>
+                  <a:pt x="1555460" y="983456"/>
+                </a:lnTo>
+                <a:lnTo>
+                  <a:pt x="1551887" y="989409"/>
+                </a:lnTo>
+                <a:lnTo>
+                  <a:pt x="1548313" y="995363"/>
+                </a:lnTo>
+                <a:lnTo>
+                  <a:pt x="1544343" y="1000522"/>
+                </a:lnTo>
+                <a:lnTo>
+                  <a:pt x="1539578" y="1005284"/>
+                </a:lnTo>
+                <a:lnTo>
+                  <a:pt x="1531637" y="1014809"/>
+                </a:lnTo>
+                <a:lnTo>
+                  <a:pt x="1527667" y="1019969"/>
+                </a:lnTo>
+                <a:lnTo>
+                  <a:pt x="1524093" y="1025525"/>
+                </a:lnTo>
+                <a:lnTo>
+                  <a:pt x="1520520" y="1031081"/>
+                </a:lnTo>
+                <a:lnTo>
+                  <a:pt x="1517741" y="1037431"/>
+                </a:lnTo>
+                <a:lnTo>
+                  <a:pt x="1514961" y="1044178"/>
+                </a:lnTo>
+                <a:lnTo>
+                  <a:pt x="1512976" y="1052513"/>
+                </a:lnTo>
+                <a:lnTo>
+                  <a:pt x="1510991" y="1061244"/>
+                </a:lnTo>
+                <a:lnTo>
+                  <a:pt x="1510197" y="1070769"/>
+                </a:lnTo>
+                <a:lnTo>
+                  <a:pt x="1561415" y="1078309"/>
+                </a:lnTo>
+                <a:lnTo>
+                  <a:pt x="1576900" y="1111250"/>
+                </a:lnTo>
+                <a:lnTo>
+                  <a:pt x="1585635" y="1129903"/>
+                </a:lnTo>
+                <a:lnTo>
+                  <a:pt x="1596355" y="1149350"/>
+                </a:lnTo>
+                <a:lnTo>
+                  <a:pt x="1601517" y="1158478"/>
+                </a:lnTo>
+                <a:lnTo>
+                  <a:pt x="1606679" y="1168003"/>
+                </a:lnTo>
+                <a:lnTo>
+                  <a:pt x="1612237" y="1176734"/>
+                </a:lnTo>
+                <a:lnTo>
+                  <a:pt x="1617796" y="1184672"/>
+                </a:lnTo>
+                <a:lnTo>
+                  <a:pt x="1624149" y="1192609"/>
+                </a:lnTo>
+                <a:lnTo>
+                  <a:pt x="1629707" y="1198959"/>
+                </a:lnTo>
+                <a:lnTo>
+                  <a:pt x="1635663" y="1204516"/>
+                </a:lnTo>
+                <a:lnTo>
+                  <a:pt x="1641619" y="1209278"/>
+                </a:lnTo>
+                <a:lnTo>
+                  <a:pt x="1721821" y="1231106"/>
+                </a:lnTo>
+                <a:lnTo>
+                  <a:pt x="1793687" y="1261269"/>
+                </a:lnTo>
+                <a:lnTo>
+                  <a:pt x="1867537" y="1292622"/>
+                </a:lnTo>
+                <a:lnTo>
+                  <a:pt x="1941387" y="1324372"/>
+                </a:lnTo>
+                <a:lnTo>
+                  <a:pt x="2013649" y="1354931"/>
+                </a:lnTo>
+                <a:lnTo>
+                  <a:pt x="2029531" y="1361678"/>
+                </a:lnTo>
+                <a:lnTo>
+                  <a:pt x="2046207" y="1367631"/>
+                </a:lnTo>
+                <a:lnTo>
+                  <a:pt x="2079161" y="1379141"/>
+                </a:lnTo>
+                <a:lnTo>
+                  <a:pt x="2095440" y="1385094"/>
+                </a:lnTo>
+                <a:lnTo>
+                  <a:pt x="2112116" y="1391444"/>
+                </a:lnTo>
+                <a:lnTo>
+                  <a:pt x="2127998" y="1397397"/>
+                </a:lnTo>
+                <a:lnTo>
+                  <a:pt x="2143085" y="1404144"/>
+                </a:lnTo>
+                <a:lnTo>
+                  <a:pt x="2150232" y="1407716"/>
+                </a:lnTo>
+                <a:lnTo>
+                  <a:pt x="2157776" y="1411684"/>
+                </a:lnTo>
+                <a:lnTo>
+                  <a:pt x="2164923" y="1416050"/>
+                </a:lnTo>
+                <a:lnTo>
+                  <a:pt x="2171673" y="1420019"/>
+                </a:lnTo>
+                <a:lnTo>
+                  <a:pt x="2178423" y="1424384"/>
+                </a:lnTo>
+                <a:lnTo>
+                  <a:pt x="2184775" y="1429147"/>
+                </a:lnTo>
+                <a:lnTo>
+                  <a:pt x="2191128" y="1433909"/>
+                </a:lnTo>
+                <a:lnTo>
+                  <a:pt x="2196687" y="1439069"/>
+                </a:lnTo>
+                <a:lnTo>
+                  <a:pt x="2202245" y="1445022"/>
+                </a:lnTo>
+                <a:lnTo>
+                  <a:pt x="2207804" y="1450578"/>
+                </a:lnTo>
+                <a:lnTo>
+                  <a:pt x="2212965" y="1456928"/>
+                </a:lnTo>
+                <a:lnTo>
+                  <a:pt x="2217333" y="1463278"/>
+                </a:lnTo>
+                <a:lnTo>
+                  <a:pt x="2221700" y="1470422"/>
+                </a:lnTo>
+                <a:lnTo>
+                  <a:pt x="2225274" y="1477566"/>
+                </a:lnTo>
+                <a:lnTo>
+                  <a:pt x="2228847" y="1485503"/>
+                </a:lnTo>
+                <a:lnTo>
+                  <a:pt x="2232023" y="1493441"/>
+                </a:lnTo>
+                <a:lnTo>
+                  <a:pt x="2232023" y="1519634"/>
+                </a:lnTo>
+                <a:lnTo>
+                  <a:pt x="2232817" y="1552178"/>
+                </a:lnTo>
+                <a:lnTo>
+                  <a:pt x="2234406" y="1628378"/>
+                </a:lnTo>
+                <a:lnTo>
+                  <a:pt x="2235597" y="1668859"/>
+                </a:lnTo>
+                <a:lnTo>
+                  <a:pt x="2236391" y="1708150"/>
+                </a:lnTo>
+                <a:lnTo>
+                  <a:pt x="2236788" y="1745059"/>
+                </a:lnTo>
+                <a:lnTo>
+                  <a:pt x="2236391" y="1778000"/>
+                </a:lnTo>
+                <a:lnTo>
+                  <a:pt x="374650" y="1778000"/>
+                </a:lnTo>
+                <a:lnTo>
+                  <a:pt x="374650" y="1745059"/>
+                </a:lnTo>
+                <a:lnTo>
+                  <a:pt x="374650" y="1708150"/>
+                </a:lnTo>
+                <a:lnTo>
+                  <a:pt x="375444" y="1668859"/>
+                </a:lnTo>
+                <a:lnTo>
+                  <a:pt x="376238" y="1628378"/>
+                </a:lnTo>
+                <a:lnTo>
+                  <a:pt x="377826" y="1552178"/>
+                </a:lnTo>
+                <a:lnTo>
+                  <a:pt x="378620" y="1519634"/>
+                </a:lnTo>
+                <a:lnTo>
+                  <a:pt x="379017" y="1493441"/>
+                </a:lnTo>
+                <a:lnTo>
+                  <a:pt x="381797" y="1485503"/>
+                </a:lnTo>
+                <a:lnTo>
+                  <a:pt x="385370" y="1477566"/>
+                </a:lnTo>
+                <a:lnTo>
+                  <a:pt x="389341" y="1470422"/>
+                </a:lnTo>
+                <a:lnTo>
+                  <a:pt x="393311" y="1463278"/>
+                </a:lnTo>
+                <a:lnTo>
+                  <a:pt x="398076" y="1456928"/>
+                </a:lnTo>
+                <a:lnTo>
+                  <a:pt x="403237" y="1450578"/>
+                </a:lnTo>
+                <a:lnTo>
+                  <a:pt x="408399" y="1445022"/>
+                </a:lnTo>
+                <a:lnTo>
+                  <a:pt x="413957" y="1439069"/>
+                </a:lnTo>
+                <a:lnTo>
+                  <a:pt x="419516" y="1433909"/>
+                </a:lnTo>
+                <a:lnTo>
+                  <a:pt x="425869" y="1429147"/>
+                </a:lnTo>
+                <a:lnTo>
+                  <a:pt x="432618" y="1424384"/>
+                </a:lnTo>
+                <a:lnTo>
+                  <a:pt x="438971" y="1420019"/>
+                </a:lnTo>
+                <a:lnTo>
+                  <a:pt x="445721" y="1416050"/>
+                </a:lnTo>
+                <a:lnTo>
+                  <a:pt x="452868" y="1411684"/>
+                </a:lnTo>
+                <a:lnTo>
+                  <a:pt x="460412" y="1407716"/>
+                </a:lnTo>
+                <a:lnTo>
+                  <a:pt x="467558" y="1404144"/>
+                </a:lnTo>
+                <a:lnTo>
+                  <a:pt x="482646" y="1397397"/>
+                </a:lnTo>
+                <a:lnTo>
+                  <a:pt x="498925" y="1391444"/>
+                </a:lnTo>
+                <a:lnTo>
+                  <a:pt x="515204" y="1385094"/>
+                </a:lnTo>
+                <a:lnTo>
+                  <a:pt x="531483" y="1379141"/>
+                </a:lnTo>
+                <a:lnTo>
+                  <a:pt x="564437" y="1367631"/>
+                </a:lnTo>
+                <a:lnTo>
+                  <a:pt x="581113" y="1361678"/>
+                </a:lnTo>
+                <a:lnTo>
+                  <a:pt x="597392" y="1354931"/>
+                </a:lnTo>
+                <a:lnTo>
+                  <a:pt x="669257" y="1324372"/>
+                </a:lnTo>
+                <a:lnTo>
+                  <a:pt x="743504" y="1292622"/>
+                </a:lnTo>
+                <a:lnTo>
+                  <a:pt x="817354" y="1261269"/>
+                </a:lnTo>
+                <a:lnTo>
+                  <a:pt x="888822" y="1231106"/>
+                </a:lnTo>
+                <a:lnTo>
+                  <a:pt x="969025" y="1209278"/>
+                </a:lnTo>
+                <a:lnTo>
+                  <a:pt x="974981" y="1204516"/>
+                </a:lnTo>
+                <a:lnTo>
+                  <a:pt x="980937" y="1198959"/>
+                </a:lnTo>
+                <a:lnTo>
+                  <a:pt x="986892" y="1192609"/>
+                </a:lnTo>
+                <a:lnTo>
+                  <a:pt x="992848" y="1184672"/>
+                </a:lnTo>
+                <a:lnTo>
+                  <a:pt x="998407" y="1176734"/>
+                </a:lnTo>
+                <a:lnTo>
+                  <a:pt x="1003965" y="1168003"/>
+                </a:lnTo>
+                <a:lnTo>
+                  <a:pt x="1009524" y="1158478"/>
+                </a:lnTo>
+                <a:lnTo>
+                  <a:pt x="1015083" y="1149350"/>
+                </a:lnTo>
+                <a:lnTo>
+                  <a:pt x="1025009" y="1129903"/>
+                </a:lnTo>
+                <a:lnTo>
+                  <a:pt x="1034141" y="1111250"/>
+                </a:lnTo>
+                <a:lnTo>
+                  <a:pt x="1049228" y="1078309"/>
+                </a:lnTo>
+                <a:lnTo>
+                  <a:pt x="1087345" y="1068784"/>
+                </a:lnTo>
+                <a:lnTo>
+                  <a:pt x="1085359" y="1060450"/>
+                </a:lnTo>
+                <a:lnTo>
+                  <a:pt x="1082977" y="1053306"/>
+                </a:lnTo>
+                <a:lnTo>
+                  <a:pt x="1080595" y="1046163"/>
+                </a:lnTo>
+                <a:lnTo>
+                  <a:pt x="1077419" y="1040209"/>
+                </a:lnTo>
+                <a:lnTo>
+                  <a:pt x="1074242" y="1034653"/>
+                </a:lnTo>
+                <a:lnTo>
+                  <a:pt x="1071066" y="1029891"/>
+                </a:lnTo>
+                <a:lnTo>
+                  <a:pt x="1067492" y="1025525"/>
+                </a:lnTo>
+                <a:lnTo>
+                  <a:pt x="1063125" y="1020763"/>
+                </a:lnTo>
+                <a:lnTo>
+                  <a:pt x="1055978" y="1012825"/>
+                </a:lnTo>
+                <a:lnTo>
+                  <a:pt x="1048434" y="1004491"/>
+                </a:lnTo>
+                <a:lnTo>
+                  <a:pt x="1045258" y="1000125"/>
+                </a:lnTo>
+                <a:lnTo>
+                  <a:pt x="1042082" y="995363"/>
+                </a:lnTo>
+                <a:lnTo>
+                  <a:pt x="1038905" y="989409"/>
+                </a:lnTo>
+                <a:lnTo>
+                  <a:pt x="1036523" y="983456"/>
+                </a:lnTo>
+                <a:lnTo>
+                  <a:pt x="1022229" y="830659"/>
+                </a:lnTo>
+                <a:lnTo>
+                  <a:pt x="1021832" y="831056"/>
+                </a:lnTo>
+                <a:lnTo>
+                  <a:pt x="1020641" y="831056"/>
+                </a:lnTo>
+                <a:lnTo>
+                  <a:pt x="1016671" y="830659"/>
+                </a:lnTo>
+                <a:lnTo>
+                  <a:pt x="1010715" y="829469"/>
+                </a:lnTo>
+                <a:lnTo>
+                  <a:pt x="1003965" y="828278"/>
+                </a:lnTo>
+                <a:lnTo>
+                  <a:pt x="990863" y="824309"/>
+                </a:lnTo>
+                <a:lnTo>
+                  <a:pt x="985701" y="822325"/>
+                </a:lnTo>
+                <a:lnTo>
+                  <a:pt x="982525" y="821134"/>
+                </a:lnTo>
+                <a:lnTo>
+                  <a:pt x="978157" y="817959"/>
+                </a:lnTo>
+                <a:lnTo>
+                  <a:pt x="973790" y="814388"/>
+                </a:lnTo>
+                <a:lnTo>
+                  <a:pt x="969819" y="810419"/>
+                </a:lnTo>
+                <a:lnTo>
+                  <a:pt x="966246" y="805656"/>
+                </a:lnTo>
+                <a:lnTo>
+                  <a:pt x="962673" y="800497"/>
+                </a:lnTo>
+                <a:lnTo>
+                  <a:pt x="959496" y="794941"/>
+                </a:lnTo>
+                <a:lnTo>
+                  <a:pt x="956717" y="788988"/>
+                </a:lnTo>
+                <a:lnTo>
+                  <a:pt x="953541" y="783034"/>
+                </a:lnTo>
+                <a:lnTo>
+                  <a:pt x="951158" y="776684"/>
+                </a:lnTo>
+                <a:lnTo>
+                  <a:pt x="948776" y="769541"/>
+                </a:lnTo>
+                <a:lnTo>
+                  <a:pt x="944409" y="755253"/>
+                </a:lnTo>
+                <a:lnTo>
+                  <a:pt x="941232" y="740172"/>
+                </a:lnTo>
+                <a:lnTo>
+                  <a:pt x="938056" y="724694"/>
+                </a:lnTo>
+                <a:lnTo>
+                  <a:pt x="935674" y="708819"/>
+                </a:lnTo>
+                <a:lnTo>
+                  <a:pt x="934085" y="693341"/>
+                </a:lnTo>
+                <a:lnTo>
+                  <a:pt x="932497" y="677466"/>
+                </a:lnTo>
+                <a:lnTo>
+                  <a:pt x="931306" y="662781"/>
+                </a:lnTo>
+                <a:lnTo>
+                  <a:pt x="929321" y="635000"/>
+                </a:lnTo>
+                <a:lnTo>
+                  <a:pt x="926939" y="611981"/>
+                </a:lnTo>
+                <a:lnTo>
+                  <a:pt x="926939" y="607616"/>
+                </a:lnTo>
+                <a:lnTo>
+                  <a:pt x="927733" y="603250"/>
+                </a:lnTo>
+                <a:lnTo>
+                  <a:pt x="929321" y="598884"/>
+                </a:lnTo>
+                <a:lnTo>
+                  <a:pt x="931306" y="594519"/>
+                </a:lnTo>
+                <a:lnTo>
+                  <a:pt x="935674" y="585391"/>
+                </a:lnTo>
+                <a:lnTo>
+                  <a:pt x="940835" y="575866"/>
+                </a:lnTo>
+                <a:lnTo>
+                  <a:pt x="943217" y="570706"/>
+                </a:lnTo>
+                <a:lnTo>
+                  <a:pt x="945600" y="565150"/>
+                </a:lnTo>
+                <a:lnTo>
+                  <a:pt x="947585" y="559594"/>
+                </a:lnTo>
+                <a:lnTo>
+                  <a:pt x="949173" y="553641"/>
+                </a:lnTo>
+                <a:lnTo>
+                  <a:pt x="950364" y="547291"/>
+                </a:lnTo>
+                <a:lnTo>
+                  <a:pt x="950761" y="539750"/>
+                </a:lnTo>
+                <a:lnTo>
+                  <a:pt x="950364" y="532606"/>
+                </a:lnTo>
+                <a:lnTo>
+                  <a:pt x="949173" y="524669"/>
+                </a:lnTo>
+                <a:lnTo>
+                  <a:pt x="944409" y="500856"/>
+                </a:lnTo>
+                <a:lnTo>
+                  <a:pt x="940438" y="477441"/>
+                </a:lnTo>
+                <a:lnTo>
+                  <a:pt x="937262" y="454422"/>
+                </a:lnTo>
+                <a:lnTo>
+                  <a:pt x="934880" y="432197"/>
+                </a:lnTo>
+                <a:lnTo>
+                  <a:pt x="933291" y="410766"/>
+                </a:lnTo>
+                <a:lnTo>
+                  <a:pt x="932100" y="389334"/>
+                </a:lnTo>
+                <a:lnTo>
+                  <a:pt x="931703" y="368300"/>
+                </a:lnTo>
+                <a:lnTo>
+                  <a:pt x="932100" y="348059"/>
+                </a:lnTo>
+                <a:lnTo>
+                  <a:pt x="932894" y="328613"/>
+                </a:lnTo>
+                <a:lnTo>
+                  <a:pt x="934483" y="309563"/>
+                </a:lnTo>
+                <a:lnTo>
+                  <a:pt x="936468" y="290909"/>
+                </a:lnTo>
+                <a:lnTo>
+                  <a:pt x="939247" y="273447"/>
+                </a:lnTo>
+                <a:lnTo>
+                  <a:pt x="942423" y="255984"/>
+                </a:lnTo>
+                <a:lnTo>
+                  <a:pt x="946394" y="239713"/>
+                </a:lnTo>
+                <a:lnTo>
+                  <a:pt x="950761" y="223441"/>
+                </a:lnTo>
+                <a:lnTo>
+                  <a:pt x="956320" y="207566"/>
+                </a:lnTo>
+                <a:lnTo>
+                  <a:pt x="961482" y="193278"/>
+                </a:lnTo>
+                <a:lnTo>
+                  <a:pt x="967437" y="178991"/>
+                </a:lnTo>
+                <a:lnTo>
+                  <a:pt x="973790" y="165497"/>
+                </a:lnTo>
+                <a:lnTo>
+                  <a:pt x="980937" y="152400"/>
+                </a:lnTo>
+                <a:lnTo>
+                  <a:pt x="988481" y="140494"/>
+                </a:lnTo>
+                <a:lnTo>
+                  <a:pt x="996421" y="129381"/>
+                </a:lnTo>
+                <a:lnTo>
+                  <a:pt x="1004362" y="118269"/>
+                </a:lnTo>
+                <a:lnTo>
+                  <a:pt x="1013494" y="108347"/>
+                </a:lnTo>
+                <a:lnTo>
+                  <a:pt x="1022229" y="99219"/>
+                </a:lnTo>
+                <a:lnTo>
+                  <a:pt x="1031758" y="90091"/>
+                </a:lnTo>
+                <a:lnTo>
+                  <a:pt x="1041685" y="82550"/>
+                </a:lnTo>
+                <a:lnTo>
+                  <a:pt x="1051611" y="75406"/>
+                </a:lnTo>
+                <a:lnTo>
+                  <a:pt x="1061934" y="68659"/>
+                </a:lnTo>
+                <a:lnTo>
+                  <a:pt x="1073051" y="63103"/>
+                </a:lnTo>
+                <a:lnTo>
+                  <a:pt x="1084168" y="58341"/>
+                </a:lnTo>
+                <a:lnTo>
+                  <a:pt x="1095683" y="53975"/>
+                </a:lnTo>
+                <a:lnTo>
+                  <a:pt x="1112358" y="47228"/>
+                </a:lnTo>
+                <a:lnTo>
+                  <a:pt x="1131019" y="40084"/>
+                </a:lnTo>
+                <a:lnTo>
+                  <a:pt x="1150872" y="32544"/>
+                </a:lnTo>
+                <a:lnTo>
+                  <a:pt x="1171915" y="25400"/>
+                </a:lnTo>
+                <a:lnTo>
+                  <a:pt x="1194547" y="18653"/>
+                </a:lnTo>
+                <a:lnTo>
+                  <a:pt x="1206458" y="15875"/>
+                </a:lnTo>
+                <a:lnTo>
+                  <a:pt x="1218369" y="12303"/>
+                </a:lnTo>
+                <a:lnTo>
+                  <a:pt x="1230281" y="9525"/>
+                </a:lnTo>
+                <a:lnTo>
+                  <a:pt x="1242986" y="7144"/>
+                </a:lnTo>
+                <a:lnTo>
+                  <a:pt x="1255294" y="5159"/>
+                </a:lnTo>
+                <a:lnTo>
+                  <a:pt x="1268397" y="3175"/>
+                </a:lnTo>
+                <a:lnTo>
+                  <a:pt x="1281102" y="1588"/>
+                </a:lnTo>
+                <a:lnTo>
+                  <a:pt x="1294602" y="794"/>
+                </a:lnTo>
+                <a:lnTo>
+                  <a:pt x="1307704" y="0"/>
+                </a:lnTo>
+                <a:close/>
+              </a:path>
+            </a:pathLst>
+          </a:custGeom>
+          <a:solidFill>
+            <a:schemeClr val="accent1"/>
+          </a:solidFill>
+          <a:ln>
+            <a:noFill/>
+          </a:ln>
+          <a:extLst>
+            <a:ext uri="{91240B29-F687-4F45-9708-019B960494DF}">
+              <a14:hiddenLine xmlns:a14="http://schemas.microsoft.com/office/drawing/2010/main" w="9525">
+                <a:solidFill>
+                  <a:srgbClr val="000000"/>
+                </a:solidFill>
+                <a:round/>
+              </a14:hiddenLine>
+            </a:ext>
+          </a:extLst>
+        </p:spPr>
+        <p:txBody>
+          <a:bodyPr anchor="ctr">
+            <a:scene3d>
+              <a:camera prst="orthographicFront"/>
+              <a:lightRig rig="threePt" dir="t"/>
+            </a:scene3d>
+            <a:sp3d>
+              <a:contourClr>
+                <a:srgbClr val="FFFFFF"/>
+              </a:contourClr>
+            </a:sp3d>
+          </a:bodyPr>
+          <a:lstStyle>
+            <a:defPPr>
+              <a:defRPr lang="zh-CN"/>
+            </a:defPPr>
+            <a:lvl1pPr algn="l" rtl="0" eaLnBrk="0" fontAlgn="base" hangingPunct="0">
+              <a:spcBef>
+                <a:spcPct val="0"/>
+              </a:spcBef>
+              <a:spcAft>
+                <a:spcPct val="0"/>
+              </a:spcAft>
+              <a:defRPr kern="1200">
+                <a:solidFill>
+                  <a:schemeClr val="tx1"/>
+                </a:solidFill>
+                <a:latin typeface="Calibri" panose="020F0502020204030204" charset="0"/>
+                <a:ea typeface="宋体" panose="02010600030101010101" pitchFamily="2" charset="-122"/>
+                <a:cs typeface="+mn-cs"/>
+              </a:defRPr>
+            </a:lvl1pPr>
+            <a:lvl2pPr marL="457200" algn="l" rtl="0" eaLnBrk="0" fontAlgn="base" hangingPunct="0">
+              <a:spcBef>
+                <a:spcPct val="0"/>
+              </a:spcBef>
+              <a:spcAft>
+                <a:spcPct val="0"/>
+              </a:spcAft>
+              <a:defRPr kern="1200">
+                <a:solidFill>
+                  <a:schemeClr val="tx1"/>
+                </a:solidFill>
+                <a:latin typeface="Calibri" panose="020F0502020204030204" charset="0"/>
+                <a:ea typeface="宋体" panose="02010600030101010101" pitchFamily="2" charset="-122"/>
+                <a:cs typeface="+mn-cs"/>
+              </a:defRPr>
+            </a:lvl2pPr>
+            <a:lvl3pPr marL="914400" algn="l" rtl="0" eaLnBrk="0" fontAlgn="base" hangingPunct="0">
+              <a:spcBef>
+                <a:spcPct val="0"/>
+              </a:spcBef>
+              <a:spcAft>
+                <a:spcPct val="0"/>
+              </a:spcAft>
+              <a:defRPr kern="1200">
+                <a:solidFill>
+                  <a:schemeClr val="tx1"/>
+                </a:solidFill>
+                <a:latin typeface="Calibri" panose="020F0502020204030204" charset="0"/>
+                <a:ea typeface="宋体" panose="02010600030101010101" pitchFamily="2" charset="-122"/>
+                <a:cs typeface="+mn-cs"/>
+              </a:defRPr>
+            </a:lvl3pPr>
+            <a:lvl4pPr marL="1371600" algn="l" rtl="0" eaLnBrk="0" fontAlgn="base" hangingPunct="0">
+              <a:spcBef>
+                <a:spcPct val="0"/>
+              </a:spcBef>
+              <a:spcAft>
+                <a:spcPct val="0"/>
+              </a:spcAft>
+              <a:defRPr kern="1200">
+                <a:solidFill>
+                  <a:schemeClr val="tx1"/>
+                </a:solidFill>
+                <a:latin typeface="Calibri" panose="020F0502020204030204" charset="0"/>
+                <a:ea typeface="宋体" panose="02010600030101010101" pitchFamily="2" charset="-122"/>
+                <a:cs typeface="+mn-cs"/>
+              </a:defRPr>
+            </a:lvl4pPr>
+            <a:lvl5pPr marL="1828800" algn="l" rtl="0" eaLnBrk="0" fontAlgn="base" hangingPunct="0">
+              <a:spcBef>
+                <a:spcPct val="0"/>
+              </a:spcBef>
+              <a:spcAft>
+                <a:spcPct val="0"/>
+              </a:spcAft>
+              <a:defRPr kern="1200">
+                <a:solidFill>
+                  <a:schemeClr val="tx1"/>
+                </a:solidFill>
+                <a:latin typeface="Calibri" panose="020F0502020204030204" charset="0"/>
+                <a:ea typeface="宋体" panose="02010600030101010101" pitchFamily="2" charset="-122"/>
+                <a:cs typeface="+mn-cs"/>
+              </a:defRPr>
+            </a:lvl5pPr>
+            <a:lvl6pPr marL="2286000" algn="l" defTabSz="914400" rtl="0" eaLnBrk="1" latinLnBrk="0" hangingPunct="1">
+              <a:defRPr kern="1200">
+                <a:solidFill>
+                  <a:schemeClr val="tx1"/>
+                </a:solidFill>
+                <a:latin typeface="Calibri" panose="020F0502020204030204" charset="0"/>
+                <a:ea typeface="宋体" panose="02010600030101010101" pitchFamily="2" charset="-122"/>
+                <a:cs typeface="+mn-cs"/>
+              </a:defRPr>
+            </a:lvl6pPr>
+            <a:lvl7pPr marL="2743200" algn="l" defTabSz="914400" rtl="0" eaLnBrk="1" latinLnBrk="0" hangingPunct="1">
+              <a:defRPr kern="1200">
+                <a:solidFill>
+                  <a:schemeClr val="tx1"/>
+                </a:solidFill>
+                <a:latin typeface="Calibri" panose="020F0502020204030204" charset="0"/>
+                <a:ea typeface="宋体" panose="02010600030101010101" pitchFamily="2" charset="-122"/>
+                <a:cs typeface="+mn-cs"/>
+              </a:defRPr>
+            </a:lvl7pPr>
+            <a:lvl8pPr marL="3200400" algn="l" defTabSz="914400" rtl="0" eaLnBrk="1" latinLnBrk="0" hangingPunct="1">
+              <a:defRPr kern="1200">
+                <a:solidFill>
+                  <a:schemeClr val="tx1"/>
+                </a:solidFill>
+                <a:latin typeface="Calibri" panose="020F0502020204030204" charset="0"/>
+                <a:ea typeface="宋体" panose="02010600030101010101" pitchFamily="2" charset="-122"/>
+                <a:cs typeface="+mn-cs"/>
+              </a:defRPr>
+            </a:lvl8pPr>
+            <a:lvl9pPr marL="3657600" algn="l" defTabSz="914400" rtl="0" eaLnBrk="1" latinLnBrk="0" hangingPunct="1">
+              <a:defRPr kern="1200">
+                <a:solidFill>
+                  <a:schemeClr val="tx1"/>
+                </a:solidFill>
+                <a:latin typeface="Calibri" panose="020F0502020204030204" charset="0"/>
+                <a:ea typeface="宋体" panose="02010600030101010101" pitchFamily="2" charset="-122"/>
+                <a:cs typeface="+mn-cs"/>
+              </a:defRPr>
+            </a:lvl9pPr>
+          </a:lstStyle>
+          <a:p>
+            <a:pPr algn="ctr">
+              <a:defRPr/>
+            </a:pPr>
+            <a:endParaRPr lang="zh-CN" altLang="en-US">
+              <a:solidFill>
+                <a:srgbClr val="FFFFFF"/>
+              </a:solidFill>
+            </a:endParaRPr>
+          </a:p>
+        </p:txBody>
+      </p:sp>
+      <p:sp>
+        <p:nvSpPr>
+          <p:cNvPr id="6" name="流程图: 过程 5"/>
+          <p:cNvSpPr/>
+          <p:nvPr/>
+        </p:nvSpPr>
+        <p:spPr>
+          <a:xfrm>
+            <a:off x="6451600" y="5430520"/>
+            <a:ext cx="1598295" cy="330835"/>
+          </a:xfrm>
+          <a:prstGeom prst="flowChartProcess">
+            <a:avLst/>
+          </a:prstGeom>
+          <a:solidFill>
+            <a:schemeClr val="accent1">
+              <a:lumMod val="20000"/>
+              <a:lumOff val="80000"/>
+            </a:schemeClr>
+          </a:solidFill>
+          <a:ln w="9525" cap="flat" cmpd="sng" algn="ctr">
+            <a:noFill/>
+            <a:prstDash val="solid"/>
+            <a:round/>
+            <a:headEnd type="none" w="med" len="med"/>
+            <a:tailEnd type="none" w="med" len="med"/>
+          </a:ln>
+        </p:spPr>
+        <p:txBody>
+          <a:bodyPr vert="horz" wrap="square" lIns="91440" tIns="45720" rIns="91440" bIns="45720" numCol="1" rtlCol="0" anchor="t" anchorCtr="0" compatLnSpc="1"/>
+          <a:p>
+            <a:pPr marL="0" marR="0" indent="0" algn="l" defTabSz="914400" rtl="0" eaLnBrk="1" fontAlgn="base" latinLnBrk="0" hangingPunct="1">
+              <a:lnSpc>
+                <a:spcPct val="100000"/>
+              </a:lnSpc>
+              <a:spcBef>
+                <a:spcPct val="0"/>
+              </a:spcBef>
+              <a:spcAft>
+                <a:spcPct val="0"/>
+              </a:spcAft>
+              <a:buClrTx/>
+              <a:buSzTx/>
+              <a:buFont typeface="Arial" panose="020B0604020202020204" pitchFamily="34" charset="0"/>
+              <a:buNone/>
+            </a:pPr>
+            <a:r>
+              <a:rPr kumimoji="0" lang="zh-CN" altLang="en-US" sz="1800" b="0" i="0" u="none" strike="noStrike" cap="none" normalizeH="0" baseline="0" smtClean="0">
+                <a:ln>
+                  <a:noFill/>
+                </a:ln>
+                <a:solidFill>
+                  <a:schemeClr val="tx1"/>
+                </a:solidFill>
+                <a:effectLst/>
+                <a:latin typeface="微软雅黑" panose="020B0503020204020204" pitchFamily="34" charset="-122"/>
+                <a:ea typeface="微软雅黑" panose="020B0503020204020204" pitchFamily="34" charset="-122"/>
+              </a:rPr>
+              <a:t>客户：晶链通</a:t>
+            </a:r>
+            <a:endParaRPr kumimoji="0" lang="zh-CN" altLang="en-US" sz="1800" b="0" i="0" u="none" strike="noStrike" cap="none" normalizeH="0" baseline="0" smtClean="0">
+              <a:ln>
+                <a:noFill/>
+              </a:ln>
+              <a:solidFill>
+                <a:schemeClr val="tx1"/>
+              </a:solidFill>
+              <a:effectLst/>
+              <a:latin typeface="微软雅黑" panose="020B0503020204020204" pitchFamily="34" charset="-122"/>
+              <a:ea typeface="微软雅黑" panose="020B0503020204020204" pitchFamily="34" charset="-122"/>
+            </a:endParaRPr>
           </a:p>
         </p:txBody>
       </p:sp>
@@ -17833,6 +23677,334 @@
                       </p:childTnLst>
                     </p:cTn>
                   </p:par>
+                  <p:par>
+                    <p:cTn id="53" fill="hold">
+                      <p:stCondLst>
+                        <p:cond delay="indefinite"/>
+                      </p:stCondLst>
+                      <p:childTnLst>
+                        <p:par>
+                          <p:cTn id="54" fill="hold">
+                            <p:stCondLst>
+                              <p:cond delay="0"/>
+                            </p:stCondLst>
+                            <p:childTnLst>
+                              <p:par>
+                                <p:cTn id="55" presetID="2" presetClass="entr" presetSubtype="2" fill="hold" grpId="0" nodeType="clickEffect">
+                                  <p:stCondLst>
+                                    <p:cond delay="0"/>
+                                  </p:stCondLst>
+                                  <p:childTnLst>
+                                    <p:set>
+                                      <p:cBhvr>
+                                        <p:cTn id="56" dur="1" fill="hold">
+                                          <p:stCondLst>
+                                            <p:cond delay="0"/>
+                                          </p:stCondLst>
+                                        </p:cTn>
+                                        <p:tgtEl>
+                                          <p:spTgt spid="3"/>
+                                        </p:tgtEl>
+                                        <p:attrNameLst>
+                                          <p:attrName>style.visibility</p:attrName>
+                                        </p:attrNameLst>
+                                      </p:cBhvr>
+                                      <p:to>
+                                        <p:strVal val="visible"/>
+                                      </p:to>
+                                    </p:set>
+                                    <p:anim calcmode="lin" valueType="num">
+                                      <p:cBhvr additive="base">
+                                        <p:cTn id="57" dur="500" fill="hold"/>
+                                        <p:tgtEl>
+                                          <p:spTgt spid="3"/>
+                                        </p:tgtEl>
+                                        <p:attrNameLst>
+                                          <p:attrName>ppt_x</p:attrName>
+                                        </p:attrNameLst>
+                                      </p:cBhvr>
+                                      <p:tavLst>
+                                        <p:tav tm="0">
+                                          <p:val>
+                                            <p:strVal val="1+#ppt_w/2"/>
+                                          </p:val>
+                                        </p:tav>
+                                        <p:tav tm="100000">
+                                          <p:val>
+                                            <p:strVal val="#ppt_x"/>
+                                          </p:val>
+                                        </p:tav>
+                                      </p:tavLst>
+                                    </p:anim>
+                                    <p:anim calcmode="lin" valueType="num">
+                                      <p:cBhvr additive="base">
+                                        <p:cTn id="58" dur="500" fill="hold"/>
+                                        <p:tgtEl>
+                                          <p:spTgt spid="3"/>
+                                        </p:tgtEl>
+                                        <p:attrNameLst>
+                                          <p:attrName>ppt_y</p:attrName>
+                                        </p:attrNameLst>
+                                      </p:cBhvr>
+                                      <p:tavLst>
+                                        <p:tav tm="0">
+                                          <p:val>
+                                            <p:strVal val="#ppt_y"/>
+                                          </p:val>
+                                        </p:tav>
+                                        <p:tav tm="100000">
+                                          <p:val>
+                                            <p:strVal val="#ppt_y"/>
+                                          </p:val>
+                                        </p:tav>
+                                      </p:tavLst>
+                                    </p:anim>
+                                  </p:childTnLst>
+                                </p:cTn>
+                              </p:par>
+                              <p:par>
+                                <p:cTn id="59" presetID="2" presetClass="entr" presetSubtype="2" fill="hold" grpId="0" nodeType="withEffect">
+                                  <p:stCondLst>
+                                    <p:cond delay="0"/>
+                                  </p:stCondLst>
+                                  <p:childTnLst>
+                                    <p:set>
+                                      <p:cBhvr>
+                                        <p:cTn id="60" dur="1" fill="hold">
+                                          <p:stCondLst>
+                                            <p:cond delay="0"/>
+                                          </p:stCondLst>
+                                        </p:cTn>
+                                        <p:tgtEl>
+                                          <p:spTgt spid="4"/>
+                                        </p:tgtEl>
+                                        <p:attrNameLst>
+                                          <p:attrName>style.visibility</p:attrName>
+                                        </p:attrNameLst>
+                                      </p:cBhvr>
+                                      <p:to>
+                                        <p:strVal val="visible"/>
+                                      </p:to>
+                                    </p:set>
+                                    <p:anim calcmode="lin" valueType="num">
+                                      <p:cBhvr additive="base">
+                                        <p:cTn id="61" dur="500" fill="hold"/>
+                                        <p:tgtEl>
+                                          <p:spTgt spid="4"/>
+                                        </p:tgtEl>
+                                        <p:attrNameLst>
+                                          <p:attrName>ppt_x</p:attrName>
+                                        </p:attrNameLst>
+                                      </p:cBhvr>
+                                      <p:tavLst>
+                                        <p:tav tm="0">
+                                          <p:val>
+                                            <p:strVal val="1+#ppt_w/2"/>
+                                          </p:val>
+                                        </p:tav>
+                                        <p:tav tm="100000">
+                                          <p:val>
+                                            <p:strVal val="#ppt_x"/>
+                                          </p:val>
+                                        </p:tav>
+                                      </p:tavLst>
+                                    </p:anim>
+                                    <p:anim calcmode="lin" valueType="num">
+                                      <p:cBhvr additive="base">
+                                        <p:cTn id="62" dur="500" fill="hold"/>
+                                        <p:tgtEl>
+                                          <p:spTgt spid="4"/>
+                                        </p:tgtEl>
+                                        <p:attrNameLst>
+                                          <p:attrName>ppt_y</p:attrName>
+                                        </p:attrNameLst>
+                                      </p:cBhvr>
+                                      <p:tavLst>
+                                        <p:tav tm="0">
+                                          <p:val>
+                                            <p:strVal val="#ppt_y"/>
+                                          </p:val>
+                                        </p:tav>
+                                        <p:tav tm="100000">
+                                          <p:val>
+                                            <p:strVal val="#ppt_y"/>
+                                          </p:val>
+                                        </p:tav>
+                                      </p:tavLst>
+                                    </p:anim>
+                                  </p:childTnLst>
+                                </p:cTn>
+                              </p:par>
+                            </p:childTnLst>
+                          </p:cTn>
+                        </p:par>
+                      </p:childTnLst>
+                    </p:cTn>
+                  </p:par>
+                  <p:par>
+                    <p:cTn id="63" fill="hold">
+                      <p:stCondLst>
+                        <p:cond delay="indefinite"/>
+                      </p:stCondLst>
+                      <p:childTnLst>
+                        <p:par>
+                          <p:cTn id="64" fill="hold">
+                            <p:stCondLst>
+                              <p:cond delay="0"/>
+                            </p:stCondLst>
+                            <p:childTnLst>
+                              <p:par>
+                                <p:cTn id="65" presetID="2" presetClass="entr" presetSubtype="2" fill="hold" grpId="0" nodeType="clickEffect">
+                                  <p:stCondLst>
+                                    <p:cond delay="0"/>
+                                  </p:stCondLst>
+                                  <p:childTnLst>
+                                    <p:set>
+                                      <p:cBhvr>
+                                        <p:cTn id="66" dur="1" fill="hold">
+                                          <p:stCondLst>
+                                            <p:cond delay="0"/>
+                                          </p:stCondLst>
+                                        </p:cTn>
+                                        <p:tgtEl>
+                                          <p:spTgt spid="5"/>
+                                        </p:tgtEl>
+                                        <p:attrNameLst>
+                                          <p:attrName>style.visibility</p:attrName>
+                                        </p:attrNameLst>
+                                      </p:cBhvr>
+                                      <p:to>
+                                        <p:strVal val="visible"/>
+                                      </p:to>
+                                    </p:set>
+                                    <p:anim calcmode="lin" valueType="num">
+                                      <p:cBhvr additive="base">
+                                        <p:cTn id="67" dur="500" fill="hold"/>
+                                        <p:tgtEl>
+                                          <p:spTgt spid="5"/>
+                                        </p:tgtEl>
+                                        <p:attrNameLst>
+                                          <p:attrName>ppt_x</p:attrName>
+                                        </p:attrNameLst>
+                                      </p:cBhvr>
+                                      <p:tavLst>
+                                        <p:tav tm="0">
+                                          <p:val>
+                                            <p:strVal val="1+#ppt_w/2"/>
+                                          </p:val>
+                                        </p:tav>
+                                        <p:tav tm="100000">
+                                          <p:val>
+                                            <p:strVal val="#ppt_x"/>
+                                          </p:val>
+                                        </p:tav>
+                                      </p:tavLst>
+                                    </p:anim>
+                                    <p:anim calcmode="lin" valueType="num">
+                                      <p:cBhvr additive="base">
+                                        <p:cTn id="68" dur="500" fill="hold"/>
+                                        <p:tgtEl>
+                                          <p:spTgt spid="5"/>
+                                        </p:tgtEl>
+                                        <p:attrNameLst>
+                                          <p:attrName>ppt_y</p:attrName>
+                                        </p:attrNameLst>
+                                      </p:cBhvr>
+                                      <p:tavLst>
+                                        <p:tav tm="0">
+                                          <p:val>
+                                            <p:strVal val="#ppt_y"/>
+                                          </p:val>
+                                        </p:tav>
+                                        <p:tav tm="100000">
+                                          <p:val>
+                                            <p:strVal val="#ppt_y"/>
+                                          </p:val>
+                                        </p:tav>
+                                      </p:tavLst>
+                                    </p:anim>
+                                  </p:childTnLst>
+                                </p:cTn>
+                              </p:par>
+                              <p:par>
+                                <p:cTn id="69" presetID="2" presetClass="entr" presetSubtype="2" fill="hold" grpId="0" nodeType="withEffect">
+                                  <p:stCondLst>
+                                    <p:cond delay="0"/>
+                                  </p:stCondLst>
+                                  <p:childTnLst>
+                                    <p:set>
+                                      <p:cBhvr>
+                                        <p:cTn id="70" dur="1" fill="hold">
+                                          <p:stCondLst>
+                                            <p:cond delay="0"/>
+                                          </p:stCondLst>
+                                        </p:cTn>
+                                        <p:tgtEl>
+                                          <p:spTgt spid="6"/>
+                                        </p:tgtEl>
+                                        <p:attrNameLst>
+                                          <p:attrName>style.visibility</p:attrName>
+                                        </p:attrNameLst>
+                                      </p:cBhvr>
+                                      <p:to>
+                                        <p:strVal val="visible"/>
+                                      </p:to>
+                                    </p:set>
+                                    <p:anim calcmode="lin" valueType="num">
+                                      <p:cBhvr additive="base">
+                                        <p:cTn id="71" dur="500" fill="hold"/>
+                                        <p:tgtEl>
+                                          <p:spTgt spid="6"/>
+                                        </p:tgtEl>
+                                        <p:attrNameLst>
+                                          <p:attrName>ppt_x</p:attrName>
+                                        </p:attrNameLst>
+                                      </p:cBhvr>
+                                      <p:tavLst>
+                                        <p:tav tm="0">
+                                          <p:val>
+                                            <p:strVal val="1+#ppt_w/2"/>
+                                          </p:val>
+                                        </p:tav>
+                                        <p:tav tm="100000">
+                                          <p:val>
+                                            <p:strVal val="#ppt_x"/>
+                                          </p:val>
+                                        </p:tav>
+                                      </p:tavLst>
+                                    </p:anim>
+                                    <p:anim calcmode="lin" valueType="num">
+                                      <p:cBhvr additive="base">
+                                        <p:cTn id="72" dur="500" fill="hold"/>
+                                        <p:tgtEl>
+                                          <p:spTgt spid="6"/>
+                                        </p:tgtEl>
+                                        <p:attrNameLst>
+                                          <p:attrName>ppt_y</p:attrName>
+                                        </p:attrNameLst>
+                                      </p:cBhvr>
+                                      <p:tavLst>
+                                        <p:tav tm="0">
+                                          <p:val>
+                                            <p:strVal val="#ppt_y"/>
+                                          </p:val>
+                                        </p:tav>
+                                        <p:tav tm="100000">
+                                          <p:val>
+                                            <p:strVal val="#ppt_y"/>
+                                          </p:val>
+                                        </p:tav>
+                                      </p:tavLst>
+                                    </p:anim>
+                                  </p:childTnLst>
+                                </p:cTn>
+                              </p:par>
+                            </p:childTnLst>
+                          </p:cTn>
+                        </p:par>
+                      </p:childTnLst>
+                    </p:cTn>
+                  </p:par>
                 </p:childTnLst>
               </p:cTn>
               <p:prevCondLst>
@@ -17883,6 +24055,10 @@
       <p:bldP spid="21" grpId="0"/>
       <p:bldP spid="29" grpId="0" bldLvl="0" animBg="1"/>
       <p:bldP spid="22" grpId="0"/>
+      <p:bldP spid="3" grpId="0" bldLvl="0" animBg="1"/>
+      <p:bldP spid="4" grpId="0" bldLvl="0" animBg="1"/>
+      <p:bldP spid="5" grpId="0" bldLvl="0" animBg="1"/>
+      <p:bldP spid="6" grpId="0" bldLvl="0" animBg="1"/>
     </p:bldLst>
   </p:timing>
 </p:sld>
@@ -25338,41 +31514,47 @@
           <a:chExt cx="0" cy="0"/>
         </a:xfrm>
       </p:grpSpPr>
-      <p:sp>
-        <p:nvSpPr>
-          <p:cNvPr id="2" name="文本框 1"/>
-          <p:cNvSpPr txBox="1"/>
+      <p:pic>
+        <p:nvPicPr>
+          <p:cNvPr id="1026" name="Picture 2" descr="D:\SinoServices\文档模板\ppt模板\2014\PPT封底_2014.jpg"/>
+          <p:cNvPicPr>
+            <a:picLocks noChangeAspect="1" noChangeArrowheads="1"/>
+          </p:cNvPicPr>
           <p:nvPr/>
-        </p:nvSpPr>
-        <p:spPr>
+        </p:nvPicPr>
+        <p:blipFill>
+          <a:blip r:embed="rId1">
+            <a:extLst>
+              <a:ext uri="{28A0092B-C50C-407E-A947-70E740481C1C}">
+                <a14:useLocalDpi xmlns:a14="http://schemas.microsoft.com/office/drawing/2010/main" val="0"/>
+              </a:ext>
+            </a:extLst>
+          </a:blip>
+          <a:srcRect/>
+          <a:stretch>
+            <a:fillRect/>
+          </a:stretch>
+        </p:blipFill>
+        <p:spPr bwMode="auto">
           <a:xfrm>
-            <a:off x="3606800" y="2729230"/>
-            <a:ext cx="3534410" cy="1097280"/>
+            <a:off x="-36512" y="0"/>
+            <a:ext cx="9180512" cy="6885384"/>
           </a:xfrm>
           <a:prstGeom prst="rect">
             <a:avLst/>
           </a:prstGeom>
           <a:noFill/>
+          <a:extLst>
+            <a:ext uri="{909E8E84-426E-40DD-AFC4-6F175D3DCCD1}">
+              <a14:hiddenFill xmlns:a14="http://schemas.microsoft.com/office/drawing/2010/main">
+                <a:solidFill>
+                  <a:srgbClr val="FFFFFF"/>
+                </a:solidFill>
+              </a14:hiddenFill>
+            </a:ext>
+          </a:extLst>
         </p:spPr>
-        <p:txBody>
-          <a:bodyPr wrap="square" rtlCol="0">
-            <a:spAutoFit/>
-          </a:bodyPr>
-          <a:p>
-            <a:r>
-              <a:rPr lang="zh-CN" altLang="zh-CN" sz="6600">
-                <a:latin typeface="楷体" panose="02010609060101010101" charset="-122"/>
-                <a:ea typeface="楷体" panose="02010609060101010101" charset="-122"/>
-              </a:rPr>
-              <a:t>谢谢</a:t>
-            </a:r>
-            <a:endParaRPr lang="zh-CN" altLang="zh-CN" sz="6600">
-              <a:latin typeface="楷体" panose="02010609060101010101" charset="-122"/>
-              <a:ea typeface="楷体" panose="02010609060101010101" charset="-122"/>
-            </a:endParaRPr>
-          </a:p>
-        </p:txBody>
-      </p:sp>
+      </p:pic>
     </p:spTree>
   </p:cSld>
   <p:clrMapOvr>
